--- a/Ressources/ChaineFonc.pptx
+++ b/Ressources/ChaineFonc.pptx
@@ -8,6 +8,7 @@
     <p:sldId id="256" r:id="rId2"/>
     <p:sldId id="257" r:id="rId3"/>
     <p:sldId id="258" r:id="rId4"/>
+    <p:sldId id="259" r:id="rId5"/>
   </p:sldIdLst>
   <p:sldSz cx="9144000" cy="6858000" type="screen4x3"/>
   <p:notesSz cx="6858000" cy="9144000"/>
@@ -291,7 +292,7 @@
             <a:fld id="{AA309A6D-C09C-4548-B29A-6CF363A7E532}" type="datetimeFigureOut">
               <a:rPr lang="fr-FR" smtClean="0"/>
               <a:pPr/>
-              <a:t>05/02/2014</a:t>
+              <a:t>08/09/2016</a:t>
             </a:fld>
             <a:endParaRPr lang="fr-BE"/>
           </a:p>
@@ -458,7 +459,7 @@
             <a:fld id="{AA309A6D-C09C-4548-B29A-6CF363A7E532}" type="datetimeFigureOut">
               <a:rPr lang="fr-FR" smtClean="0"/>
               <a:pPr/>
-              <a:t>05/02/2014</a:t>
+              <a:t>08/09/2016</a:t>
             </a:fld>
             <a:endParaRPr lang="fr-BE"/>
           </a:p>
@@ -635,7 +636,7 @@
             <a:fld id="{AA309A6D-C09C-4548-B29A-6CF363A7E532}" type="datetimeFigureOut">
               <a:rPr lang="fr-FR" smtClean="0"/>
               <a:pPr/>
-              <a:t>05/02/2014</a:t>
+              <a:t>08/09/2016</a:t>
             </a:fld>
             <a:endParaRPr lang="fr-BE"/>
           </a:p>
@@ -802,7 +803,7 @@
             <a:fld id="{AA309A6D-C09C-4548-B29A-6CF363A7E532}" type="datetimeFigureOut">
               <a:rPr lang="fr-FR" smtClean="0"/>
               <a:pPr/>
-              <a:t>05/02/2014</a:t>
+              <a:t>08/09/2016</a:t>
             </a:fld>
             <a:endParaRPr lang="fr-BE"/>
           </a:p>
@@ -1045,7 +1046,7 @@
             <a:fld id="{AA309A6D-C09C-4548-B29A-6CF363A7E532}" type="datetimeFigureOut">
               <a:rPr lang="fr-FR" smtClean="0"/>
               <a:pPr/>
-              <a:t>05/02/2014</a:t>
+              <a:t>08/09/2016</a:t>
             </a:fld>
             <a:endParaRPr lang="fr-BE"/>
           </a:p>
@@ -1330,7 +1331,7 @@
             <a:fld id="{AA309A6D-C09C-4548-B29A-6CF363A7E532}" type="datetimeFigureOut">
               <a:rPr lang="fr-FR" smtClean="0"/>
               <a:pPr/>
-              <a:t>05/02/2014</a:t>
+              <a:t>08/09/2016</a:t>
             </a:fld>
             <a:endParaRPr lang="fr-BE"/>
           </a:p>
@@ -1749,7 +1750,7 @@
             <a:fld id="{AA309A6D-C09C-4548-B29A-6CF363A7E532}" type="datetimeFigureOut">
               <a:rPr lang="fr-FR" smtClean="0"/>
               <a:pPr/>
-              <a:t>05/02/2014</a:t>
+              <a:t>08/09/2016</a:t>
             </a:fld>
             <a:endParaRPr lang="fr-BE"/>
           </a:p>
@@ -1864,7 +1865,7 @@
             <a:fld id="{AA309A6D-C09C-4548-B29A-6CF363A7E532}" type="datetimeFigureOut">
               <a:rPr lang="fr-FR" smtClean="0"/>
               <a:pPr/>
-              <a:t>05/02/2014</a:t>
+              <a:t>08/09/2016</a:t>
             </a:fld>
             <a:endParaRPr lang="fr-BE"/>
           </a:p>
@@ -1956,7 +1957,7 @@
             <a:fld id="{AA309A6D-C09C-4548-B29A-6CF363A7E532}" type="datetimeFigureOut">
               <a:rPr lang="fr-FR" smtClean="0"/>
               <a:pPr/>
-              <a:t>05/02/2014</a:t>
+              <a:t>08/09/2016</a:t>
             </a:fld>
             <a:endParaRPr lang="fr-BE"/>
           </a:p>
@@ -2230,7 +2231,7 @@
             <a:fld id="{AA309A6D-C09C-4548-B29A-6CF363A7E532}" type="datetimeFigureOut">
               <a:rPr lang="fr-FR" smtClean="0"/>
               <a:pPr/>
-              <a:t>05/02/2014</a:t>
+              <a:t>08/09/2016</a:t>
             </a:fld>
             <a:endParaRPr lang="fr-BE"/>
           </a:p>
@@ -2480,7 +2481,7 @@
             <a:fld id="{AA309A6D-C09C-4548-B29A-6CF363A7E532}" type="datetimeFigureOut">
               <a:rPr lang="fr-FR" smtClean="0"/>
               <a:pPr/>
-              <a:t>05/02/2014</a:t>
+              <a:t>08/09/2016</a:t>
             </a:fld>
             <a:endParaRPr lang="fr-BE"/>
           </a:p>
@@ -2690,7 +2691,7 @@
             <a:fld id="{AA309A6D-C09C-4548-B29A-6CF363A7E532}" type="datetimeFigureOut">
               <a:rPr lang="fr-FR" smtClean="0"/>
               <a:pPr/>
-              <a:t>05/02/2014</a:t>
+              <a:t>08/09/2016</a:t>
             </a:fld>
             <a:endParaRPr lang="fr-BE"/>
           </a:p>
@@ -4010,8 +4011,8 @@
           </a:fontRef>
         </p:style>
       </p:cxnSp>
-      <mc:AlternateContent xmlns:mc="http://schemas.openxmlformats.org/markup-compatibility/2006">
-        <mc:Choice xmlns:a14="http://schemas.microsoft.com/office/drawing/2010/main" xmlns="" Requires="a14">
+      <mc:AlternateContent xmlns:mc="http://schemas.openxmlformats.org/markup-compatibility/2006" xmlns:a14="http://schemas.microsoft.com/office/drawing/2010/main">
+        <mc:Choice Requires="a14">
           <p:sp>
             <p:nvSpPr>
               <p:cNvPr id="28" name="ZoneTexte 27"/>
@@ -4073,7 +4074,7 @@
             </p:txBody>
           </p:sp>
         </mc:Choice>
-        <mc:Fallback>
+        <mc:Fallback xmlns="">
           <p:sp>
             <p:nvSpPr>
               <p:cNvPr id="28" name="ZoneTexte 27"/>
@@ -4112,8 +4113,8 @@
           </p:sp>
         </mc:Fallback>
       </mc:AlternateContent>
-      <mc:AlternateContent xmlns:mc="http://schemas.openxmlformats.org/markup-compatibility/2006">
-        <mc:Choice xmlns:a14="http://schemas.microsoft.com/office/drawing/2010/main" xmlns="" Requires="a14">
+      <mc:AlternateContent xmlns:mc="http://schemas.openxmlformats.org/markup-compatibility/2006" xmlns:a14="http://schemas.microsoft.com/office/drawing/2010/main">
+        <mc:Choice Requires="a14">
           <p:sp>
             <p:nvSpPr>
               <p:cNvPr id="29" name="ZoneTexte 28"/>
@@ -4157,7 +4158,7 @@
             </p:txBody>
           </p:sp>
         </mc:Choice>
-        <mc:Fallback>
+        <mc:Fallback xmlns="">
           <p:sp>
             <p:nvSpPr>
               <p:cNvPr id="29" name="ZoneTexte 28"/>
@@ -4196,8 +4197,8 @@
           </p:sp>
         </mc:Fallback>
       </mc:AlternateContent>
-      <mc:AlternateContent xmlns:mc="http://schemas.openxmlformats.org/markup-compatibility/2006">
-        <mc:Choice xmlns:a14="http://schemas.microsoft.com/office/drawing/2010/main" xmlns="" Requires="a14">
+      <mc:AlternateContent xmlns:mc="http://schemas.openxmlformats.org/markup-compatibility/2006" xmlns:a14="http://schemas.microsoft.com/office/drawing/2010/main">
+        <mc:Choice Requires="a14">
           <p:sp>
             <p:nvSpPr>
               <p:cNvPr id="30" name="ZoneTexte 29"/>
@@ -4241,7 +4242,7 @@
             </p:txBody>
           </p:sp>
         </mc:Choice>
-        <mc:Fallback>
+        <mc:Fallback xmlns="">
           <p:sp>
             <p:nvSpPr>
               <p:cNvPr id="30" name="ZoneTexte 29"/>
@@ -4316,8 +4317,8 @@
           </a:fontRef>
         </p:style>
       </p:cxnSp>
-      <mc:AlternateContent xmlns:mc="http://schemas.openxmlformats.org/markup-compatibility/2006">
-        <mc:Choice xmlns:a14="http://schemas.microsoft.com/office/drawing/2010/main" xmlns="" Requires="a14">
+      <mc:AlternateContent xmlns:mc="http://schemas.openxmlformats.org/markup-compatibility/2006" xmlns:a14="http://schemas.microsoft.com/office/drawing/2010/main">
+        <mc:Choice Requires="a14">
           <p:sp>
             <p:nvSpPr>
               <p:cNvPr id="32" name="ZoneTexte 31"/>
@@ -4379,7 +4380,7 @@
             </p:txBody>
           </p:sp>
         </mc:Choice>
-        <mc:Fallback>
+        <mc:Fallback xmlns="">
           <p:sp>
             <p:nvSpPr>
               <p:cNvPr id="32" name="ZoneTexte 31"/>
@@ -4418,8 +4419,8 @@
           </p:sp>
         </mc:Fallback>
       </mc:AlternateContent>
-      <mc:AlternateContent xmlns:mc="http://schemas.openxmlformats.org/markup-compatibility/2006">
-        <mc:Choice xmlns:a14="http://schemas.microsoft.com/office/drawing/2010/main" xmlns="" Requires="a14">
+      <mc:AlternateContent xmlns:mc="http://schemas.openxmlformats.org/markup-compatibility/2006" xmlns:a14="http://schemas.microsoft.com/office/drawing/2010/main">
+        <mc:Choice Requires="a14">
           <p:sp>
             <p:nvSpPr>
               <p:cNvPr id="33" name="ZoneTexte 32"/>
@@ -4481,7 +4482,7 @@
             </p:txBody>
           </p:sp>
         </mc:Choice>
-        <mc:Fallback>
+        <mc:Fallback xmlns="">
           <p:sp>
             <p:nvSpPr>
               <p:cNvPr id="33" name="ZoneTexte 32"/>
@@ -4556,8 +4557,8 @@
           </a:fontRef>
         </p:style>
       </p:cxnSp>
-      <mc:AlternateContent xmlns:mc="http://schemas.openxmlformats.org/markup-compatibility/2006">
-        <mc:Choice xmlns:a14="http://schemas.microsoft.com/office/drawing/2010/main" xmlns="" Requires="a14">
+      <mc:AlternateContent xmlns:mc="http://schemas.openxmlformats.org/markup-compatibility/2006" xmlns:a14="http://schemas.microsoft.com/office/drawing/2010/main">
+        <mc:Choice Requires="a14">
           <p:sp>
             <p:nvSpPr>
               <p:cNvPr id="35" name="ZoneTexte 34"/>
@@ -4601,7 +4602,7 @@
             </p:txBody>
           </p:sp>
         </mc:Choice>
-        <mc:Fallback>
+        <mc:Fallback xmlns="">
           <p:sp>
             <p:nvSpPr>
               <p:cNvPr id="35" name="ZoneTexte 34"/>
@@ -4640,8 +4641,8 @@
           </p:sp>
         </mc:Fallback>
       </mc:AlternateContent>
-      <mc:AlternateContent xmlns:mc="http://schemas.openxmlformats.org/markup-compatibility/2006">
-        <mc:Choice xmlns:a14="http://schemas.microsoft.com/office/drawing/2010/main" xmlns="" Requires="a14">
+      <mc:AlternateContent xmlns:mc="http://schemas.openxmlformats.org/markup-compatibility/2006" xmlns:a14="http://schemas.microsoft.com/office/drawing/2010/main">
+        <mc:Choice Requires="a14">
           <p:sp>
             <p:nvSpPr>
               <p:cNvPr id="36" name="ZoneTexte 35"/>
@@ -4770,7 +4771,7 @@
             </p:txBody>
           </p:sp>
         </mc:Choice>
-        <mc:Fallback>
+        <mc:Fallback xmlns="">
           <p:sp>
             <p:nvSpPr>
               <p:cNvPr id="36" name="ZoneTexte 35"/>
@@ -4809,8 +4810,8 @@
           </p:sp>
         </mc:Fallback>
       </mc:AlternateContent>
-      <mc:AlternateContent xmlns:mc="http://schemas.openxmlformats.org/markup-compatibility/2006">
-        <mc:Choice xmlns:a14="http://schemas.microsoft.com/office/drawing/2010/main" xmlns="" Requires="a14">
+      <mc:AlternateContent xmlns:mc="http://schemas.openxmlformats.org/markup-compatibility/2006" xmlns:a14="http://schemas.microsoft.com/office/drawing/2010/main">
+        <mc:Choice Requires="a14">
           <p:sp>
             <p:nvSpPr>
               <p:cNvPr id="37" name="ZoneTexte 36"/>
@@ -4854,7 +4855,7 @@
             </p:txBody>
           </p:sp>
         </mc:Choice>
-        <mc:Fallback>
+        <mc:Fallback xmlns="">
           <p:sp>
             <p:nvSpPr>
               <p:cNvPr id="37" name="ZoneTexte 36"/>
@@ -5856,8 +5857,8 @@
             </a:fontRef>
           </p:style>
         </p:cxnSp>
-        <mc:AlternateContent xmlns:mc="http://schemas.openxmlformats.org/markup-compatibility/2006">
-          <mc:Choice xmlns:a14="http://schemas.microsoft.com/office/drawing/2010/main" xmlns="" Requires="a14">
+        <mc:AlternateContent xmlns:mc="http://schemas.openxmlformats.org/markup-compatibility/2006" xmlns:a14="http://schemas.microsoft.com/office/drawing/2010/main">
+          <mc:Choice Requires="a14">
             <p:sp>
               <p:nvSpPr>
                 <p:cNvPr id="62" name="ZoneTexte 61"/>
@@ -5919,7 +5920,7 @@
               </p:txBody>
             </p:sp>
           </mc:Choice>
-          <mc:Fallback>
+          <mc:Fallback xmlns="">
             <p:sp>
               <p:nvSpPr>
                 <p:cNvPr id="62" name="ZoneTexte 61"/>
@@ -5958,8 +5959,8 @@
             </p:sp>
           </mc:Fallback>
         </mc:AlternateContent>
-        <mc:AlternateContent xmlns:mc="http://schemas.openxmlformats.org/markup-compatibility/2006">
-          <mc:Choice xmlns:a14="http://schemas.microsoft.com/office/drawing/2010/main" xmlns="" Requires="a14">
+        <mc:AlternateContent xmlns:mc="http://schemas.openxmlformats.org/markup-compatibility/2006" xmlns:a14="http://schemas.microsoft.com/office/drawing/2010/main">
+          <mc:Choice Requires="a14">
             <p:sp>
               <p:nvSpPr>
                 <p:cNvPr id="63" name="ZoneTexte 62"/>
@@ -6003,7 +6004,7 @@
               </p:txBody>
             </p:sp>
           </mc:Choice>
-          <mc:Fallback>
+          <mc:Fallback xmlns="">
             <p:sp>
               <p:nvSpPr>
                 <p:cNvPr id="63" name="ZoneTexte 62"/>
@@ -6042,8 +6043,8 @@
             </p:sp>
           </mc:Fallback>
         </mc:AlternateContent>
-        <mc:AlternateContent xmlns:mc="http://schemas.openxmlformats.org/markup-compatibility/2006">
-          <mc:Choice xmlns:a14="http://schemas.microsoft.com/office/drawing/2010/main" xmlns="" Requires="a14">
+        <mc:AlternateContent xmlns:mc="http://schemas.openxmlformats.org/markup-compatibility/2006" xmlns:a14="http://schemas.microsoft.com/office/drawing/2010/main">
+          <mc:Choice Requires="a14">
             <p:sp>
               <p:nvSpPr>
                 <p:cNvPr id="64" name="ZoneTexte 63"/>
@@ -6087,7 +6088,7 @@
               </p:txBody>
             </p:sp>
           </mc:Choice>
-          <mc:Fallback>
+          <mc:Fallback xmlns="">
             <p:sp>
               <p:nvSpPr>
                 <p:cNvPr id="64" name="ZoneTexte 63"/>
@@ -6400,8 +6401,8 @@
             </a:fontRef>
           </p:style>
         </p:cxnSp>
-        <mc:AlternateContent xmlns:mc="http://schemas.openxmlformats.org/markup-compatibility/2006">
-          <mc:Choice xmlns:a14="http://schemas.microsoft.com/office/drawing/2010/main" xmlns="" Requires="a14">
+        <mc:AlternateContent xmlns:mc="http://schemas.openxmlformats.org/markup-compatibility/2006" xmlns:a14="http://schemas.microsoft.com/office/drawing/2010/main">
+          <mc:Choice Requires="a14">
             <p:sp>
               <p:nvSpPr>
                 <p:cNvPr id="66" name="ZoneTexte 65"/>
@@ -6463,7 +6464,7 @@
               </p:txBody>
             </p:sp>
           </mc:Choice>
-          <mc:Fallback>
+          <mc:Fallback xmlns="">
             <p:sp>
               <p:nvSpPr>
                 <p:cNvPr id="66" name="ZoneTexte 65"/>
@@ -6502,8 +6503,8 @@
             </p:sp>
           </mc:Fallback>
         </mc:AlternateContent>
-        <mc:AlternateContent xmlns:mc="http://schemas.openxmlformats.org/markup-compatibility/2006">
-          <mc:Choice xmlns:a14="http://schemas.microsoft.com/office/drawing/2010/main" xmlns="" Requires="a14">
+        <mc:AlternateContent xmlns:mc="http://schemas.openxmlformats.org/markup-compatibility/2006" xmlns:a14="http://schemas.microsoft.com/office/drawing/2010/main">
+          <mc:Choice Requires="a14">
             <p:sp>
               <p:nvSpPr>
                 <p:cNvPr id="67" name="ZoneTexte 66"/>
@@ -6565,7 +6566,7 @@
               </p:txBody>
             </p:sp>
           </mc:Choice>
-          <mc:Fallback>
+          <mc:Fallback xmlns="">
             <p:sp>
               <p:nvSpPr>
                 <p:cNvPr id="67" name="ZoneTexte 66"/>
@@ -6640,8 +6641,8 @@
             </a:fontRef>
           </p:style>
         </p:cxnSp>
-        <mc:AlternateContent xmlns:mc="http://schemas.openxmlformats.org/markup-compatibility/2006">
-          <mc:Choice xmlns:a14="http://schemas.microsoft.com/office/drawing/2010/main" xmlns="" Requires="a14">
+        <mc:AlternateContent xmlns:mc="http://schemas.openxmlformats.org/markup-compatibility/2006" xmlns:a14="http://schemas.microsoft.com/office/drawing/2010/main">
+          <mc:Choice Requires="a14">
             <p:sp>
               <p:nvSpPr>
                 <p:cNvPr id="69" name="ZoneTexte 68"/>
@@ -6685,7 +6686,7 @@
               </p:txBody>
             </p:sp>
           </mc:Choice>
-          <mc:Fallback>
+          <mc:Fallback xmlns="">
             <p:sp>
               <p:nvSpPr>
                 <p:cNvPr id="69" name="ZoneTexte 68"/>
@@ -6724,8 +6725,8 @@
             </p:sp>
           </mc:Fallback>
         </mc:AlternateContent>
-        <mc:AlternateContent xmlns:mc="http://schemas.openxmlformats.org/markup-compatibility/2006">
-          <mc:Choice xmlns:a14="http://schemas.microsoft.com/office/drawing/2010/main" xmlns="" Requires="a14">
+        <mc:AlternateContent xmlns:mc="http://schemas.openxmlformats.org/markup-compatibility/2006" xmlns:a14="http://schemas.microsoft.com/office/drawing/2010/main">
+          <mc:Choice Requires="a14">
             <p:sp>
               <p:nvSpPr>
                 <p:cNvPr id="70" name="ZoneTexte 69"/>
@@ -6854,7 +6855,7 @@
               </p:txBody>
             </p:sp>
           </mc:Choice>
-          <mc:Fallback>
+          <mc:Fallback xmlns="">
             <p:sp>
               <p:nvSpPr>
                 <p:cNvPr id="70" name="ZoneTexte 69"/>
@@ -6893,8 +6894,8 @@
             </p:sp>
           </mc:Fallback>
         </mc:AlternateContent>
-        <mc:AlternateContent xmlns:mc="http://schemas.openxmlformats.org/markup-compatibility/2006">
-          <mc:Choice xmlns:a14="http://schemas.microsoft.com/office/drawing/2010/main" xmlns="" Requires="a14">
+        <mc:AlternateContent xmlns:mc="http://schemas.openxmlformats.org/markup-compatibility/2006" xmlns:a14="http://schemas.microsoft.com/office/drawing/2010/main">
+          <mc:Choice Requires="a14">
             <p:sp>
               <p:nvSpPr>
                 <p:cNvPr id="71" name="ZoneTexte 70"/>
@@ -6938,7 +6939,7 @@
               </p:txBody>
             </p:sp>
           </mc:Choice>
-          <mc:Fallback>
+          <mc:Fallback xmlns="">
             <p:sp>
               <p:nvSpPr>
                 <p:cNvPr id="71" name="ZoneTexte 70"/>
@@ -7016,7 +7017,7 @@
     </p:spTree>
     <p:extLst>
       <p:ext uri="{BB962C8B-B14F-4D97-AF65-F5344CB8AC3E}">
-        <p14:creationId xmlns:p14="http://schemas.microsoft.com/office/powerpoint/2010/main" xmlns="" val="2128774172"/>
+        <p14:creationId xmlns:p14="http://schemas.microsoft.com/office/powerpoint/2010/main" val="2128774172"/>
       </p:ext>
     </p:extLst>
   </p:cSld>
@@ -9265,20 +9266,6 @@
               </a:rPr>
               <a:t>Cap initial</a:t>
             </a:r>
-            <a:endParaRPr kumimoji="0" lang="fr-FR" sz="1600" b="1" i="0" u="none" strike="noStrike" kern="0" cap="none" spc="0" normalizeH="0" baseline="0" noProof="0" dirty="0" smtClean="0">
-              <a:ln>
-                <a:noFill/>
-              </a:ln>
-              <a:solidFill>
-                <a:srgbClr val="C00000"/>
-              </a:solidFill>
-              <a:effectLst/>
-              <a:uLnTx/>
-              <a:uFillTx/>
-              <a:latin typeface="Calibri"/>
-              <a:ea typeface="+mn-ea"/>
-              <a:cs typeface="+mn-cs"/>
-            </a:endParaRPr>
           </a:p>
         </p:txBody>
       </p:sp>
@@ -9341,20 +9328,6 @@
               </a:rPr>
               <a:t>Cap final</a:t>
             </a:r>
-            <a:endParaRPr kumimoji="0" lang="fr-FR" sz="1600" b="1" i="0" u="none" strike="noStrike" kern="0" cap="none" spc="0" normalizeH="0" baseline="0" noProof="0" dirty="0" smtClean="0">
-              <a:ln>
-                <a:noFill/>
-              </a:ln>
-              <a:solidFill>
-                <a:srgbClr val="C00000"/>
-              </a:solidFill>
-              <a:effectLst/>
-              <a:uLnTx/>
-              <a:uFillTx/>
-              <a:latin typeface="Calibri"/>
-              <a:ea typeface="+mn-ea"/>
-              <a:cs typeface="+mn-cs"/>
-            </a:endParaRPr>
           </a:p>
         </p:txBody>
       </p:sp>
@@ -12043,6 +12016,2723 @@
         </p:txBody>
       </p:sp>
     </p:spTree>
+  </p:cSld>
+  <p:clrMapOvr>
+    <a:masterClrMapping/>
+  </p:clrMapOvr>
+</p:sld>
+</file>
+
+<file path=ppt/slides/slide4.xml><?xml version="1.0" encoding="utf-8"?>
+<p:sld xmlns:a="http://schemas.openxmlformats.org/drawingml/2006/main" xmlns:r="http://schemas.openxmlformats.org/officeDocument/2006/relationships" xmlns:p="http://schemas.openxmlformats.org/presentationml/2006/main">
+  <p:cSld>
+    <p:spTree>
+      <p:nvGrpSpPr>
+        <p:cNvPr id="1" name=""/>
+        <p:cNvGrpSpPr/>
+        <p:nvPr/>
+      </p:nvGrpSpPr>
+      <p:grpSpPr>
+        <a:xfrm>
+          <a:off x="0" y="0"/>
+          <a:ext cx="0" cy="0"/>
+          <a:chOff x="0" y="0"/>
+          <a:chExt cx="0" cy="0"/>
+        </a:xfrm>
+      </p:grpSpPr>
+      <p:sp>
+        <p:nvSpPr>
+          <p:cNvPr id="4" name="Flèche vers le bas 3"/>
+          <p:cNvSpPr/>
+          <p:nvPr/>
+        </p:nvSpPr>
+        <p:spPr>
+          <a:xfrm>
+            <a:off x="9499890" y="4941168"/>
+            <a:ext cx="405180" cy="819344"/>
+          </a:xfrm>
+          <a:prstGeom prst="downArrow">
+            <a:avLst/>
+          </a:prstGeom>
+          <a:solidFill>
+            <a:sysClr val="window" lastClr="FFFFFF"/>
+          </a:solidFill>
+          <a:ln w="25400" cap="flat" cmpd="sng" algn="ctr">
+            <a:solidFill>
+              <a:srgbClr val="C0504D"/>
+            </a:solidFill>
+            <a:prstDash val="solid"/>
+          </a:ln>
+          <a:effectLst/>
+        </p:spPr>
+        <p:txBody>
+          <a:bodyPr rtlCol="0" anchor="ctr"/>
+          <a:lstStyle/>
+          <a:p>
+            <a:pPr marL="0" marR="0" lvl="0" indent="0" algn="ctr" defTabSz="914400" eaLnBrk="1" fontAlgn="auto" latinLnBrk="0" hangingPunct="1">
+              <a:lnSpc>
+                <a:spcPct val="100000"/>
+              </a:lnSpc>
+              <a:spcBef>
+                <a:spcPts val="0"/>
+              </a:spcBef>
+              <a:spcAft>
+                <a:spcPts val="0"/>
+              </a:spcAft>
+              <a:buClrTx/>
+              <a:buSzTx/>
+              <a:buFontTx/>
+              <a:buNone/>
+              <a:tabLst/>
+              <a:defRPr/>
+            </a:pPr>
+            <a:endParaRPr kumimoji="0" lang="fr-FR" sz="1600" b="0" i="0" u="none" strike="noStrike" kern="0" cap="none" spc="0" normalizeH="0" baseline="0" noProof="0" smtClean="0">
+              <a:ln>
+                <a:noFill/>
+              </a:ln>
+              <a:solidFill>
+                <a:prstClr val="black"/>
+              </a:solidFill>
+              <a:effectLst/>
+              <a:uLnTx/>
+              <a:uFillTx/>
+              <a:latin typeface="Calibri"/>
+              <a:ea typeface="+mn-ea"/>
+              <a:cs typeface="+mn-cs"/>
+            </a:endParaRPr>
+          </a:p>
+        </p:txBody>
+      </p:sp>
+      <p:sp>
+        <p:nvSpPr>
+          <p:cNvPr id="5" name="Rectangle à coins arrondis 4"/>
+          <p:cNvSpPr/>
+          <p:nvPr/>
+        </p:nvSpPr>
+        <p:spPr>
+          <a:xfrm>
+            <a:off x="389752" y="2779343"/>
+            <a:ext cx="10446944" cy="1729778"/>
+          </a:xfrm>
+          <a:prstGeom prst="roundRect">
+            <a:avLst/>
+          </a:prstGeom>
+          <a:solidFill>
+            <a:sysClr val="window" lastClr="FFFFFF"/>
+          </a:solidFill>
+          <a:ln w="25400" cap="flat" cmpd="sng" algn="ctr">
+            <a:solidFill>
+              <a:srgbClr val="C0504D"/>
+            </a:solidFill>
+            <a:prstDash val="solid"/>
+          </a:ln>
+          <a:effectLst/>
+        </p:spPr>
+        <p:txBody>
+          <a:bodyPr rtlCol="0" anchor="b"/>
+          <a:lstStyle/>
+          <a:p>
+            <a:pPr marL="0" marR="0" lvl="0" indent="0" algn="ctr" defTabSz="914400" eaLnBrk="1" fontAlgn="auto" latinLnBrk="0" hangingPunct="1">
+              <a:lnSpc>
+                <a:spcPct val="100000"/>
+              </a:lnSpc>
+              <a:spcBef>
+                <a:spcPts val="0"/>
+              </a:spcBef>
+              <a:spcAft>
+                <a:spcPts val="0"/>
+              </a:spcAft>
+              <a:buClrTx/>
+              <a:buSzTx/>
+              <a:buFontTx/>
+              <a:buNone/>
+              <a:tabLst/>
+              <a:defRPr/>
+            </a:pPr>
+            <a:r>
+              <a:rPr kumimoji="0" lang="fr-FR" sz="1400" b="0" i="1" u="none" strike="noStrike" kern="0" cap="none" spc="0" normalizeH="0" baseline="0" noProof="0" dirty="0" smtClean="0">
+                <a:ln>
+                  <a:noFill/>
+                </a:ln>
+                <a:solidFill>
+                  <a:prstClr val="black"/>
+                </a:solidFill>
+                <a:effectLst/>
+                <a:uLnTx/>
+                <a:uFillTx/>
+                <a:latin typeface="Calibri"/>
+                <a:ea typeface="+mn-ea"/>
+                <a:cs typeface="+mn-cs"/>
+              </a:rPr>
+              <a:t>Chaîne d’énergie</a:t>
+            </a:r>
+          </a:p>
+        </p:txBody>
+      </p:sp>
+      <p:sp>
+        <p:nvSpPr>
+          <p:cNvPr id="6" name="Rectangle à coins arrondis 5"/>
+          <p:cNvSpPr/>
+          <p:nvPr/>
+        </p:nvSpPr>
+        <p:spPr>
+          <a:xfrm>
+            <a:off x="389752" y="328111"/>
+            <a:ext cx="6473690" cy="1557660"/>
+          </a:xfrm>
+          <a:prstGeom prst="roundRect">
+            <a:avLst/>
+          </a:prstGeom>
+          <a:solidFill>
+            <a:sysClr val="window" lastClr="FFFFFF"/>
+          </a:solidFill>
+          <a:ln w="25400" cap="flat" cmpd="sng" algn="ctr">
+            <a:solidFill>
+              <a:srgbClr val="4F81BD"/>
+            </a:solidFill>
+            <a:prstDash val="solid"/>
+          </a:ln>
+          <a:effectLst/>
+        </p:spPr>
+        <p:txBody>
+          <a:bodyPr rtlCol="0" anchor="t"/>
+          <a:lstStyle/>
+          <a:p>
+            <a:pPr marL="0" marR="0" lvl="0" indent="0" algn="ctr" defTabSz="914400" eaLnBrk="1" fontAlgn="auto" latinLnBrk="0" hangingPunct="1">
+              <a:lnSpc>
+                <a:spcPct val="100000"/>
+              </a:lnSpc>
+              <a:spcBef>
+                <a:spcPts val="0"/>
+              </a:spcBef>
+              <a:spcAft>
+                <a:spcPts val="0"/>
+              </a:spcAft>
+              <a:buClrTx/>
+              <a:buSzTx/>
+              <a:buFontTx/>
+              <a:buNone/>
+              <a:tabLst/>
+              <a:defRPr/>
+            </a:pPr>
+            <a:r>
+              <a:rPr kumimoji="0" lang="fr-FR" sz="1400" b="0" i="1" u="none" strike="noStrike" kern="0" cap="none" spc="0" normalizeH="0" baseline="0" noProof="0" dirty="0" smtClean="0">
+                <a:ln>
+                  <a:noFill/>
+                </a:ln>
+                <a:solidFill>
+                  <a:prstClr val="black"/>
+                </a:solidFill>
+                <a:effectLst/>
+                <a:uLnTx/>
+                <a:uFillTx/>
+                <a:latin typeface="Calibri"/>
+                <a:ea typeface="+mn-ea"/>
+                <a:cs typeface="+mn-cs"/>
+              </a:rPr>
+              <a:t>Chaîne d’information</a:t>
+            </a:r>
+          </a:p>
+        </p:txBody>
+      </p:sp>
+      <p:sp>
+        <p:nvSpPr>
+          <p:cNvPr id="7" name="Rectangle 6"/>
+          <p:cNvSpPr/>
+          <p:nvPr/>
+        </p:nvSpPr>
+        <p:spPr>
+          <a:xfrm>
+            <a:off x="593482" y="908720"/>
+            <a:ext cx="1620000" cy="694102"/>
+          </a:xfrm>
+          <a:prstGeom prst="rect">
+            <a:avLst/>
+          </a:prstGeom>
+          <a:gradFill rotWithShape="1">
+            <a:gsLst>
+              <a:gs pos="0">
+                <a:srgbClr val="4F81BD">
+                  <a:tint val="50000"/>
+                  <a:satMod val="300000"/>
+                </a:srgbClr>
+              </a:gs>
+              <a:gs pos="35000">
+                <a:srgbClr val="4F81BD">
+                  <a:tint val="37000"/>
+                  <a:satMod val="300000"/>
+                </a:srgbClr>
+              </a:gs>
+              <a:gs pos="100000">
+                <a:srgbClr val="4F81BD">
+                  <a:tint val="15000"/>
+                  <a:satMod val="350000"/>
+                </a:srgbClr>
+              </a:gs>
+            </a:gsLst>
+            <a:lin ang="16200000" scaled="1"/>
+          </a:gradFill>
+          <a:ln w="9525" cap="flat" cmpd="sng" algn="ctr">
+            <a:solidFill>
+              <a:srgbClr val="4F81BD">
+                <a:shade val="95000"/>
+                <a:satMod val="105000"/>
+              </a:srgbClr>
+            </a:solidFill>
+            <a:prstDash val="solid"/>
+          </a:ln>
+          <a:effectLst>
+            <a:outerShdw blurRad="40000" dist="20000" dir="5400000" rotWithShape="0">
+              <a:srgbClr val="000000">
+                <a:alpha val="38000"/>
+              </a:srgbClr>
+            </a:outerShdw>
+          </a:effectLst>
+        </p:spPr>
+        <p:txBody>
+          <a:bodyPr rtlCol="0" anchor="t"/>
+          <a:lstStyle/>
+          <a:p>
+            <a:pPr marL="0" marR="0" lvl="0" indent="0" algn="ctr" defTabSz="914400" eaLnBrk="1" fontAlgn="auto" latinLnBrk="0" hangingPunct="1">
+              <a:lnSpc>
+                <a:spcPct val="100000"/>
+              </a:lnSpc>
+              <a:spcBef>
+                <a:spcPts val="0"/>
+              </a:spcBef>
+              <a:spcAft>
+                <a:spcPts val="0"/>
+              </a:spcAft>
+              <a:buClrTx/>
+              <a:buSzTx/>
+              <a:buFontTx/>
+              <a:buNone/>
+              <a:tabLst/>
+              <a:defRPr/>
+            </a:pPr>
+            <a:r>
+              <a:rPr kumimoji="0" lang="fr-FR" sz="1400" b="0" i="0" u="none" strike="noStrike" kern="0" cap="none" spc="0" normalizeH="0" baseline="0" noProof="0" dirty="0" smtClean="0">
+                <a:ln>
+                  <a:noFill/>
+                </a:ln>
+                <a:solidFill>
+                  <a:prstClr val="black"/>
+                </a:solidFill>
+                <a:effectLst/>
+                <a:uLnTx/>
+                <a:uFillTx/>
+                <a:latin typeface="Calibri"/>
+                <a:ea typeface="+mn-ea"/>
+                <a:cs typeface="+mn-cs"/>
+              </a:rPr>
+              <a:t>ACQUERIR</a:t>
+            </a:r>
+          </a:p>
+          <a:p>
+            <a:pPr marL="0" marR="0" lvl="0" indent="0" algn="ctr" defTabSz="914400" eaLnBrk="1" fontAlgn="auto" latinLnBrk="0" hangingPunct="1">
+              <a:lnSpc>
+                <a:spcPct val="100000"/>
+              </a:lnSpc>
+              <a:spcBef>
+                <a:spcPts val="0"/>
+              </a:spcBef>
+              <a:spcAft>
+                <a:spcPts val="0"/>
+              </a:spcAft>
+              <a:buClrTx/>
+              <a:buSzTx/>
+              <a:buFontTx/>
+              <a:buNone/>
+              <a:tabLst/>
+              <a:defRPr/>
+            </a:pPr>
+            <a:r>
+              <a:rPr lang="fr-FR" sz="1400" kern="0" dirty="0" smtClean="0">
+                <a:solidFill>
+                  <a:prstClr val="black"/>
+                </a:solidFill>
+                <a:latin typeface="Calibri"/>
+              </a:rPr>
+              <a:t>Capteur cardiaque…</a:t>
+            </a:r>
+            <a:endParaRPr kumimoji="0" lang="fr-FR" sz="1400" b="0" i="0" u="none" strike="noStrike" kern="0" cap="none" spc="0" normalizeH="0" baseline="0" noProof="0" dirty="0" smtClean="0">
+              <a:ln>
+                <a:noFill/>
+              </a:ln>
+              <a:solidFill>
+                <a:prstClr val="black"/>
+              </a:solidFill>
+              <a:effectLst/>
+              <a:uLnTx/>
+              <a:uFillTx/>
+              <a:latin typeface="Calibri"/>
+              <a:ea typeface="+mn-ea"/>
+              <a:cs typeface="+mn-cs"/>
+            </a:endParaRPr>
+          </a:p>
+        </p:txBody>
+      </p:sp>
+      <p:sp>
+        <p:nvSpPr>
+          <p:cNvPr id="8" name="Rectangle 7"/>
+          <p:cNvSpPr/>
+          <p:nvPr/>
+        </p:nvSpPr>
+        <p:spPr>
+          <a:xfrm>
+            <a:off x="2699792" y="908720"/>
+            <a:ext cx="1620000" cy="694102"/>
+          </a:xfrm>
+          <a:prstGeom prst="rect">
+            <a:avLst/>
+          </a:prstGeom>
+          <a:gradFill rotWithShape="1">
+            <a:gsLst>
+              <a:gs pos="0">
+                <a:srgbClr val="4F81BD">
+                  <a:tint val="50000"/>
+                  <a:satMod val="300000"/>
+                </a:srgbClr>
+              </a:gs>
+              <a:gs pos="35000">
+                <a:srgbClr val="4F81BD">
+                  <a:tint val="37000"/>
+                  <a:satMod val="300000"/>
+                </a:srgbClr>
+              </a:gs>
+              <a:gs pos="100000">
+                <a:srgbClr val="4F81BD">
+                  <a:tint val="15000"/>
+                  <a:satMod val="350000"/>
+                </a:srgbClr>
+              </a:gs>
+            </a:gsLst>
+            <a:lin ang="16200000" scaled="1"/>
+          </a:gradFill>
+          <a:ln w="9525" cap="flat" cmpd="sng" algn="ctr">
+            <a:solidFill>
+              <a:srgbClr val="4F81BD">
+                <a:shade val="95000"/>
+                <a:satMod val="105000"/>
+              </a:srgbClr>
+            </a:solidFill>
+            <a:prstDash val="solid"/>
+          </a:ln>
+          <a:effectLst>
+            <a:outerShdw blurRad="40000" dist="20000" dir="5400000" rotWithShape="0">
+              <a:srgbClr val="000000">
+                <a:alpha val="38000"/>
+              </a:srgbClr>
+            </a:outerShdw>
+          </a:effectLst>
+        </p:spPr>
+        <p:txBody>
+          <a:bodyPr rtlCol="0" anchor="t"/>
+          <a:lstStyle/>
+          <a:p>
+            <a:pPr marL="0" marR="0" lvl="0" indent="0" algn="ctr" defTabSz="914400" eaLnBrk="1" fontAlgn="auto" latinLnBrk="0" hangingPunct="1">
+              <a:lnSpc>
+                <a:spcPct val="100000"/>
+              </a:lnSpc>
+              <a:spcBef>
+                <a:spcPts val="0"/>
+              </a:spcBef>
+              <a:spcAft>
+                <a:spcPts val="0"/>
+              </a:spcAft>
+              <a:buClrTx/>
+              <a:buSzTx/>
+              <a:buFontTx/>
+              <a:buNone/>
+              <a:tabLst/>
+              <a:defRPr/>
+            </a:pPr>
+            <a:r>
+              <a:rPr kumimoji="0" lang="fr-FR" sz="1400" b="0" i="0" u="none" strike="noStrike" kern="0" cap="none" spc="0" normalizeH="0" baseline="0" noProof="0" dirty="0" smtClean="0">
+                <a:ln>
+                  <a:noFill/>
+                </a:ln>
+                <a:solidFill>
+                  <a:prstClr val="black"/>
+                </a:solidFill>
+                <a:effectLst/>
+                <a:uLnTx/>
+                <a:uFillTx/>
+                <a:latin typeface="Calibri"/>
+                <a:ea typeface="+mn-ea"/>
+                <a:cs typeface="+mn-cs"/>
+              </a:rPr>
+              <a:t>TRAITER</a:t>
+            </a:r>
+          </a:p>
+          <a:p>
+            <a:pPr marL="0" marR="0" lvl="0" indent="0" algn="ctr" defTabSz="914400" eaLnBrk="1" fontAlgn="auto" latinLnBrk="0" hangingPunct="1">
+              <a:lnSpc>
+                <a:spcPct val="100000"/>
+              </a:lnSpc>
+              <a:spcBef>
+                <a:spcPts val="0"/>
+              </a:spcBef>
+              <a:spcAft>
+                <a:spcPts val="0"/>
+              </a:spcAft>
+              <a:buClrTx/>
+              <a:buSzTx/>
+              <a:buFontTx/>
+              <a:buNone/>
+              <a:tabLst/>
+              <a:defRPr/>
+            </a:pPr>
+            <a:r>
+              <a:rPr lang="fr-FR" sz="1400" kern="0" dirty="0" smtClean="0">
+                <a:solidFill>
+                  <a:prstClr val="black"/>
+                </a:solidFill>
+                <a:latin typeface="Calibri"/>
+              </a:rPr>
+              <a:t>Électronique de commande</a:t>
+            </a:r>
+            <a:endParaRPr kumimoji="0" lang="fr-FR" sz="1400" b="0" i="0" u="none" strike="noStrike" kern="0" cap="none" spc="0" normalizeH="0" baseline="0" noProof="0" dirty="0" smtClean="0">
+              <a:ln>
+                <a:noFill/>
+              </a:ln>
+              <a:solidFill>
+                <a:prstClr val="black"/>
+              </a:solidFill>
+              <a:effectLst/>
+              <a:uLnTx/>
+              <a:uFillTx/>
+              <a:latin typeface="Calibri"/>
+              <a:ea typeface="+mn-ea"/>
+              <a:cs typeface="+mn-cs"/>
+            </a:endParaRPr>
+          </a:p>
+        </p:txBody>
+      </p:sp>
+      <p:sp>
+        <p:nvSpPr>
+          <p:cNvPr id="9" name="Rectangle 8"/>
+          <p:cNvSpPr/>
+          <p:nvPr/>
+        </p:nvSpPr>
+        <p:spPr>
+          <a:xfrm>
+            <a:off x="4804257" y="908720"/>
+            <a:ext cx="1620000" cy="709738"/>
+          </a:xfrm>
+          <a:prstGeom prst="rect">
+            <a:avLst/>
+          </a:prstGeom>
+          <a:gradFill rotWithShape="1">
+            <a:gsLst>
+              <a:gs pos="0">
+                <a:srgbClr val="4F81BD">
+                  <a:tint val="50000"/>
+                  <a:satMod val="300000"/>
+                </a:srgbClr>
+              </a:gs>
+              <a:gs pos="35000">
+                <a:srgbClr val="4F81BD">
+                  <a:tint val="37000"/>
+                  <a:satMod val="300000"/>
+                </a:srgbClr>
+              </a:gs>
+              <a:gs pos="100000">
+                <a:srgbClr val="4F81BD">
+                  <a:tint val="15000"/>
+                  <a:satMod val="350000"/>
+                </a:srgbClr>
+              </a:gs>
+            </a:gsLst>
+            <a:lin ang="16200000" scaled="1"/>
+          </a:gradFill>
+          <a:ln w="9525" cap="flat" cmpd="sng" algn="ctr">
+            <a:solidFill>
+              <a:srgbClr val="4F81BD">
+                <a:shade val="95000"/>
+                <a:satMod val="105000"/>
+              </a:srgbClr>
+            </a:solidFill>
+            <a:prstDash val="solid"/>
+          </a:ln>
+          <a:effectLst>
+            <a:outerShdw blurRad="40000" dist="20000" dir="5400000" rotWithShape="0">
+              <a:srgbClr val="000000">
+                <a:alpha val="38000"/>
+              </a:srgbClr>
+            </a:outerShdw>
+          </a:effectLst>
+        </p:spPr>
+        <p:txBody>
+          <a:bodyPr rtlCol="0" anchor="t"/>
+          <a:lstStyle/>
+          <a:p>
+            <a:pPr marL="0" marR="0" lvl="0" indent="0" algn="ctr" defTabSz="914400" eaLnBrk="1" fontAlgn="auto" latinLnBrk="0" hangingPunct="1">
+              <a:lnSpc>
+                <a:spcPct val="100000"/>
+              </a:lnSpc>
+              <a:spcBef>
+                <a:spcPts val="0"/>
+              </a:spcBef>
+              <a:spcAft>
+                <a:spcPts val="0"/>
+              </a:spcAft>
+              <a:buClrTx/>
+              <a:buSzTx/>
+              <a:buFontTx/>
+              <a:buNone/>
+              <a:tabLst/>
+              <a:defRPr/>
+            </a:pPr>
+            <a:r>
+              <a:rPr kumimoji="0" lang="fr-FR" sz="1400" b="0" i="0" u="none" strike="noStrike" kern="0" cap="none" spc="0" normalizeH="0" baseline="0" noProof="0" dirty="0" smtClean="0">
+                <a:ln>
+                  <a:noFill/>
+                </a:ln>
+                <a:solidFill>
+                  <a:prstClr val="black"/>
+                </a:solidFill>
+                <a:effectLst/>
+                <a:uLnTx/>
+                <a:uFillTx/>
+                <a:latin typeface="Calibri"/>
+                <a:ea typeface="+mn-ea"/>
+                <a:cs typeface="+mn-cs"/>
+              </a:rPr>
+              <a:t>COMMUNIQUER</a:t>
+            </a:r>
+          </a:p>
+          <a:p>
+            <a:pPr marL="0" marR="0" lvl="0" indent="0" algn="ctr" defTabSz="914400" eaLnBrk="1" fontAlgn="auto" latinLnBrk="0" hangingPunct="1">
+              <a:lnSpc>
+                <a:spcPct val="100000"/>
+              </a:lnSpc>
+              <a:spcBef>
+                <a:spcPts val="0"/>
+              </a:spcBef>
+              <a:spcAft>
+                <a:spcPts val="0"/>
+              </a:spcAft>
+              <a:buClrTx/>
+              <a:buSzTx/>
+              <a:buFontTx/>
+              <a:buNone/>
+              <a:tabLst/>
+              <a:defRPr/>
+            </a:pPr>
+            <a:r>
+              <a:rPr lang="fr-FR" sz="1400" kern="0" dirty="0" smtClean="0">
+                <a:solidFill>
+                  <a:prstClr val="black"/>
+                </a:solidFill>
+                <a:latin typeface="Calibri"/>
+              </a:rPr>
+              <a:t>Écran/interface…</a:t>
+            </a:r>
+            <a:endParaRPr kumimoji="0" lang="fr-FR" sz="1400" b="0" i="0" u="none" strike="noStrike" kern="0" cap="none" spc="0" normalizeH="0" baseline="0" noProof="0" dirty="0" smtClean="0">
+              <a:ln>
+                <a:noFill/>
+              </a:ln>
+              <a:solidFill>
+                <a:prstClr val="black"/>
+              </a:solidFill>
+              <a:effectLst/>
+              <a:uLnTx/>
+              <a:uFillTx/>
+              <a:latin typeface="Calibri"/>
+              <a:ea typeface="+mn-ea"/>
+              <a:cs typeface="+mn-cs"/>
+            </a:endParaRPr>
+          </a:p>
+        </p:txBody>
+      </p:sp>
+      <p:sp>
+        <p:nvSpPr>
+          <p:cNvPr id="10" name="Rectangle 9"/>
+          <p:cNvSpPr/>
+          <p:nvPr/>
+        </p:nvSpPr>
+        <p:spPr>
+          <a:xfrm>
+            <a:off x="593482" y="3067151"/>
+            <a:ext cx="1620000" cy="687554"/>
+          </a:xfrm>
+          <a:prstGeom prst="rect">
+            <a:avLst/>
+          </a:prstGeom>
+          <a:gradFill rotWithShape="1">
+            <a:gsLst>
+              <a:gs pos="0">
+                <a:srgbClr val="C0504D">
+                  <a:tint val="50000"/>
+                  <a:satMod val="300000"/>
+                </a:srgbClr>
+              </a:gs>
+              <a:gs pos="35000">
+                <a:srgbClr val="C0504D">
+                  <a:tint val="37000"/>
+                  <a:satMod val="300000"/>
+                </a:srgbClr>
+              </a:gs>
+              <a:gs pos="100000">
+                <a:srgbClr val="C0504D">
+                  <a:tint val="15000"/>
+                  <a:satMod val="350000"/>
+                </a:srgbClr>
+              </a:gs>
+            </a:gsLst>
+            <a:lin ang="16200000" scaled="1"/>
+          </a:gradFill>
+          <a:ln w="9525" cap="flat" cmpd="sng" algn="ctr">
+            <a:solidFill>
+              <a:srgbClr val="C0504D">
+                <a:shade val="95000"/>
+                <a:satMod val="105000"/>
+              </a:srgbClr>
+            </a:solidFill>
+            <a:prstDash val="solid"/>
+          </a:ln>
+          <a:effectLst>
+            <a:outerShdw blurRad="40000" dist="20000" dir="5400000" rotWithShape="0">
+              <a:srgbClr val="000000">
+                <a:alpha val="38000"/>
+              </a:srgbClr>
+            </a:outerShdw>
+          </a:effectLst>
+        </p:spPr>
+        <p:txBody>
+          <a:bodyPr rtlCol="0" anchor="t"/>
+          <a:lstStyle/>
+          <a:p>
+            <a:pPr marL="0" marR="0" lvl="0" indent="0" algn="ctr" defTabSz="914400" eaLnBrk="1" fontAlgn="auto" latinLnBrk="0" hangingPunct="1">
+              <a:lnSpc>
+                <a:spcPct val="100000"/>
+              </a:lnSpc>
+              <a:spcBef>
+                <a:spcPts val="0"/>
+              </a:spcBef>
+              <a:spcAft>
+                <a:spcPts val="0"/>
+              </a:spcAft>
+              <a:buClrTx/>
+              <a:buSzTx/>
+              <a:buFontTx/>
+              <a:buNone/>
+              <a:tabLst/>
+              <a:defRPr/>
+            </a:pPr>
+            <a:r>
+              <a:rPr kumimoji="0" lang="fr-FR" sz="1400" b="0" i="0" u="none" strike="noStrike" kern="0" cap="none" spc="0" normalizeH="0" baseline="0" noProof="0" dirty="0" smtClean="0">
+                <a:ln>
+                  <a:noFill/>
+                </a:ln>
+                <a:solidFill>
+                  <a:prstClr val="black"/>
+                </a:solidFill>
+                <a:effectLst/>
+                <a:uLnTx/>
+                <a:uFillTx/>
+                <a:latin typeface="Calibri"/>
+                <a:ea typeface="+mn-ea"/>
+                <a:cs typeface="+mn-cs"/>
+              </a:rPr>
+              <a:t>ALIMENTER</a:t>
+            </a:r>
+          </a:p>
+          <a:p>
+            <a:pPr marL="0" marR="0" lvl="0" indent="0" algn="ctr" defTabSz="914400" eaLnBrk="1" fontAlgn="auto" latinLnBrk="0" hangingPunct="1">
+              <a:lnSpc>
+                <a:spcPct val="100000"/>
+              </a:lnSpc>
+              <a:spcBef>
+                <a:spcPts val="0"/>
+              </a:spcBef>
+              <a:spcAft>
+                <a:spcPts val="0"/>
+              </a:spcAft>
+              <a:buClrTx/>
+              <a:buSzTx/>
+              <a:buFontTx/>
+              <a:buNone/>
+              <a:tabLst/>
+              <a:defRPr/>
+            </a:pPr>
+            <a:r>
+              <a:rPr lang="fr-FR" sz="1400" kern="0" dirty="0" smtClean="0">
+                <a:solidFill>
+                  <a:prstClr val="black"/>
+                </a:solidFill>
+                <a:latin typeface="Calibri"/>
+              </a:rPr>
+              <a:t>Alimentation</a:t>
+            </a:r>
+            <a:endParaRPr kumimoji="0" lang="fr-FR" sz="1400" b="0" i="0" u="none" strike="noStrike" kern="0" cap="none" spc="0" normalizeH="0" baseline="0" noProof="0" dirty="0" smtClean="0">
+              <a:ln>
+                <a:noFill/>
+              </a:ln>
+              <a:solidFill>
+                <a:prstClr val="black"/>
+              </a:solidFill>
+              <a:effectLst/>
+              <a:uLnTx/>
+              <a:uFillTx/>
+              <a:latin typeface="Calibri"/>
+              <a:ea typeface="+mn-ea"/>
+              <a:cs typeface="+mn-cs"/>
+            </a:endParaRPr>
+          </a:p>
+        </p:txBody>
+      </p:sp>
+      <p:sp>
+        <p:nvSpPr>
+          <p:cNvPr id="11" name="Rectangle 10"/>
+          <p:cNvSpPr/>
+          <p:nvPr/>
+        </p:nvSpPr>
+        <p:spPr>
+          <a:xfrm>
+            <a:off x="2699792" y="3067151"/>
+            <a:ext cx="1620000" cy="687554"/>
+          </a:xfrm>
+          <a:prstGeom prst="rect">
+            <a:avLst/>
+          </a:prstGeom>
+          <a:gradFill rotWithShape="1">
+            <a:gsLst>
+              <a:gs pos="0">
+                <a:srgbClr val="C0504D">
+                  <a:tint val="50000"/>
+                  <a:satMod val="300000"/>
+                </a:srgbClr>
+              </a:gs>
+              <a:gs pos="35000">
+                <a:srgbClr val="C0504D">
+                  <a:tint val="37000"/>
+                  <a:satMod val="300000"/>
+                </a:srgbClr>
+              </a:gs>
+              <a:gs pos="100000">
+                <a:srgbClr val="C0504D">
+                  <a:tint val="15000"/>
+                  <a:satMod val="350000"/>
+                </a:srgbClr>
+              </a:gs>
+            </a:gsLst>
+            <a:lin ang="16200000" scaled="1"/>
+          </a:gradFill>
+          <a:ln w="9525" cap="flat" cmpd="sng" algn="ctr">
+            <a:solidFill>
+              <a:srgbClr val="C0504D">
+                <a:shade val="95000"/>
+                <a:satMod val="105000"/>
+              </a:srgbClr>
+            </a:solidFill>
+            <a:prstDash val="solid"/>
+          </a:ln>
+          <a:effectLst>
+            <a:outerShdw blurRad="40000" dist="20000" dir="5400000" rotWithShape="0">
+              <a:srgbClr val="000000">
+                <a:alpha val="38000"/>
+              </a:srgbClr>
+            </a:outerShdw>
+          </a:effectLst>
+        </p:spPr>
+        <p:txBody>
+          <a:bodyPr rtlCol="0" anchor="t"/>
+          <a:lstStyle/>
+          <a:p>
+            <a:pPr marL="0" marR="0" lvl="0" indent="0" algn="ctr" defTabSz="914400" eaLnBrk="1" fontAlgn="auto" latinLnBrk="0" hangingPunct="1">
+              <a:lnSpc>
+                <a:spcPct val="100000"/>
+              </a:lnSpc>
+              <a:spcBef>
+                <a:spcPts val="0"/>
+              </a:spcBef>
+              <a:spcAft>
+                <a:spcPts val="0"/>
+              </a:spcAft>
+              <a:buClrTx/>
+              <a:buSzTx/>
+              <a:buFontTx/>
+              <a:buNone/>
+              <a:tabLst/>
+              <a:defRPr/>
+            </a:pPr>
+            <a:r>
+              <a:rPr kumimoji="0" lang="fr-FR" sz="1400" b="0" i="0" u="none" strike="noStrike" kern="0" cap="none" spc="0" normalizeH="0" baseline="0" noProof="0" dirty="0" smtClean="0">
+                <a:ln>
+                  <a:noFill/>
+                </a:ln>
+                <a:solidFill>
+                  <a:prstClr val="black"/>
+                </a:solidFill>
+                <a:effectLst/>
+                <a:uLnTx/>
+                <a:uFillTx/>
+                <a:latin typeface="Calibri"/>
+                <a:ea typeface="+mn-ea"/>
+                <a:cs typeface="+mn-cs"/>
+              </a:rPr>
+              <a:t>DISTRIBUER</a:t>
+            </a:r>
+          </a:p>
+          <a:p>
+            <a:pPr marL="0" marR="0" lvl="0" indent="0" algn="ctr" defTabSz="914400" eaLnBrk="1" fontAlgn="auto" latinLnBrk="0" hangingPunct="1">
+              <a:lnSpc>
+                <a:spcPct val="100000"/>
+              </a:lnSpc>
+              <a:spcBef>
+                <a:spcPts val="0"/>
+              </a:spcBef>
+              <a:spcAft>
+                <a:spcPts val="0"/>
+              </a:spcAft>
+              <a:buClrTx/>
+              <a:buSzTx/>
+              <a:buFontTx/>
+              <a:buNone/>
+              <a:tabLst/>
+              <a:defRPr/>
+            </a:pPr>
+            <a:r>
+              <a:rPr lang="fr-FR" sz="1400" kern="0" dirty="0" smtClean="0">
+                <a:solidFill>
+                  <a:prstClr val="black"/>
+                </a:solidFill>
+                <a:latin typeface="Calibri"/>
+              </a:rPr>
+              <a:t>Électronique de commande</a:t>
+            </a:r>
+            <a:endParaRPr kumimoji="0" lang="fr-FR" sz="1400" b="0" i="0" u="none" strike="noStrike" kern="0" cap="none" spc="0" normalizeH="0" baseline="0" noProof="0" dirty="0" smtClean="0">
+              <a:ln>
+                <a:noFill/>
+              </a:ln>
+              <a:solidFill>
+                <a:prstClr val="black"/>
+              </a:solidFill>
+              <a:effectLst/>
+              <a:uLnTx/>
+              <a:uFillTx/>
+              <a:latin typeface="Calibri"/>
+              <a:ea typeface="+mn-ea"/>
+              <a:cs typeface="+mn-cs"/>
+            </a:endParaRPr>
+          </a:p>
+        </p:txBody>
+      </p:sp>
+      <p:sp>
+        <p:nvSpPr>
+          <p:cNvPr id="12" name="Rectangle 11"/>
+          <p:cNvSpPr/>
+          <p:nvPr/>
+        </p:nvSpPr>
+        <p:spPr>
+          <a:xfrm>
+            <a:off x="4804257" y="3067151"/>
+            <a:ext cx="1620000" cy="687554"/>
+          </a:xfrm>
+          <a:prstGeom prst="rect">
+            <a:avLst/>
+          </a:prstGeom>
+          <a:gradFill rotWithShape="1">
+            <a:gsLst>
+              <a:gs pos="0">
+                <a:srgbClr val="C0504D">
+                  <a:tint val="50000"/>
+                  <a:satMod val="300000"/>
+                </a:srgbClr>
+              </a:gs>
+              <a:gs pos="35000">
+                <a:srgbClr val="C0504D">
+                  <a:tint val="37000"/>
+                  <a:satMod val="300000"/>
+                </a:srgbClr>
+              </a:gs>
+              <a:gs pos="100000">
+                <a:srgbClr val="C0504D">
+                  <a:tint val="15000"/>
+                  <a:satMod val="350000"/>
+                </a:srgbClr>
+              </a:gs>
+            </a:gsLst>
+            <a:lin ang="16200000" scaled="1"/>
+          </a:gradFill>
+          <a:ln w="9525" cap="flat" cmpd="sng" algn="ctr">
+            <a:solidFill>
+              <a:srgbClr val="C0504D">
+                <a:shade val="95000"/>
+                <a:satMod val="105000"/>
+              </a:srgbClr>
+            </a:solidFill>
+            <a:prstDash val="solid"/>
+          </a:ln>
+          <a:effectLst>
+            <a:outerShdw blurRad="40000" dist="20000" dir="5400000" rotWithShape="0">
+              <a:srgbClr val="000000">
+                <a:alpha val="38000"/>
+              </a:srgbClr>
+            </a:outerShdw>
+          </a:effectLst>
+        </p:spPr>
+        <p:txBody>
+          <a:bodyPr rtlCol="0" anchor="t"/>
+          <a:lstStyle/>
+          <a:p>
+            <a:pPr marL="0" marR="0" lvl="0" indent="0" algn="ctr" defTabSz="914400" eaLnBrk="1" fontAlgn="auto" latinLnBrk="0" hangingPunct="1">
+              <a:lnSpc>
+                <a:spcPct val="100000"/>
+              </a:lnSpc>
+              <a:spcBef>
+                <a:spcPts val="0"/>
+              </a:spcBef>
+              <a:spcAft>
+                <a:spcPts val="0"/>
+              </a:spcAft>
+              <a:buClrTx/>
+              <a:buSzTx/>
+              <a:buFontTx/>
+              <a:buNone/>
+              <a:tabLst/>
+              <a:defRPr/>
+            </a:pPr>
+            <a:r>
+              <a:rPr kumimoji="0" lang="fr-FR" sz="1400" b="0" i="0" u="none" strike="noStrike" kern="0" cap="none" spc="0" normalizeH="0" baseline="0" noProof="0" dirty="0" smtClean="0">
+                <a:ln>
+                  <a:noFill/>
+                </a:ln>
+                <a:solidFill>
+                  <a:prstClr val="black"/>
+                </a:solidFill>
+                <a:effectLst/>
+                <a:uLnTx/>
+                <a:uFillTx/>
+                <a:latin typeface="Calibri"/>
+                <a:ea typeface="+mn-ea"/>
+                <a:cs typeface="+mn-cs"/>
+              </a:rPr>
+              <a:t>CONVERTIR</a:t>
+            </a:r>
+          </a:p>
+          <a:p>
+            <a:pPr marL="0" marR="0" lvl="0" indent="0" algn="ctr" defTabSz="914400" eaLnBrk="1" fontAlgn="auto" latinLnBrk="0" hangingPunct="1">
+              <a:lnSpc>
+                <a:spcPct val="100000"/>
+              </a:lnSpc>
+              <a:spcBef>
+                <a:spcPts val="0"/>
+              </a:spcBef>
+              <a:spcAft>
+                <a:spcPts val="0"/>
+              </a:spcAft>
+              <a:buClrTx/>
+              <a:buSzTx/>
+              <a:buFontTx/>
+              <a:buNone/>
+              <a:tabLst/>
+              <a:defRPr/>
+            </a:pPr>
+            <a:r>
+              <a:rPr lang="fr-FR" sz="1400" kern="0" dirty="0" smtClean="0">
+                <a:solidFill>
+                  <a:prstClr val="black"/>
+                </a:solidFill>
+                <a:latin typeface="Calibri"/>
+              </a:rPr>
+              <a:t>Moteur</a:t>
+            </a:r>
+            <a:endParaRPr kumimoji="0" lang="fr-FR" sz="1400" b="0" i="0" u="none" strike="noStrike" kern="0" cap="none" spc="0" normalizeH="0" baseline="0" noProof="0" dirty="0" smtClean="0">
+              <a:ln>
+                <a:noFill/>
+              </a:ln>
+              <a:solidFill>
+                <a:prstClr val="black"/>
+              </a:solidFill>
+              <a:effectLst/>
+              <a:uLnTx/>
+              <a:uFillTx/>
+              <a:latin typeface="Calibri"/>
+              <a:ea typeface="+mn-ea"/>
+              <a:cs typeface="+mn-cs"/>
+            </a:endParaRPr>
+          </a:p>
+        </p:txBody>
+      </p:sp>
+      <p:sp>
+        <p:nvSpPr>
+          <p:cNvPr id="13" name="Rectangle 12"/>
+          <p:cNvSpPr/>
+          <p:nvPr/>
+        </p:nvSpPr>
+        <p:spPr>
+          <a:xfrm>
+            <a:off x="6863442" y="3067151"/>
+            <a:ext cx="1620000" cy="687554"/>
+          </a:xfrm>
+          <a:prstGeom prst="rect">
+            <a:avLst/>
+          </a:prstGeom>
+          <a:gradFill rotWithShape="1">
+            <a:gsLst>
+              <a:gs pos="0">
+                <a:srgbClr val="C0504D">
+                  <a:tint val="50000"/>
+                  <a:satMod val="300000"/>
+                </a:srgbClr>
+              </a:gs>
+              <a:gs pos="35000">
+                <a:srgbClr val="C0504D">
+                  <a:tint val="37000"/>
+                  <a:satMod val="300000"/>
+                </a:srgbClr>
+              </a:gs>
+              <a:gs pos="100000">
+                <a:srgbClr val="C0504D">
+                  <a:tint val="15000"/>
+                  <a:satMod val="350000"/>
+                </a:srgbClr>
+              </a:gs>
+            </a:gsLst>
+            <a:lin ang="16200000" scaled="1"/>
+          </a:gradFill>
+          <a:ln w="9525" cap="flat" cmpd="sng" algn="ctr">
+            <a:solidFill>
+              <a:srgbClr val="C0504D">
+                <a:shade val="95000"/>
+                <a:satMod val="105000"/>
+              </a:srgbClr>
+            </a:solidFill>
+            <a:prstDash val="solid"/>
+          </a:ln>
+          <a:effectLst>
+            <a:outerShdw blurRad="40000" dist="20000" dir="5400000" rotWithShape="0">
+              <a:srgbClr val="000000">
+                <a:alpha val="38000"/>
+              </a:srgbClr>
+            </a:outerShdw>
+          </a:effectLst>
+        </p:spPr>
+        <p:txBody>
+          <a:bodyPr rtlCol="0" anchor="t"/>
+          <a:lstStyle/>
+          <a:p>
+            <a:pPr marL="0" marR="0" lvl="0" indent="0" algn="ctr" defTabSz="914400" eaLnBrk="1" fontAlgn="auto" latinLnBrk="0" hangingPunct="1">
+              <a:lnSpc>
+                <a:spcPct val="100000"/>
+              </a:lnSpc>
+              <a:spcBef>
+                <a:spcPts val="0"/>
+              </a:spcBef>
+              <a:spcAft>
+                <a:spcPts val="0"/>
+              </a:spcAft>
+              <a:buClrTx/>
+              <a:buSzTx/>
+              <a:buFontTx/>
+              <a:buNone/>
+              <a:tabLst/>
+              <a:defRPr/>
+            </a:pPr>
+            <a:r>
+              <a:rPr kumimoji="0" lang="fr-FR" sz="1400" b="0" i="0" u="none" strike="noStrike" kern="0" cap="none" spc="0" normalizeH="0" baseline="0" noProof="0" dirty="0" smtClean="0">
+                <a:ln>
+                  <a:noFill/>
+                </a:ln>
+                <a:solidFill>
+                  <a:prstClr val="black"/>
+                </a:solidFill>
+                <a:effectLst/>
+                <a:uLnTx/>
+                <a:uFillTx/>
+                <a:latin typeface="Calibri"/>
+                <a:ea typeface="+mn-ea"/>
+                <a:cs typeface="+mn-cs"/>
+              </a:rPr>
+              <a:t>TRANSMETTRE</a:t>
+            </a:r>
+          </a:p>
+          <a:p>
+            <a:pPr marL="0" marR="0" lvl="0" indent="0" algn="ctr" defTabSz="914400" eaLnBrk="1" fontAlgn="auto" latinLnBrk="0" hangingPunct="1">
+              <a:lnSpc>
+                <a:spcPct val="100000"/>
+              </a:lnSpc>
+              <a:spcBef>
+                <a:spcPts val="0"/>
+              </a:spcBef>
+              <a:spcAft>
+                <a:spcPts val="0"/>
+              </a:spcAft>
+              <a:buClrTx/>
+              <a:buSzTx/>
+              <a:buFontTx/>
+              <a:buNone/>
+              <a:tabLst/>
+              <a:defRPr/>
+            </a:pPr>
+            <a:r>
+              <a:rPr lang="fr-FR" sz="1400" kern="0" dirty="0" smtClean="0">
+                <a:solidFill>
+                  <a:prstClr val="black"/>
+                </a:solidFill>
+                <a:latin typeface="Calibri"/>
+              </a:rPr>
+              <a:t>Poulie – </a:t>
+            </a:r>
+            <a:r>
+              <a:rPr lang="fr-FR" sz="1400" kern="0" dirty="0" smtClean="0">
+                <a:solidFill>
+                  <a:prstClr val="black"/>
+                </a:solidFill>
+                <a:latin typeface="Calibri"/>
+              </a:rPr>
+              <a:t>Courroie</a:t>
+            </a:r>
+            <a:endParaRPr lang="fr-FR" sz="1400" kern="0" dirty="0" smtClean="0">
+              <a:solidFill>
+                <a:prstClr val="black"/>
+              </a:solidFill>
+              <a:latin typeface="Calibri"/>
+            </a:endParaRPr>
+          </a:p>
+        </p:txBody>
+      </p:sp>
+      <p:sp>
+        <p:nvSpPr>
+          <p:cNvPr id="14" name="Rectangle 13"/>
+          <p:cNvSpPr/>
+          <p:nvPr/>
+        </p:nvSpPr>
+        <p:spPr>
+          <a:xfrm>
+            <a:off x="8892480" y="1885771"/>
+            <a:ext cx="1620000" cy="3055397"/>
+          </a:xfrm>
+          <a:prstGeom prst="rect">
+            <a:avLst/>
+          </a:prstGeom>
+          <a:gradFill rotWithShape="1">
+            <a:gsLst>
+              <a:gs pos="0">
+                <a:srgbClr val="F79646">
+                  <a:tint val="50000"/>
+                  <a:satMod val="300000"/>
+                </a:srgbClr>
+              </a:gs>
+              <a:gs pos="35000">
+                <a:srgbClr val="F79646">
+                  <a:tint val="37000"/>
+                  <a:satMod val="300000"/>
+                </a:srgbClr>
+              </a:gs>
+              <a:gs pos="100000">
+                <a:srgbClr val="F79646">
+                  <a:tint val="15000"/>
+                  <a:satMod val="350000"/>
+                </a:srgbClr>
+              </a:gs>
+            </a:gsLst>
+            <a:lin ang="16200000" scaled="1"/>
+          </a:gradFill>
+          <a:ln w="9525" cap="flat" cmpd="sng" algn="ctr">
+            <a:solidFill>
+              <a:srgbClr val="F79646">
+                <a:shade val="95000"/>
+                <a:satMod val="105000"/>
+              </a:srgbClr>
+            </a:solidFill>
+            <a:prstDash val="solid"/>
+          </a:ln>
+          <a:effectLst>
+            <a:outerShdw blurRad="40000" dist="20000" dir="5400000" rotWithShape="0">
+              <a:srgbClr val="000000">
+                <a:alpha val="38000"/>
+              </a:srgbClr>
+            </a:outerShdw>
+          </a:effectLst>
+        </p:spPr>
+        <p:txBody>
+          <a:bodyPr rtlCol="0" anchor="ctr"/>
+          <a:lstStyle/>
+          <a:p>
+            <a:pPr marL="0" marR="0" lvl="0" indent="0" algn="ctr" defTabSz="914400" eaLnBrk="1" fontAlgn="auto" latinLnBrk="0" hangingPunct="1">
+              <a:lnSpc>
+                <a:spcPct val="100000"/>
+              </a:lnSpc>
+              <a:spcBef>
+                <a:spcPts val="0"/>
+              </a:spcBef>
+              <a:spcAft>
+                <a:spcPts val="0"/>
+              </a:spcAft>
+              <a:buClrTx/>
+              <a:buSzTx/>
+              <a:buFontTx/>
+              <a:buNone/>
+              <a:tabLst/>
+              <a:defRPr/>
+            </a:pPr>
+            <a:r>
+              <a:rPr kumimoji="0" lang="fr-FR" sz="1400" b="0" i="0" u="none" strike="noStrike" kern="0" cap="none" spc="0" normalizeH="0" baseline="0" noProof="0" dirty="0" smtClean="0">
+                <a:ln>
+                  <a:noFill/>
+                </a:ln>
+                <a:solidFill>
+                  <a:prstClr val="black"/>
+                </a:solidFill>
+                <a:effectLst/>
+                <a:uLnTx/>
+                <a:uFillTx/>
+                <a:latin typeface="Calibri"/>
+                <a:ea typeface="+mn-ea"/>
+                <a:cs typeface="+mn-cs"/>
+              </a:rPr>
+              <a:t>Tapis</a:t>
+            </a:r>
+            <a:endParaRPr kumimoji="0" lang="fr-FR" sz="1400" b="0" i="0" u="none" strike="noStrike" kern="0" cap="none" spc="0" normalizeH="0" baseline="0" noProof="0" dirty="0" smtClean="0">
+              <a:ln>
+                <a:noFill/>
+              </a:ln>
+              <a:solidFill>
+                <a:prstClr val="black"/>
+              </a:solidFill>
+              <a:effectLst/>
+              <a:uLnTx/>
+              <a:uFillTx/>
+              <a:latin typeface="Calibri"/>
+              <a:ea typeface="+mn-ea"/>
+              <a:cs typeface="+mn-cs"/>
+            </a:endParaRPr>
+          </a:p>
+        </p:txBody>
+      </p:sp>
+      <p:cxnSp>
+        <p:nvCxnSpPr>
+          <p:cNvPr id="15" name="Connecteur droit avec flèche 14"/>
+          <p:cNvCxnSpPr/>
+          <p:nvPr/>
+        </p:nvCxnSpPr>
+        <p:spPr>
+          <a:xfrm>
+            <a:off x="107172" y="1476099"/>
+            <a:ext cx="486310" cy="8685"/>
+          </a:xfrm>
+          <a:prstGeom prst="straightConnector1">
+            <a:avLst/>
+          </a:prstGeom>
+          <a:noFill/>
+          <a:ln w="28575" cap="flat" cmpd="sng" algn="ctr">
+            <a:solidFill>
+              <a:srgbClr val="4F81BD">
+                <a:shade val="95000"/>
+                <a:satMod val="105000"/>
+              </a:srgbClr>
+            </a:solidFill>
+            <a:prstDash val="solid"/>
+            <a:tailEnd type="arrow"/>
+          </a:ln>
+          <a:effectLst/>
+        </p:spPr>
+      </p:cxnSp>
+      <p:cxnSp>
+        <p:nvCxnSpPr>
+          <p:cNvPr id="16" name="Connecteur droit avec flèche 15"/>
+          <p:cNvCxnSpPr>
+            <a:stCxn id="7" idx="3"/>
+            <a:endCxn id="8" idx="1"/>
+          </p:cNvCxnSpPr>
+          <p:nvPr/>
+        </p:nvCxnSpPr>
+        <p:spPr>
+          <a:xfrm>
+            <a:off x="2213482" y="1255771"/>
+            <a:ext cx="486310" cy="0"/>
+          </a:xfrm>
+          <a:prstGeom prst="straightConnector1">
+            <a:avLst/>
+          </a:prstGeom>
+          <a:noFill/>
+          <a:ln w="28575" cap="flat" cmpd="sng" algn="ctr">
+            <a:solidFill>
+              <a:srgbClr val="4F81BD">
+                <a:shade val="95000"/>
+                <a:satMod val="105000"/>
+              </a:srgbClr>
+            </a:solidFill>
+            <a:prstDash val="solid"/>
+            <a:tailEnd type="arrow"/>
+          </a:ln>
+          <a:effectLst/>
+        </p:spPr>
+      </p:cxnSp>
+      <p:cxnSp>
+        <p:nvCxnSpPr>
+          <p:cNvPr id="17" name="Connecteur droit avec flèche 16"/>
+          <p:cNvCxnSpPr>
+            <a:stCxn id="8" idx="3"/>
+            <a:endCxn id="9" idx="1"/>
+          </p:cNvCxnSpPr>
+          <p:nvPr/>
+        </p:nvCxnSpPr>
+        <p:spPr>
+          <a:xfrm>
+            <a:off x="4319792" y="1255771"/>
+            <a:ext cx="484465" cy="7818"/>
+          </a:xfrm>
+          <a:prstGeom prst="straightConnector1">
+            <a:avLst/>
+          </a:prstGeom>
+          <a:noFill/>
+          <a:ln w="28575" cap="flat" cmpd="sng" algn="ctr">
+            <a:solidFill>
+              <a:srgbClr val="4F81BD">
+                <a:shade val="95000"/>
+                <a:satMod val="105000"/>
+              </a:srgbClr>
+            </a:solidFill>
+            <a:prstDash val="solid"/>
+            <a:tailEnd type="arrow"/>
+          </a:ln>
+          <a:effectLst/>
+        </p:spPr>
+      </p:cxnSp>
+      <p:cxnSp>
+        <p:nvCxnSpPr>
+          <p:cNvPr id="18" name="Connecteur droit avec flèche 17"/>
+          <p:cNvCxnSpPr>
+            <a:stCxn id="9" idx="3"/>
+          </p:cNvCxnSpPr>
+          <p:nvPr/>
+        </p:nvCxnSpPr>
+        <p:spPr>
+          <a:xfrm>
+            <a:off x="6424257" y="1263589"/>
+            <a:ext cx="1249185" cy="0"/>
+          </a:xfrm>
+          <a:prstGeom prst="straightConnector1">
+            <a:avLst/>
+          </a:prstGeom>
+          <a:noFill/>
+          <a:ln w="28575" cap="flat" cmpd="sng" algn="ctr">
+            <a:solidFill>
+              <a:srgbClr val="4F81BD">
+                <a:shade val="95000"/>
+                <a:satMod val="105000"/>
+              </a:srgbClr>
+            </a:solidFill>
+            <a:prstDash val="solid"/>
+            <a:tailEnd type="arrow"/>
+          </a:ln>
+          <a:effectLst/>
+        </p:spPr>
+      </p:cxnSp>
+      <p:cxnSp>
+        <p:nvCxnSpPr>
+          <p:cNvPr id="20" name="Connecteur droit 19"/>
+          <p:cNvCxnSpPr/>
+          <p:nvPr/>
+        </p:nvCxnSpPr>
+        <p:spPr>
+          <a:xfrm>
+            <a:off x="2456637" y="2350241"/>
+            <a:ext cx="1067361" cy="0"/>
+          </a:xfrm>
+          <a:prstGeom prst="line">
+            <a:avLst/>
+          </a:prstGeom>
+          <a:noFill/>
+          <a:ln w="28575" cap="flat" cmpd="sng" algn="ctr">
+            <a:solidFill>
+              <a:srgbClr val="C0504D">
+                <a:shade val="95000"/>
+                <a:satMod val="105000"/>
+              </a:srgbClr>
+            </a:solidFill>
+            <a:prstDash val="solid"/>
+          </a:ln>
+          <a:effectLst/>
+        </p:spPr>
+      </p:cxnSp>
+      <p:cxnSp>
+        <p:nvCxnSpPr>
+          <p:cNvPr id="21" name="Connecteur droit 20"/>
+          <p:cNvCxnSpPr/>
+          <p:nvPr/>
+        </p:nvCxnSpPr>
+        <p:spPr>
+          <a:xfrm flipV="1">
+            <a:off x="3523998" y="1618458"/>
+            <a:ext cx="0" cy="721440"/>
+          </a:xfrm>
+          <a:prstGeom prst="line">
+            <a:avLst/>
+          </a:prstGeom>
+          <a:noFill/>
+          <a:ln w="28575" cap="flat" cmpd="sng" algn="ctr">
+            <a:solidFill>
+              <a:srgbClr val="C0504D">
+                <a:shade val="95000"/>
+                <a:satMod val="105000"/>
+              </a:srgbClr>
+            </a:solidFill>
+            <a:prstDash val="solid"/>
+          </a:ln>
+          <a:effectLst/>
+        </p:spPr>
+      </p:cxnSp>
+      <p:cxnSp>
+        <p:nvCxnSpPr>
+          <p:cNvPr id="22" name="Connecteur droit 21"/>
+          <p:cNvCxnSpPr/>
+          <p:nvPr/>
+        </p:nvCxnSpPr>
+        <p:spPr>
+          <a:xfrm flipV="1">
+            <a:off x="2456637" y="2345711"/>
+            <a:ext cx="0" cy="867265"/>
+          </a:xfrm>
+          <a:prstGeom prst="line">
+            <a:avLst/>
+          </a:prstGeom>
+          <a:noFill/>
+          <a:ln w="28575" cap="flat" cmpd="sng" algn="ctr">
+            <a:solidFill>
+              <a:srgbClr val="C0504D">
+                <a:shade val="95000"/>
+                <a:satMod val="105000"/>
+              </a:srgbClr>
+            </a:solidFill>
+            <a:prstDash val="solid"/>
+          </a:ln>
+          <a:effectLst/>
+        </p:spPr>
+      </p:cxnSp>
+      <p:cxnSp>
+        <p:nvCxnSpPr>
+          <p:cNvPr id="23" name="Connecteur droit 22"/>
+          <p:cNvCxnSpPr/>
+          <p:nvPr/>
+        </p:nvCxnSpPr>
+        <p:spPr>
+          <a:xfrm>
+            <a:off x="2456637" y="3212976"/>
+            <a:ext cx="243155" cy="0"/>
+          </a:xfrm>
+          <a:prstGeom prst="line">
+            <a:avLst/>
+          </a:prstGeom>
+          <a:noFill/>
+          <a:ln w="28575" cap="flat" cmpd="sng" algn="ctr">
+            <a:solidFill>
+              <a:srgbClr val="C0504D">
+                <a:shade val="95000"/>
+                <a:satMod val="105000"/>
+              </a:srgbClr>
+            </a:solidFill>
+            <a:prstDash val="solid"/>
+            <a:headEnd type="none" w="med" len="med"/>
+            <a:tailEnd type="arrow" w="med" len="med"/>
+          </a:ln>
+          <a:effectLst/>
+        </p:spPr>
+      </p:cxnSp>
+      <p:cxnSp>
+        <p:nvCxnSpPr>
+          <p:cNvPr id="24" name="Connecteur droit 23"/>
+          <p:cNvCxnSpPr>
+            <a:stCxn id="10" idx="3"/>
+            <a:endCxn id="11" idx="1"/>
+          </p:cNvCxnSpPr>
+          <p:nvPr/>
+        </p:nvCxnSpPr>
+        <p:spPr>
+          <a:xfrm>
+            <a:off x="2213482" y="3410928"/>
+            <a:ext cx="486310" cy="0"/>
+          </a:xfrm>
+          <a:prstGeom prst="line">
+            <a:avLst/>
+          </a:prstGeom>
+          <a:noFill/>
+          <a:ln w="28575" cap="flat" cmpd="sng" algn="ctr">
+            <a:solidFill>
+              <a:srgbClr val="C0504D">
+                <a:shade val="95000"/>
+                <a:satMod val="105000"/>
+              </a:srgbClr>
+            </a:solidFill>
+            <a:prstDash val="solid"/>
+            <a:headEnd type="none" w="med" len="med"/>
+            <a:tailEnd type="arrow" w="med" len="med"/>
+          </a:ln>
+          <a:effectLst/>
+        </p:spPr>
+      </p:cxnSp>
+      <p:cxnSp>
+        <p:nvCxnSpPr>
+          <p:cNvPr id="25" name="Connecteur droit 24"/>
+          <p:cNvCxnSpPr>
+            <a:stCxn id="11" idx="3"/>
+            <a:endCxn id="12" idx="1"/>
+          </p:cNvCxnSpPr>
+          <p:nvPr/>
+        </p:nvCxnSpPr>
+        <p:spPr>
+          <a:xfrm>
+            <a:off x="4319792" y="3410928"/>
+            <a:ext cx="484465" cy="0"/>
+          </a:xfrm>
+          <a:prstGeom prst="line">
+            <a:avLst/>
+          </a:prstGeom>
+          <a:noFill/>
+          <a:ln w="28575" cap="flat" cmpd="sng" algn="ctr">
+            <a:solidFill>
+              <a:srgbClr val="C0504D">
+                <a:shade val="95000"/>
+                <a:satMod val="105000"/>
+              </a:srgbClr>
+            </a:solidFill>
+            <a:prstDash val="solid"/>
+            <a:headEnd type="none" w="med" len="med"/>
+            <a:tailEnd type="arrow" w="med" len="med"/>
+          </a:ln>
+          <a:effectLst/>
+        </p:spPr>
+      </p:cxnSp>
+      <p:cxnSp>
+        <p:nvCxnSpPr>
+          <p:cNvPr id="26" name="Connecteur droit 25"/>
+          <p:cNvCxnSpPr>
+            <a:stCxn id="12" idx="3"/>
+            <a:endCxn id="13" idx="1"/>
+          </p:cNvCxnSpPr>
+          <p:nvPr/>
+        </p:nvCxnSpPr>
+        <p:spPr>
+          <a:xfrm>
+            <a:off x="6424257" y="3410928"/>
+            <a:ext cx="439185" cy="0"/>
+          </a:xfrm>
+          <a:prstGeom prst="line">
+            <a:avLst/>
+          </a:prstGeom>
+          <a:noFill/>
+          <a:ln w="28575" cap="flat" cmpd="sng" algn="ctr">
+            <a:solidFill>
+              <a:srgbClr val="C0504D">
+                <a:shade val="95000"/>
+                <a:satMod val="105000"/>
+              </a:srgbClr>
+            </a:solidFill>
+            <a:prstDash val="solid"/>
+            <a:headEnd type="none" w="med" len="med"/>
+            <a:tailEnd type="arrow" w="med" len="med"/>
+          </a:ln>
+          <a:effectLst/>
+        </p:spPr>
+      </p:cxnSp>
+      <p:cxnSp>
+        <p:nvCxnSpPr>
+          <p:cNvPr id="27" name="Connecteur droit 26"/>
+          <p:cNvCxnSpPr>
+            <a:stCxn id="13" idx="3"/>
+            <a:endCxn id="14" idx="1"/>
+          </p:cNvCxnSpPr>
+          <p:nvPr/>
+        </p:nvCxnSpPr>
+        <p:spPr>
+          <a:xfrm>
+            <a:off x="8483442" y="3410928"/>
+            <a:ext cx="409038" cy="2542"/>
+          </a:xfrm>
+          <a:prstGeom prst="line">
+            <a:avLst/>
+          </a:prstGeom>
+          <a:noFill/>
+          <a:ln w="28575" cap="flat" cmpd="sng" algn="ctr">
+            <a:solidFill>
+              <a:srgbClr val="C0504D">
+                <a:shade val="95000"/>
+                <a:satMod val="105000"/>
+              </a:srgbClr>
+            </a:solidFill>
+            <a:prstDash val="solid"/>
+            <a:headEnd type="none" w="med" len="med"/>
+            <a:tailEnd type="arrow" w="med" len="med"/>
+          </a:ln>
+          <a:effectLst/>
+        </p:spPr>
+      </p:cxnSp>
+      <p:cxnSp>
+        <p:nvCxnSpPr>
+          <p:cNvPr id="28" name="Connecteur droit 27"/>
+          <p:cNvCxnSpPr/>
+          <p:nvPr/>
+        </p:nvCxnSpPr>
+        <p:spPr>
+          <a:xfrm>
+            <a:off x="107172" y="3410928"/>
+            <a:ext cx="486310" cy="0"/>
+          </a:xfrm>
+          <a:prstGeom prst="line">
+            <a:avLst/>
+          </a:prstGeom>
+          <a:noFill/>
+          <a:ln w="28575" cap="flat" cmpd="sng" algn="ctr">
+            <a:solidFill>
+              <a:srgbClr val="C0504D">
+                <a:shade val="95000"/>
+                <a:satMod val="105000"/>
+              </a:srgbClr>
+            </a:solidFill>
+            <a:prstDash val="solid"/>
+            <a:headEnd type="none" w="med" len="med"/>
+            <a:tailEnd type="arrow" w="med" len="med"/>
+          </a:ln>
+          <a:effectLst/>
+        </p:spPr>
+      </p:cxnSp>
+      <p:cxnSp>
+        <p:nvCxnSpPr>
+          <p:cNvPr id="29" name="Connecteur droit 28"/>
+          <p:cNvCxnSpPr/>
+          <p:nvPr/>
+        </p:nvCxnSpPr>
+        <p:spPr>
+          <a:xfrm flipV="1">
+            <a:off x="8302419" y="-1"/>
+            <a:ext cx="0" cy="2779343"/>
+          </a:xfrm>
+          <a:prstGeom prst="line">
+            <a:avLst/>
+          </a:prstGeom>
+          <a:noFill/>
+          <a:ln w="28575" cap="flat" cmpd="sng" algn="ctr">
+            <a:solidFill>
+              <a:srgbClr val="92D050"/>
+            </a:solidFill>
+            <a:prstDash val="solid"/>
+          </a:ln>
+          <a:effectLst/>
+        </p:spPr>
+      </p:cxnSp>
+      <p:cxnSp>
+        <p:nvCxnSpPr>
+          <p:cNvPr id="30" name="Connecteur droit 29"/>
+          <p:cNvCxnSpPr/>
+          <p:nvPr/>
+        </p:nvCxnSpPr>
+        <p:spPr>
+          <a:xfrm flipH="1">
+            <a:off x="107172" y="0"/>
+            <a:ext cx="8195247" cy="0"/>
+          </a:xfrm>
+          <a:prstGeom prst="line">
+            <a:avLst/>
+          </a:prstGeom>
+          <a:noFill/>
+          <a:ln w="28575" cap="flat" cmpd="sng" algn="ctr">
+            <a:solidFill>
+              <a:srgbClr val="92D050"/>
+            </a:solidFill>
+            <a:prstDash val="solid"/>
+          </a:ln>
+          <a:effectLst/>
+        </p:spPr>
+      </p:cxnSp>
+      <p:cxnSp>
+        <p:nvCxnSpPr>
+          <p:cNvPr id="31" name="Connecteur droit 30"/>
+          <p:cNvCxnSpPr/>
+          <p:nvPr/>
+        </p:nvCxnSpPr>
+        <p:spPr>
+          <a:xfrm>
+            <a:off x="107172" y="1043647"/>
+            <a:ext cx="486310" cy="0"/>
+          </a:xfrm>
+          <a:prstGeom prst="line">
+            <a:avLst/>
+          </a:prstGeom>
+          <a:noFill/>
+          <a:ln w="28575" cap="flat" cmpd="sng" algn="ctr">
+            <a:solidFill>
+              <a:srgbClr val="92D050"/>
+            </a:solidFill>
+            <a:prstDash val="solid"/>
+            <a:headEnd type="none" w="med" len="med"/>
+            <a:tailEnd type="arrow" w="med" len="med"/>
+          </a:ln>
+          <a:effectLst/>
+        </p:spPr>
+      </p:cxnSp>
+      <p:cxnSp>
+        <p:nvCxnSpPr>
+          <p:cNvPr id="32" name="Connecteur droit 31"/>
+          <p:cNvCxnSpPr/>
+          <p:nvPr/>
+        </p:nvCxnSpPr>
+        <p:spPr>
+          <a:xfrm flipV="1">
+            <a:off x="107172" y="0"/>
+            <a:ext cx="0" cy="1043648"/>
+          </a:xfrm>
+          <a:prstGeom prst="line">
+            <a:avLst/>
+          </a:prstGeom>
+          <a:noFill/>
+          <a:ln w="28575" cap="flat" cmpd="sng" algn="ctr">
+            <a:solidFill>
+              <a:srgbClr val="92D050"/>
+            </a:solidFill>
+            <a:prstDash val="solid"/>
+          </a:ln>
+          <a:effectLst/>
+        </p:spPr>
+      </p:cxnSp>
+      <p:cxnSp>
+        <p:nvCxnSpPr>
+          <p:cNvPr id="33" name="Connecteur droit 32"/>
+          <p:cNvCxnSpPr/>
+          <p:nvPr/>
+        </p:nvCxnSpPr>
+        <p:spPr>
+          <a:xfrm>
+            <a:off x="10512480" y="2121710"/>
+            <a:ext cx="409038" cy="2542"/>
+          </a:xfrm>
+          <a:prstGeom prst="line">
+            <a:avLst/>
+          </a:prstGeom>
+          <a:noFill/>
+          <a:ln w="28575" cap="flat" cmpd="sng" algn="ctr">
+            <a:solidFill>
+              <a:srgbClr val="C0504D">
+                <a:shade val="95000"/>
+                <a:satMod val="105000"/>
+              </a:srgbClr>
+            </a:solidFill>
+            <a:prstDash val="solid"/>
+            <a:headEnd type="none" w="med" len="med"/>
+            <a:tailEnd type="arrow" w="med" len="med"/>
+          </a:ln>
+          <a:effectLst/>
+        </p:spPr>
+      </p:cxnSp>
+      <p:sp>
+        <p:nvSpPr>
+          <p:cNvPr id="34" name="Flèche vers le bas 33"/>
+          <p:cNvSpPr/>
+          <p:nvPr/>
+        </p:nvSpPr>
+        <p:spPr>
+          <a:xfrm>
+            <a:off x="9499890" y="1066427"/>
+            <a:ext cx="405180" cy="819344"/>
+          </a:xfrm>
+          <a:prstGeom prst="downArrow">
+            <a:avLst/>
+          </a:prstGeom>
+          <a:solidFill>
+            <a:sysClr val="window" lastClr="FFFFFF"/>
+          </a:solidFill>
+          <a:ln w="25400" cap="flat" cmpd="sng" algn="ctr">
+            <a:solidFill>
+              <a:srgbClr val="C0504D"/>
+            </a:solidFill>
+            <a:prstDash val="solid"/>
+          </a:ln>
+          <a:effectLst/>
+        </p:spPr>
+        <p:txBody>
+          <a:bodyPr rtlCol="0" anchor="ctr"/>
+          <a:lstStyle/>
+          <a:p>
+            <a:pPr marL="0" marR="0" lvl="0" indent="0" algn="ctr" defTabSz="914400" eaLnBrk="1" fontAlgn="auto" latinLnBrk="0" hangingPunct="1">
+              <a:lnSpc>
+                <a:spcPct val="100000"/>
+              </a:lnSpc>
+              <a:spcBef>
+                <a:spcPts val="0"/>
+              </a:spcBef>
+              <a:spcAft>
+                <a:spcPts val="0"/>
+              </a:spcAft>
+              <a:buClrTx/>
+              <a:buSzTx/>
+              <a:buFontTx/>
+              <a:buNone/>
+              <a:tabLst/>
+              <a:defRPr/>
+            </a:pPr>
+            <a:endParaRPr kumimoji="0" lang="fr-FR" sz="1600" b="0" i="0" u="none" strike="noStrike" kern="0" cap="none" spc="0" normalizeH="0" baseline="0" noProof="0" smtClean="0">
+              <a:ln>
+                <a:noFill/>
+              </a:ln>
+              <a:solidFill>
+                <a:prstClr val="black"/>
+              </a:solidFill>
+              <a:effectLst/>
+              <a:uLnTx/>
+              <a:uFillTx/>
+              <a:latin typeface="Calibri"/>
+              <a:ea typeface="+mn-ea"/>
+              <a:cs typeface="+mn-cs"/>
+            </a:endParaRPr>
+          </a:p>
+        </p:txBody>
+      </p:sp>
+      <p:sp>
+        <p:nvSpPr>
+          <p:cNvPr id="35" name="Rectangle 34"/>
+          <p:cNvSpPr/>
+          <p:nvPr/>
+        </p:nvSpPr>
+        <p:spPr>
+          <a:xfrm>
+            <a:off x="107172" y="4941168"/>
+            <a:ext cx="1445293" cy="819344"/>
+          </a:xfrm>
+          <a:prstGeom prst="rect">
+            <a:avLst/>
+          </a:prstGeom>
+          <a:solidFill>
+            <a:sysClr val="window" lastClr="FFFFFF"/>
+          </a:solidFill>
+          <a:ln w="9525" cap="flat" cmpd="sng" algn="ctr">
+            <a:solidFill>
+              <a:srgbClr val="C0504D"/>
+            </a:solidFill>
+            <a:prstDash val="solid"/>
+          </a:ln>
+          <a:effectLst/>
+        </p:spPr>
+        <p:txBody>
+          <a:bodyPr rtlCol="0" anchor="ctr"/>
+          <a:lstStyle/>
+          <a:p>
+            <a:pPr marL="0" marR="0" lvl="0" indent="0" algn="ctr" defTabSz="914400" eaLnBrk="1" fontAlgn="auto" latinLnBrk="0" hangingPunct="1">
+              <a:lnSpc>
+                <a:spcPct val="100000"/>
+              </a:lnSpc>
+              <a:spcBef>
+                <a:spcPts val="0"/>
+              </a:spcBef>
+              <a:spcAft>
+                <a:spcPts val="0"/>
+              </a:spcAft>
+              <a:buClrTx/>
+              <a:buSzTx/>
+              <a:buFontTx/>
+              <a:buNone/>
+              <a:tabLst/>
+              <a:defRPr/>
+            </a:pPr>
+            <a:r>
+              <a:rPr kumimoji="0" lang="fr-FR" sz="1600" b="1" i="0" u="none" strike="noStrike" kern="0" cap="none" spc="0" normalizeH="0" baseline="0" noProof="0" dirty="0" smtClean="0">
+                <a:ln>
+                  <a:noFill/>
+                </a:ln>
+                <a:solidFill>
+                  <a:srgbClr val="C00000"/>
+                </a:solidFill>
+                <a:effectLst/>
+                <a:uLnTx/>
+                <a:uFillTx/>
+                <a:latin typeface="Calibri"/>
+                <a:ea typeface="+mn-ea"/>
+                <a:cs typeface="+mn-cs"/>
+              </a:rPr>
+              <a:t>Énergie électrique</a:t>
+            </a:r>
+            <a:endParaRPr kumimoji="0" lang="fr-FR" sz="1600" b="1" i="0" u="none" strike="noStrike" kern="0" cap="none" spc="0" normalizeH="0" baseline="0" noProof="0" dirty="0" smtClean="0">
+              <a:ln>
+                <a:noFill/>
+              </a:ln>
+              <a:solidFill>
+                <a:srgbClr val="C00000"/>
+              </a:solidFill>
+              <a:effectLst/>
+              <a:uLnTx/>
+              <a:uFillTx/>
+              <a:latin typeface="Calibri"/>
+              <a:ea typeface="+mn-ea"/>
+              <a:cs typeface="+mn-cs"/>
+            </a:endParaRPr>
+          </a:p>
+        </p:txBody>
+      </p:sp>
+      <p:cxnSp>
+        <p:nvCxnSpPr>
+          <p:cNvPr id="36" name="Connecteur droit 35"/>
+          <p:cNvCxnSpPr/>
+          <p:nvPr/>
+        </p:nvCxnSpPr>
+        <p:spPr>
+          <a:xfrm flipV="1">
+            <a:off x="259572" y="3412199"/>
+            <a:ext cx="0" cy="1528969"/>
+          </a:xfrm>
+          <a:prstGeom prst="line">
+            <a:avLst/>
+          </a:prstGeom>
+          <a:noFill/>
+          <a:ln w="9525" cap="flat" cmpd="sng" algn="ctr">
+            <a:solidFill>
+              <a:srgbClr val="C0504D">
+                <a:shade val="95000"/>
+                <a:satMod val="105000"/>
+              </a:srgbClr>
+            </a:solidFill>
+            <a:prstDash val="solid"/>
+          </a:ln>
+          <a:effectLst/>
+        </p:spPr>
+      </p:cxnSp>
+      <p:sp>
+        <p:nvSpPr>
+          <p:cNvPr id="37" name="Rectangle 36"/>
+          <p:cNvSpPr/>
+          <p:nvPr/>
+        </p:nvSpPr>
+        <p:spPr>
+          <a:xfrm>
+            <a:off x="2304237" y="4941168"/>
+            <a:ext cx="1445293" cy="409672"/>
+          </a:xfrm>
+          <a:prstGeom prst="rect">
+            <a:avLst/>
+          </a:prstGeom>
+          <a:solidFill>
+            <a:sysClr val="window" lastClr="FFFFFF"/>
+          </a:solidFill>
+          <a:ln w="9525" cap="flat" cmpd="sng" algn="ctr">
+            <a:solidFill>
+              <a:srgbClr val="C0504D"/>
+            </a:solidFill>
+            <a:prstDash val="solid"/>
+          </a:ln>
+          <a:effectLst/>
+        </p:spPr>
+        <p:txBody>
+          <a:bodyPr rtlCol="0" anchor="ctr"/>
+          <a:lstStyle/>
+          <a:p>
+            <a:pPr marL="0" marR="0" lvl="0" indent="0" algn="ctr" defTabSz="914400" eaLnBrk="1" fontAlgn="auto" latinLnBrk="0" hangingPunct="1">
+              <a:lnSpc>
+                <a:spcPct val="100000"/>
+              </a:lnSpc>
+              <a:spcBef>
+                <a:spcPts val="0"/>
+              </a:spcBef>
+              <a:spcAft>
+                <a:spcPts val="0"/>
+              </a:spcAft>
+              <a:buClrTx/>
+              <a:buSzTx/>
+              <a:buFontTx/>
+              <a:buNone/>
+              <a:tabLst/>
+              <a:defRPr/>
+            </a:pPr>
+            <a:r>
+              <a:rPr kumimoji="0" lang="fr-FR" sz="1400" b="0" i="0" u="none" strike="noStrike" kern="0" cap="none" spc="0" normalizeH="0" baseline="0" noProof="0" dirty="0" smtClean="0">
+                <a:ln>
+                  <a:noFill/>
+                </a:ln>
+                <a:solidFill>
+                  <a:prstClr val="black"/>
+                </a:solidFill>
+                <a:effectLst/>
+                <a:uLnTx/>
+                <a:uFillTx/>
+                <a:latin typeface="Calibri"/>
+                <a:ea typeface="+mn-ea"/>
+                <a:cs typeface="+mn-cs"/>
+              </a:rPr>
+              <a:t>Énergie électrique</a:t>
+            </a:r>
+            <a:endParaRPr kumimoji="0" lang="fr-FR" sz="1400" b="0" i="0" u="none" strike="noStrike" kern="0" cap="none" spc="0" normalizeH="0" baseline="0" noProof="0" dirty="0" smtClean="0">
+              <a:ln>
+                <a:noFill/>
+              </a:ln>
+              <a:solidFill>
+                <a:prstClr val="black"/>
+              </a:solidFill>
+              <a:effectLst/>
+              <a:uLnTx/>
+              <a:uFillTx/>
+              <a:latin typeface="Calibri"/>
+              <a:ea typeface="+mn-ea"/>
+              <a:cs typeface="+mn-cs"/>
+            </a:endParaRPr>
+          </a:p>
+        </p:txBody>
+      </p:sp>
+      <p:cxnSp>
+        <p:nvCxnSpPr>
+          <p:cNvPr id="38" name="Connecteur droit 37"/>
+          <p:cNvCxnSpPr/>
+          <p:nvPr/>
+        </p:nvCxnSpPr>
+        <p:spPr>
+          <a:xfrm flipV="1">
+            <a:off x="2456637" y="3412199"/>
+            <a:ext cx="0" cy="1528969"/>
+          </a:xfrm>
+          <a:prstGeom prst="line">
+            <a:avLst/>
+          </a:prstGeom>
+          <a:noFill/>
+          <a:ln w="9525" cap="flat" cmpd="sng" algn="ctr">
+            <a:solidFill>
+              <a:srgbClr val="C0504D">
+                <a:shade val="95000"/>
+                <a:satMod val="105000"/>
+              </a:srgbClr>
+            </a:solidFill>
+            <a:prstDash val="solid"/>
+          </a:ln>
+          <a:effectLst/>
+        </p:spPr>
+      </p:cxnSp>
+      <p:sp>
+        <p:nvSpPr>
+          <p:cNvPr id="39" name="Rectangle 38"/>
+          <p:cNvSpPr/>
+          <p:nvPr/>
+        </p:nvSpPr>
+        <p:spPr>
+          <a:xfrm>
+            <a:off x="4409624" y="4941168"/>
+            <a:ext cx="1445293" cy="409672"/>
+          </a:xfrm>
+          <a:prstGeom prst="rect">
+            <a:avLst/>
+          </a:prstGeom>
+          <a:solidFill>
+            <a:sysClr val="window" lastClr="FFFFFF"/>
+          </a:solidFill>
+          <a:ln w="9525" cap="flat" cmpd="sng" algn="ctr">
+            <a:solidFill>
+              <a:srgbClr val="C0504D"/>
+            </a:solidFill>
+            <a:prstDash val="solid"/>
+          </a:ln>
+          <a:effectLst/>
+        </p:spPr>
+        <p:txBody>
+          <a:bodyPr rtlCol="0" anchor="ctr"/>
+          <a:lstStyle/>
+          <a:p>
+            <a:pPr lvl="0" algn="ctr">
+              <a:defRPr/>
+            </a:pPr>
+            <a:r>
+              <a:rPr lang="fr-FR" sz="1400" kern="0" dirty="0">
+                <a:solidFill>
+                  <a:prstClr val="black"/>
+                </a:solidFill>
+              </a:rPr>
+              <a:t>Énergie électrique</a:t>
+            </a:r>
+          </a:p>
+        </p:txBody>
+      </p:sp>
+      <p:cxnSp>
+        <p:nvCxnSpPr>
+          <p:cNvPr id="40" name="Connecteur droit 39"/>
+          <p:cNvCxnSpPr/>
+          <p:nvPr/>
+        </p:nvCxnSpPr>
+        <p:spPr>
+          <a:xfrm flipV="1">
+            <a:off x="4562024" y="3412199"/>
+            <a:ext cx="0" cy="1528969"/>
+          </a:xfrm>
+          <a:prstGeom prst="line">
+            <a:avLst/>
+          </a:prstGeom>
+          <a:noFill/>
+          <a:ln w="9525" cap="flat" cmpd="sng" algn="ctr">
+            <a:solidFill>
+              <a:srgbClr val="C0504D">
+                <a:shade val="95000"/>
+                <a:satMod val="105000"/>
+              </a:srgbClr>
+            </a:solidFill>
+            <a:prstDash val="solid"/>
+          </a:ln>
+          <a:effectLst/>
+        </p:spPr>
+      </p:cxnSp>
+      <p:sp>
+        <p:nvSpPr>
+          <p:cNvPr id="41" name="Rectangle 40"/>
+          <p:cNvSpPr/>
+          <p:nvPr/>
+        </p:nvSpPr>
+        <p:spPr>
+          <a:xfrm>
+            <a:off x="6455845" y="4939897"/>
+            <a:ext cx="1445293" cy="410943"/>
+          </a:xfrm>
+          <a:prstGeom prst="rect">
+            <a:avLst/>
+          </a:prstGeom>
+          <a:solidFill>
+            <a:sysClr val="window" lastClr="FFFFFF"/>
+          </a:solidFill>
+          <a:ln w="9525" cap="flat" cmpd="sng" algn="ctr">
+            <a:solidFill>
+              <a:srgbClr val="C0504D"/>
+            </a:solidFill>
+            <a:prstDash val="solid"/>
+          </a:ln>
+          <a:effectLst/>
+        </p:spPr>
+        <p:txBody>
+          <a:bodyPr rtlCol="0" anchor="ctr"/>
+          <a:lstStyle/>
+          <a:p>
+            <a:pPr lvl="0" algn="ctr">
+              <a:defRPr/>
+            </a:pPr>
+            <a:r>
+              <a:rPr lang="fr-FR" sz="1400" kern="0" dirty="0">
+                <a:solidFill>
+                  <a:prstClr val="black"/>
+                </a:solidFill>
+              </a:rPr>
+              <a:t>Énergie </a:t>
+            </a:r>
+            <a:r>
+              <a:rPr lang="fr-FR" sz="1400" kern="0" dirty="0" smtClean="0">
+                <a:solidFill>
+                  <a:prstClr val="black"/>
+                </a:solidFill>
+              </a:rPr>
+              <a:t>mécanique</a:t>
+            </a:r>
+            <a:endParaRPr lang="fr-FR" sz="1400" kern="0" dirty="0">
+              <a:solidFill>
+                <a:prstClr val="black"/>
+              </a:solidFill>
+            </a:endParaRPr>
+          </a:p>
+        </p:txBody>
+      </p:sp>
+      <p:cxnSp>
+        <p:nvCxnSpPr>
+          <p:cNvPr id="42" name="Connecteur droit 41"/>
+          <p:cNvCxnSpPr/>
+          <p:nvPr/>
+        </p:nvCxnSpPr>
+        <p:spPr>
+          <a:xfrm flipV="1">
+            <a:off x="6608245" y="3410928"/>
+            <a:ext cx="0" cy="1528969"/>
+          </a:xfrm>
+          <a:prstGeom prst="line">
+            <a:avLst/>
+          </a:prstGeom>
+          <a:noFill/>
+          <a:ln w="9525" cap="flat" cmpd="sng" algn="ctr">
+            <a:solidFill>
+              <a:srgbClr val="C0504D">
+                <a:shade val="95000"/>
+                <a:satMod val="105000"/>
+              </a:srgbClr>
+            </a:solidFill>
+            <a:prstDash val="solid"/>
+          </a:ln>
+          <a:effectLst/>
+        </p:spPr>
+      </p:cxnSp>
+      <p:sp>
+        <p:nvSpPr>
+          <p:cNvPr id="43" name="Rectangle 42"/>
+          <p:cNvSpPr/>
+          <p:nvPr/>
+        </p:nvSpPr>
+        <p:spPr>
+          <a:xfrm>
+            <a:off x="3120330" y="1991409"/>
+            <a:ext cx="1482684" cy="409672"/>
+          </a:xfrm>
+          <a:prstGeom prst="rect">
+            <a:avLst/>
+          </a:prstGeom>
+          <a:noFill/>
+          <a:ln w="9525" cap="flat" cmpd="sng" algn="ctr">
+            <a:noFill/>
+            <a:prstDash val="solid"/>
+          </a:ln>
+          <a:effectLst/>
+        </p:spPr>
+        <p:txBody>
+          <a:bodyPr rtlCol="0" anchor="ctr"/>
+          <a:lstStyle/>
+          <a:p>
+            <a:pPr marL="0" marR="0" lvl="0" indent="0" algn="ctr" defTabSz="914400" eaLnBrk="1" fontAlgn="auto" latinLnBrk="0" hangingPunct="1">
+              <a:lnSpc>
+                <a:spcPct val="100000"/>
+              </a:lnSpc>
+              <a:spcBef>
+                <a:spcPts val="0"/>
+              </a:spcBef>
+              <a:spcAft>
+                <a:spcPts val="0"/>
+              </a:spcAft>
+              <a:buClrTx/>
+              <a:buSzTx/>
+              <a:buFontTx/>
+              <a:buNone/>
+              <a:tabLst/>
+              <a:defRPr/>
+            </a:pPr>
+            <a:r>
+              <a:rPr kumimoji="0" lang="fr-FR" sz="1600" b="1" i="0" u="none" strike="noStrike" kern="0" cap="none" spc="0" normalizeH="0" baseline="0" noProof="0" dirty="0" smtClean="0">
+                <a:ln>
+                  <a:noFill/>
+                </a:ln>
+                <a:solidFill>
+                  <a:srgbClr val="C00000"/>
+                </a:solidFill>
+                <a:effectLst/>
+                <a:uLnTx/>
+                <a:uFillTx/>
+                <a:latin typeface="Calibri"/>
+                <a:ea typeface="+mn-ea"/>
+                <a:cs typeface="+mn-cs"/>
+              </a:rPr>
+              <a:t>Ordres</a:t>
+            </a:r>
+          </a:p>
+        </p:txBody>
+      </p:sp>
+      <p:sp>
+        <p:nvSpPr>
+          <p:cNvPr id="44" name="Rectangle 43"/>
+          <p:cNvSpPr/>
+          <p:nvPr/>
+        </p:nvSpPr>
+        <p:spPr>
+          <a:xfrm>
+            <a:off x="8114035" y="116632"/>
+            <a:ext cx="1482684" cy="949795"/>
+          </a:xfrm>
+          <a:prstGeom prst="rect">
+            <a:avLst/>
+          </a:prstGeom>
+          <a:noFill/>
+          <a:ln w="9525" cap="flat" cmpd="sng" algn="ctr">
+            <a:noFill/>
+            <a:prstDash val="solid"/>
+          </a:ln>
+          <a:effectLst/>
+        </p:spPr>
+        <p:txBody>
+          <a:bodyPr rtlCol="0" anchor="ctr"/>
+          <a:lstStyle/>
+          <a:p>
+            <a:pPr marL="0" marR="0" lvl="0" indent="0" algn="ctr" defTabSz="914400" eaLnBrk="1" fontAlgn="auto" latinLnBrk="0" hangingPunct="1">
+              <a:lnSpc>
+                <a:spcPct val="100000"/>
+              </a:lnSpc>
+              <a:spcBef>
+                <a:spcPts val="0"/>
+              </a:spcBef>
+              <a:spcAft>
+                <a:spcPts val="0"/>
+              </a:spcAft>
+              <a:buClrTx/>
+              <a:buSzTx/>
+              <a:buFontTx/>
+              <a:buNone/>
+              <a:tabLst/>
+              <a:defRPr/>
+            </a:pPr>
+            <a:r>
+              <a:rPr kumimoji="0" lang="fr-FR" sz="1400" b="1" i="0" u="none" strike="noStrike" kern="0" cap="none" spc="0" normalizeH="0" baseline="0" noProof="0" dirty="0" smtClean="0">
+                <a:ln>
+                  <a:noFill/>
+                </a:ln>
+                <a:solidFill>
+                  <a:srgbClr val="92D050"/>
+                </a:solidFill>
+                <a:effectLst/>
+                <a:uLnTx/>
+                <a:uFillTx/>
+                <a:latin typeface="Calibri"/>
+                <a:ea typeface="+mn-ea"/>
+                <a:cs typeface="+mn-cs"/>
+              </a:rPr>
+              <a:t>Grandeurs physiques à acquérir</a:t>
+            </a:r>
+          </a:p>
+        </p:txBody>
+      </p:sp>
+      <p:sp>
+        <p:nvSpPr>
+          <p:cNvPr id="45" name="Rectangle 44"/>
+          <p:cNvSpPr/>
+          <p:nvPr/>
+        </p:nvSpPr>
+        <p:spPr>
+          <a:xfrm>
+            <a:off x="6823727" y="305976"/>
+            <a:ext cx="1452974" cy="949795"/>
+          </a:xfrm>
+          <a:prstGeom prst="rect">
+            <a:avLst/>
+          </a:prstGeom>
+          <a:noFill/>
+          <a:ln w="9525" cap="flat" cmpd="sng" algn="ctr">
+            <a:noFill/>
+            <a:prstDash val="solid"/>
+          </a:ln>
+          <a:effectLst/>
+        </p:spPr>
+        <p:txBody>
+          <a:bodyPr rtlCol="0" anchor="ctr"/>
+          <a:lstStyle/>
+          <a:p>
+            <a:pPr marL="0" marR="0" lvl="0" indent="0" algn="ctr" defTabSz="914400" eaLnBrk="1" fontAlgn="auto" latinLnBrk="0" hangingPunct="1">
+              <a:lnSpc>
+                <a:spcPct val="100000"/>
+              </a:lnSpc>
+              <a:spcBef>
+                <a:spcPts val="0"/>
+              </a:spcBef>
+              <a:spcAft>
+                <a:spcPts val="0"/>
+              </a:spcAft>
+              <a:buClrTx/>
+              <a:buSzTx/>
+              <a:buFontTx/>
+              <a:buNone/>
+              <a:tabLst/>
+              <a:defRPr/>
+            </a:pPr>
+            <a:r>
+              <a:rPr kumimoji="0" lang="fr-FR" sz="1200" b="1" i="0" u="none" strike="noStrike" kern="0" cap="none" spc="0" normalizeH="0" baseline="0" noProof="0" dirty="0" smtClean="0">
+                <a:ln>
+                  <a:noFill/>
+                </a:ln>
+                <a:solidFill>
+                  <a:srgbClr val="00B0F0"/>
+                </a:solidFill>
+                <a:effectLst/>
+                <a:uLnTx/>
+                <a:uFillTx/>
+                <a:latin typeface="Calibri"/>
+                <a:ea typeface="+mn-ea"/>
+                <a:cs typeface="+mn-cs"/>
+              </a:rPr>
+              <a:t>Infos destinées à d’autres interfaces H/M</a:t>
+            </a:r>
+          </a:p>
+        </p:txBody>
+      </p:sp>
+      <p:sp>
+        <p:nvSpPr>
+          <p:cNvPr id="46" name="Rectangle 45"/>
+          <p:cNvSpPr/>
+          <p:nvPr/>
+        </p:nvSpPr>
+        <p:spPr>
+          <a:xfrm>
+            <a:off x="-1188640" y="1052736"/>
+            <a:ext cx="1452974" cy="949795"/>
+          </a:xfrm>
+          <a:prstGeom prst="rect">
+            <a:avLst/>
+          </a:prstGeom>
+          <a:noFill/>
+          <a:ln w="9525" cap="flat" cmpd="sng" algn="ctr">
+            <a:noFill/>
+            <a:prstDash val="solid"/>
+          </a:ln>
+          <a:effectLst/>
+        </p:spPr>
+        <p:txBody>
+          <a:bodyPr rtlCol="0" anchor="ctr"/>
+          <a:lstStyle/>
+          <a:p>
+            <a:pPr marL="0" marR="0" lvl="0" indent="0" algn="ctr" defTabSz="914400" eaLnBrk="1" fontAlgn="auto" latinLnBrk="0" hangingPunct="1">
+              <a:lnSpc>
+                <a:spcPct val="100000"/>
+              </a:lnSpc>
+              <a:spcBef>
+                <a:spcPts val="0"/>
+              </a:spcBef>
+              <a:spcAft>
+                <a:spcPts val="0"/>
+              </a:spcAft>
+              <a:buClrTx/>
+              <a:buSzTx/>
+              <a:buFontTx/>
+              <a:buNone/>
+              <a:tabLst/>
+              <a:defRPr/>
+            </a:pPr>
+            <a:r>
+              <a:rPr kumimoji="0" lang="fr-FR" sz="1200" b="1" i="0" u="none" strike="noStrike" kern="0" cap="none" spc="0" normalizeH="0" baseline="0" noProof="0" dirty="0" smtClean="0">
+                <a:ln>
+                  <a:noFill/>
+                </a:ln>
+                <a:solidFill>
+                  <a:srgbClr val="00B0F0"/>
+                </a:solidFill>
+                <a:effectLst/>
+                <a:uLnTx/>
+                <a:uFillTx/>
+                <a:latin typeface="Calibri"/>
+                <a:ea typeface="+mn-ea"/>
+                <a:cs typeface="+mn-cs"/>
+              </a:rPr>
+              <a:t>Infos issues de d’autres interfaces H/M</a:t>
+            </a:r>
+          </a:p>
+        </p:txBody>
+      </p:sp>
+      <p:sp>
+        <p:nvSpPr>
+          <p:cNvPr id="47" name="Rectangle 46"/>
+          <p:cNvSpPr/>
+          <p:nvPr/>
+        </p:nvSpPr>
+        <p:spPr>
+          <a:xfrm>
+            <a:off x="3120330" y="5770523"/>
+            <a:ext cx="2952530" cy="474897"/>
+          </a:xfrm>
+          <a:prstGeom prst="rect">
+            <a:avLst/>
+          </a:prstGeom>
+          <a:noFill/>
+          <a:ln w="9525" cap="flat" cmpd="sng" algn="ctr">
+            <a:noFill/>
+            <a:prstDash val="solid"/>
+          </a:ln>
+          <a:effectLst/>
+        </p:spPr>
+        <p:txBody>
+          <a:bodyPr rtlCol="0" anchor="ctr"/>
+          <a:lstStyle/>
+          <a:p>
+            <a:pPr marL="0" marR="0" lvl="0" indent="0" algn="ctr" defTabSz="914400" eaLnBrk="1" fontAlgn="auto" latinLnBrk="0" hangingPunct="1">
+              <a:lnSpc>
+                <a:spcPct val="100000"/>
+              </a:lnSpc>
+              <a:spcBef>
+                <a:spcPts val="0"/>
+              </a:spcBef>
+              <a:spcAft>
+                <a:spcPts val="0"/>
+              </a:spcAft>
+              <a:buClrTx/>
+              <a:buSzTx/>
+              <a:buFontTx/>
+              <a:buNone/>
+              <a:tabLst/>
+              <a:defRPr/>
+            </a:pPr>
+            <a:r>
+              <a:rPr kumimoji="0" lang="fr-FR" sz="1200" b="1" i="0" u="none" strike="noStrike" kern="0" cap="none" spc="0" normalizeH="0" baseline="0" noProof="0" dirty="0" smtClean="0">
+                <a:ln>
+                  <a:noFill/>
+                </a:ln>
+                <a:solidFill>
+                  <a:srgbClr val="00B0F0"/>
+                </a:solidFill>
+                <a:effectLst/>
+                <a:uLnTx/>
+                <a:uFillTx/>
+                <a:latin typeface="Calibri"/>
+                <a:ea typeface="+mn-ea"/>
+                <a:cs typeface="+mn-cs"/>
+              </a:rPr>
+              <a:t>H/M : Homme – Machine </a:t>
+            </a:r>
+          </a:p>
+        </p:txBody>
+      </p:sp>
+      <p:sp>
+        <p:nvSpPr>
+          <p:cNvPr id="48" name="Rectangle 47"/>
+          <p:cNvSpPr/>
+          <p:nvPr/>
+        </p:nvSpPr>
+        <p:spPr>
+          <a:xfrm>
+            <a:off x="8961138" y="591529"/>
+            <a:ext cx="1482684" cy="409672"/>
+          </a:xfrm>
+          <a:prstGeom prst="rect">
+            <a:avLst/>
+          </a:prstGeom>
+          <a:noFill/>
+          <a:ln w="9525" cap="flat" cmpd="sng" algn="ctr">
+            <a:noFill/>
+            <a:prstDash val="solid"/>
+          </a:ln>
+          <a:effectLst/>
+        </p:spPr>
+        <p:txBody>
+          <a:bodyPr rtlCol="0" anchor="ctr"/>
+          <a:lstStyle/>
+          <a:p>
+            <a:pPr marL="0" marR="0" lvl="0" indent="0" algn="ctr" defTabSz="914400" eaLnBrk="1" fontAlgn="auto" latinLnBrk="0" hangingPunct="1">
+              <a:lnSpc>
+                <a:spcPct val="100000"/>
+              </a:lnSpc>
+              <a:spcBef>
+                <a:spcPts val="0"/>
+              </a:spcBef>
+              <a:spcAft>
+                <a:spcPts val="0"/>
+              </a:spcAft>
+              <a:buClrTx/>
+              <a:buSzTx/>
+              <a:buFontTx/>
+              <a:buNone/>
+              <a:tabLst/>
+              <a:defRPr/>
+            </a:pPr>
+            <a:r>
+              <a:rPr kumimoji="0" lang="fr-FR" sz="1600" b="1" i="0" u="none" strike="noStrike" kern="0" cap="none" spc="0" normalizeH="0" baseline="0" noProof="0" dirty="0" smtClean="0">
+                <a:ln>
+                  <a:noFill/>
+                </a:ln>
+                <a:solidFill>
+                  <a:srgbClr val="C00000"/>
+                </a:solidFill>
+                <a:effectLst/>
+                <a:uLnTx/>
+                <a:uFillTx/>
+                <a:latin typeface="Calibri"/>
+                <a:ea typeface="+mn-ea"/>
+                <a:cs typeface="+mn-cs"/>
+              </a:rPr>
+              <a:t>Tapis</a:t>
+            </a:r>
+            <a:r>
+              <a:rPr kumimoji="0" lang="fr-FR" sz="1600" b="1" i="0" u="none" strike="noStrike" kern="0" cap="none" spc="0" normalizeH="0" noProof="0" dirty="0" smtClean="0">
+                <a:ln>
+                  <a:noFill/>
+                </a:ln>
+                <a:solidFill>
+                  <a:srgbClr val="C00000"/>
+                </a:solidFill>
+                <a:effectLst/>
+                <a:uLnTx/>
+                <a:uFillTx/>
+                <a:latin typeface="Calibri"/>
+                <a:ea typeface="+mn-ea"/>
+                <a:cs typeface="+mn-cs"/>
+              </a:rPr>
+              <a:t> à l’arrêt</a:t>
+            </a:r>
+            <a:endParaRPr kumimoji="0" lang="fr-FR" sz="1600" b="1" i="0" u="none" strike="noStrike" kern="0" cap="none" spc="0" normalizeH="0" baseline="0" noProof="0" dirty="0" smtClean="0">
+              <a:ln>
+                <a:noFill/>
+              </a:ln>
+              <a:solidFill>
+                <a:srgbClr val="C00000"/>
+              </a:solidFill>
+              <a:effectLst/>
+              <a:uLnTx/>
+              <a:uFillTx/>
+              <a:latin typeface="Calibri"/>
+              <a:ea typeface="+mn-ea"/>
+              <a:cs typeface="+mn-cs"/>
+            </a:endParaRPr>
+          </a:p>
+        </p:txBody>
+      </p:sp>
+      <p:sp>
+        <p:nvSpPr>
+          <p:cNvPr id="49" name="Rectangle 48"/>
+          <p:cNvSpPr/>
+          <p:nvPr/>
+        </p:nvSpPr>
+        <p:spPr>
+          <a:xfrm>
+            <a:off x="8687961" y="5760512"/>
+            <a:ext cx="2029038" cy="409672"/>
+          </a:xfrm>
+          <a:prstGeom prst="rect">
+            <a:avLst/>
+          </a:prstGeom>
+          <a:noFill/>
+          <a:ln w="9525" cap="flat" cmpd="sng" algn="ctr">
+            <a:noFill/>
+            <a:prstDash val="solid"/>
+          </a:ln>
+          <a:effectLst/>
+        </p:spPr>
+        <p:txBody>
+          <a:bodyPr rtlCol="0" anchor="ctr"/>
+          <a:lstStyle/>
+          <a:p>
+            <a:pPr marL="0" marR="0" lvl="0" indent="0" algn="ctr" defTabSz="914400" eaLnBrk="1" fontAlgn="auto" latinLnBrk="0" hangingPunct="1">
+              <a:lnSpc>
+                <a:spcPct val="100000"/>
+              </a:lnSpc>
+              <a:spcBef>
+                <a:spcPts val="0"/>
+              </a:spcBef>
+              <a:spcAft>
+                <a:spcPts val="0"/>
+              </a:spcAft>
+              <a:buClrTx/>
+              <a:buSzTx/>
+              <a:buFontTx/>
+              <a:buNone/>
+              <a:tabLst/>
+              <a:defRPr/>
+            </a:pPr>
+            <a:r>
+              <a:rPr kumimoji="0" lang="fr-FR" sz="1600" b="1" i="0" u="none" strike="noStrike" kern="0" cap="none" spc="0" normalizeH="0" baseline="0" noProof="0" dirty="0" smtClean="0">
+                <a:ln>
+                  <a:noFill/>
+                </a:ln>
+                <a:solidFill>
+                  <a:srgbClr val="C00000"/>
+                </a:solidFill>
+                <a:effectLst/>
+                <a:uLnTx/>
+                <a:uFillTx/>
+                <a:latin typeface="Calibri"/>
+                <a:ea typeface="+mn-ea"/>
+                <a:cs typeface="+mn-cs"/>
+              </a:rPr>
+              <a:t>Tapis en marche</a:t>
+            </a:r>
+            <a:endParaRPr kumimoji="0" lang="fr-FR" sz="1600" b="1" i="0" u="none" strike="noStrike" kern="0" cap="none" spc="0" normalizeH="0" baseline="0" noProof="0" dirty="0" smtClean="0">
+              <a:ln>
+                <a:noFill/>
+              </a:ln>
+              <a:solidFill>
+                <a:srgbClr val="C00000"/>
+              </a:solidFill>
+              <a:effectLst/>
+              <a:uLnTx/>
+              <a:uFillTx/>
+              <a:latin typeface="Calibri"/>
+              <a:ea typeface="+mn-ea"/>
+              <a:cs typeface="+mn-cs"/>
+            </a:endParaRPr>
+          </a:p>
+        </p:txBody>
+      </p:sp>
+    </p:spTree>
+    <p:extLst>
+      <p:ext uri="{BB962C8B-B14F-4D97-AF65-F5344CB8AC3E}">
+        <p14:creationId xmlns:p14="http://schemas.microsoft.com/office/powerpoint/2010/main" val="2695627117"/>
+      </p:ext>
+    </p:extLst>
   </p:cSld>
   <p:clrMapOvr>
     <a:masterClrMapping/>

--- a/Ressources/ChaineFonc.pptx
+++ b/Ressources/ChaineFonc.pptx
@@ -7,8 +7,9 @@
   <p:sldIdLst>
     <p:sldId id="256" r:id="rId2"/>
     <p:sldId id="257" r:id="rId3"/>
-    <p:sldId id="258" r:id="rId4"/>
-    <p:sldId id="259" r:id="rId5"/>
+    <p:sldId id="260" r:id="rId4"/>
+    <p:sldId id="258" r:id="rId5"/>
+    <p:sldId id="259" r:id="rId6"/>
   </p:sldIdLst>
   <p:sldSz cx="9144000" cy="6858000" type="screen4x3"/>
   <p:notesSz cx="6858000" cy="9144000"/>
@@ -107,7 +108,27 @@
       </a:defRPr>
     </a:lvl9pPr>
   </p:defaultTextStyle>
+  <p:extLst>
+    <p:ext uri="{EFAFB233-063F-42B5-8137-9DF3F51BA10A}">
+      <p15:sldGuideLst xmlns:p15="http://schemas.microsoft.com/office/powerpoint/2012/main">
+        <p15:guide id="1" orient="horz" pos="2160">
+          <p15:clr>
+            <a:srgbClr val="A4A3A4"/>
+          </p15:clr>
+        </p15:guide>
+        <p15:guide id="2" pos="2880">
+          <p15:clr>
+            <a:srgbClr val="A4A3A4"/>
+          </p15:clr>
+        </p15:guide>
+      </p15:sldGuideLst>
+    </p:ext>
+  </p:extLst>
 </p:presentation>
+</file>
+
+<file path=ppt/revisionInfo.xml><?xml version="1.0" encoding="utf-8"?>
+<p1510:revInfo xmlns:a="http://schemas.openxmlformats.org/drawingml/2006/main" xmlns:r="http://schemas.openxmlformats.org/officeDocument/2006/relationships" xmlns:p1510="http://schemas.microsoft.com/office/powerpoint/2015/10/main"/>
 </file>
 
 <file path=ppt/slideLayouts/slideLayout1.xml><?xml version="1.0" encoding="utf-8"?>
@@ -148,7 +169,7 @@
           <a:lstStyle/>
           <a:p>
             <a:r>
-              <a:rPr lang="fr-FR" smtClean="0"/>
+              <a:rPr lang="fr-FR"/>
               <a:t>Cliquez pour modifier le style du titre</a:t>
             </a:r>
             <a:endParaRPr lang="fr-BE"/>
@@ -267,7 +288,7 @@
           </a:lstStyle>
           <a:p>
             <a:r>
-              <a:rPr lang="fr-FR" smtClean="0"/>
+              <a:rPr lang="fr-FR"/>
               <a:t>Cliquez pour modifier le style des sous-titres du masque</a:t>
             </a:r>
             <a:endParaRPr lang="fr-BE"/>
@@ -292,7 +313,7 @@
             <a:fld id="{AA309A6D-C09C-4548-B29A-6CF363A7E532}" type="datetimeFigureOut">
               <a:rPr lang="fr-FR" smtClean="0"/>
               <a:pPr/>
-              <a:t>08/09/2016</a:t>
+              <a:t>29/08/2017</a:t>
             </a:fld>
             <a:endParaRPr lang="fr-BE"/>
           </a:p>
@@ -382,7 +403,7 @@
           <a:lstStyle/>
           <a:p>
             <a:r>
-              <a:rPr lang="fr-FR" smtClean="0"/>
+              <a:rPr lang="fr-FR"/>
               <a:t>Cliquez pour modifier le style du titre</a:t>
             </a:r>
             <a:endParaRPr lang="fr-BE"/>
@@ -406,35 +427,35 @@
           <a:p>
             <a:pPr lvl="0"/>
             <a:r>
-              <a:rPr lang="fr-FR" smtClean="0"/>
+              <a:rPr lang="fr-FR"/>
               <a:t>Cliquez pour modifier les styles du texte du masque</a:t>
             </a:r>
           </a:p>
           <a:p>
             <a:pPr lvl="1"/>
             <a:r>
-              <a:rPr lang="fr-FR" smtClean="0"/>
+              <a:rPr lang="fr-FR"/>
               <a:t>Deuxième niveau</a:t>
             </a:r>
           </a:p>
           <a:p>
             <a:pPr lvl="2"/>
             <a:r>
-              <a:rPr lang="fr-FR" smtClean="0"/>
+              <a:rPr lang="fr-FR"/>
               <a:t>Troisième niveau</a:t>
             </a:r>
           </a:p>
           <a:p>
             <a:pPr lvl="3"/>
             <a:r>
-              <a:rPr lang="fr-FR" smtClean="0"/>
+              <a:rPr lang="fr-FR"/>
               <a:t>Quatrième niveau</a:t>
             </a:r>
           </a:p>
           <a:p>
             <a:pPr lvl="4"/>
             <a:r>
-              <a:rPr lang="fr-FR" smtClean="0"/>
+              <a:rPr lang="fr-FR"/>
               <a:t>Cinquième niveau</a:t>
             </a:r>
             <a:endParaRPr lang="fr-BE"/>
@@ -459,7 +480,7 @@
             <a:fld id="{AA309A6D-C09C-4548-B29A-6CF363A7E532}" type="datetimeFigureOut">
               <a:rPr lang="fr-FR" smtClean="0"/>
               <a:pPr/>
-              <a:t>08/09/2016</a:t>
+              <a:t>29/08/2017</a:t>
             </a:fld>
             <a:endParaRPr lang="fr-BE"/>
           </a:p>
@@ -554,7 +575,7 @@
           <a:lstStyle/>
           <a:p>
             <a:r>
-              <a:rPr lang="fr-FR" smtClean="0"/>
+              <a:rPr lang="fr-FR"/>
               <a:t>Cliquez pour modifier le style du titre</a:t>
             </a:r>
             <a:endParaRPr lang="fr-BE"/>
@@ -583,35 +604,35 @@
           <a:p>
             <a:pPr lvl="0"/>
             <a:r>
-              <a:rPr lang="fr-FR" smtClean="0"/>
+              <a:rPr lang="fr-FR"/>
               <a:t>Cliquez pour modifier les styles du texte du masque</a:t>
             </a:r>
           </a:p>
           <a:p>
             <a:pPr lvl="1"/>
             <a:r>
-              <a:rPr lang="fr-FR" smtClean="0"/>
+              <a:rPr lang="fr-FR"/>
               <a:t>Deuxième niveau</a:t>
             </a:r>
           </a:p>
           <a:p>
             <a:pPr lvl="2"/>
             <a:r>
-              <a:rPr lang="fr-FR" smtClean="0"/>
+              <a:rPr lang="fr-FR"/>
               <a:t>Troisième niveau</a:t>
             </a:r>
           </a:p>
           <a:p>
             <a:pPr lvl="3"/>
             <a:r>
-              <a:rPr lang="fr-FR" smtClean="0"/>
+              <a:rPr lang="fr-FR"/>
               <a:t>Quatrième niveau</a:t>
             </a:r>
           </a:p>
           <a:p>
             <a:pPr lvl="4"/>
             <a:r>
-              <a:rPr lang="fr-FR" smtClean="0"/>
+              <a:rPr lang="fr-FR"/>
               <a:t>Cinquième niveau</a:t>
             </a:r>
             <a:endParaRPr lang="fr-BE"/>
@@ -636,7 +657,7 @@
             <a:fld id="{AA309A6D-C09C-4548-B29A-6CF363A7E532}" type="datetimeFigureOut">
               <a:rPr lang="fr-FR" smtClean="0"/>
               <a:pPr/>
-              <a:t>08/09/2016</a:t>
+              <a:t>29/08/2017</a:t>
             </a:fld>
             <a:endParaRPr lang="fr-BE"/>
           </a:p>
@@ -726,7 +747,7 @@
           <a:lstStyle/>
           <a:p>
             <a:r>
-              <a:rPr lang="fr-FR" smtClean="0"/>
+              <a:rPr lang="fr-FR"/>
               <a:t>Cliquez pour modifier le style du titre</a:t>
             </a:r>
             <a:endParaRPr lang="fr-BE"/>
@@ -750,35 +771,35 @@
           <a:p>
             <a:pPr lvl="0"/>
             <a:r>
-              <a:rPr lang="fr-FR" smtClean="0"/>
+              <a:rPr lang="fr-FR"/>
               <a:t>Cliquez pour modifier les styles du texte du masque</a:t>
             </a:r>
           </a:p>
           <a:p>
             <a:pPr lvl="1"/>
             <a:r>
-              <a:rPr lang="fr-FR" smtClean="0"/>
+              <a:rPr lang="fr-FR"/>
               <a:t>Deuxième niveau</a:t>
             </a:r>
           </a:p>
           <a:p>
             <a:pPr lvl="2"/>
             <a:r>
-              <a:rPr lang="fr-FR" smtClean="0"/>
+              <a:rPr lang="fr-FR"/>
               <a:t>Troisième niveau</a:t>
             </a:r>
           </a:p>
           <a:p>
             <a:pPr lvl="3"/>
             <a:r>
-              <a:rPr lang="fr-FR" smtClean="0"/>
+              <a:rPr lang="fr-FR"/>
               <a:t>Quatrième niveau</a:t>
             </a:r>
           </a:p>
           <a:p>
             <a:pPr lvl="4"/>
             <a:r>
-              <a:rPr lang="fr-FR" smtClean="0"/>
+              <a:rPr lang="fr-FR"/>
               <a:t>Cinquième niveau</a:t>
             </a:r>
             <a:endParaRPr lang="fr-BE"/>
@@ -803,7 +824,7 @@
             <a:fld id="{AA309A6D-C09C-4548-B29A-6CF363A7E532}" type="datetimeFigureOut">
               <a:rPr lang="fr-FR" smtClean="0"/>
               <a:pPr/>
-              <a:t>08/09/2016</a:t>
+              <a:t>29/08/2017</a:t>
             </a:fld>
             <a:endParaRPr lang="fr-BE"/>
           </a:p>
@@ -902,7 +923,7 @@
           </a:lstStyle>
           <a:p>
             <a:r>
-              <a:rPr lang="fr-FR" smtClean="0"/>
+              <a:rPr lang="fr-FR"/>
               <a:t>Cliquez pour modifier le style du titre</a:t>
             </a:r>
             <a:endParaRPr lang="fr-BE"/>
@@ -1022,7 +1043,7 @@
           <a:p>
             <a:pPr lvl="0"/>
             <a:r>
-              <a:rPr lang="fr-FR" smtClean="0"/>
+              <a:rPr lang="fr-FR"/>
               <a:t>Cliquez pour modifier les styles du texte du masque</a:t>
             </a:r>
           </a:p>
@@ -1046,7 +1067,7 @@
             <a:fld id="{AA309A6D-C09C-4548-B29A-6CF363A7E532}" type="datetimeFigureOut">
               <a:rPr lang="fr-FR" smtClean="0"/>
               <a:pPr/>
-              <a:t>08/09/2016</a:t>
+              <a:t>29/08/2017</a:t>
             </a:fld>
             <a:endParaRPr lang="fr-BE"/>
           </a:p>
@@ -1136,7 +1157,7 @@
           <a:lstStyle/>
           <a:p>
             <a:r>
-              <a:rPr lang="fr-FR" smtClean="0"/>
+              <a:rPr lang="fr-FR"/>
               <a:t>Cliquez pour modifier le style du titre</a:t>
             </a:r>
             <a:endParaRPr lang="fr-BE"/>
@@ -1193,35 +1214,35 @@
           <a:p>
             <a:pPr lvl="0"/>
             <a:r>
-              <a:rPr lang="fr-FR" smtClean="0"/>
+              <a:rPr lang="fr-FR"/>
               <a:t>Cliquez pour modifier les styles du texte du masque</a:t>
             </a:r>
           </a:p>
           <a:p>
             <a:pPr lvl="1"/>
             <a:r>
-              <a:rPr lang="fr-FR" smtClean="0"/>
+              <a:rPr lang="fr-FR"/>
               <a:t>Deuxième niveau</a:t>
             </a:r>
           </a:p>
           <a:p>
             <a:pPr lvl="2"/>
             <a:r>
-              <a:rPr lang="fr-FR" smtClean="0"/>
+              <a:rPr lang="fr-FR"/>
               <a:t>Troisième niveau</a:t>
             </a:r>
           </a:p>
           <a:p>
             <a:pPr lvl="3"/>
             <a:r>
-              <a:rPr lang="fr-FR" smtClean="0"/>
+              <a:rPr lang="fr-FR"/>
               <a:t>Quatrième niveau</a:t>
             </a:r>
           </a:p>
           <a:p>
             <a:pPr lvl="4"/>
             <a:r>
-              <a:rPr lang="fr-FR" smtClean="0"/>
+              <a:rPr lang="fr-FR"/>
               <a:t>Cinquième niveau</a:t>
             </a:r>
             <a:endParaRPr lang="fr-BE"/>
@@ -1278,35 +1299,35 @@
           <a:p>
             <a:pPr lvl="0"/>
             <a:r>
-              <a:rPr lang="fr-FR" smtClean="0"/>
+              <a:rPr lang="fr-FR"/>
               <a:t>Cliquez pour modifier les styles du texte du masque</a:t>
             </a:r>
           </a:p>
           <a:p>
             <a:pPr lvl="1"/>
             <a:r>
-              <a:rPr lang="fr-FR" smtClean="0"/>
+              <a:rPr lang="fr-FR"/>
               <a:t>Deuxième niveau</a:t>
             </a:r>
           </a:p>
           <a:p>
             <a:pPr lvl="2"/>
             <a:r>
-              <a:rPr lang="fr-FR" smtClean="0"/>
+              <a:rPr lang="fr-FR"/>
               <a:t>Troisième niveau</a:t>
             </a:r>
           </a:p>
           <a:p>
             <a:pPr lvl="3"/>
             <a:r>
-              <a:rPr lang="fr-FR" smtClean="0"/>
+              <a:rPr lang="fr-FR"/>
               <a:t>Quatrième niveau</a:t>
             </a:r>
           </a:p>
           <a:p>
             <a:pPr lvl="4"/>
             <a:r>
-              <a:rPr lang="fr-FR" smtClean="0"/>
+              <a:rPr lang="fr-FR"/>
               <a:t>Cinquième niveau</a:t>
             </a:r>
             <a:endParaRPr lang="fr-BE"/>
@@ -1331,7 +1352,7 @@
             <a:fld id="{AA309A6D-C09C-4548-B29A-6CF363A7E532}" type="datetimeFigureOut">
               <a:rPr lang="fr-FR" smtClean="0"/>
               <a:pPr/>
-              <a:t>08/09/2016</a:t>
+              <a:t>29/08/2017</a:t>
             </a:fld>
             <a:endParaRPr lang="fr-BE"/>
           </a:p>
@@ -1425,7 +1446,7 @@
           </a:lstStyle>
           <a:p>
             <a:r>
-              <a:rPr lang="fr-FR" smtClean="0"/>
+              <a:rPr lang="fr-FR"/>
               <a:t>Cliquez pour modifier le style du titre</a:t>
             </a:r>
             <a:endParaRPr lang="fr-BE"/>
@@ -1491,7 +1512,7 @@
           <a:p>
             <a:pPr lvl="0"/>
             <a:r>
-              <a:rPr lang="fr-FR" smtClean="0"/>
+              <a:rPr lang="fr-FR"/>
               <a:t>Cliquez pour modifier les styles du texte du masque</a:t>
             </a:r>
           </a:p>
@@ -1547,35 +1568,35 @@
           <a:p>
             <a:pPr lvl="0"/>
             <a:r>
-              <a:rPr lang="fr-FR" smtClean="0"/>
+              <a:rPr lang="fr-FR"/>
               <a:t>Cliquez pour modifier les styles du texte du masque</a:t>
             </a:r>
           </a:p>
           <a:p>
             <a:pPr lvl="1"/>
             <a:r>
-              <a:rPr lang="fr-FR" smtClean="0"/>
+              <a:rPr lang="fr-FR"/>
               <a:t>Deuxième niveau</a:t>
             </a:r>
           </a:p>
           <a:p>
             <a:pPr lvl="2"/>
             <a:r>
-              <a:rPr lang="fr-FR" smtClean="0"/>
+              <a:rPr lang="fr-FR"/>
               <a:t>Troisième niveau</a:t>
             </a:r>
           </a:p>
           <a:p>
             <a:pPr lvl="3"/>
             <a:r>
-              <a:rPr lang="fr-FR" smtClean="0"/>
+              <a:rPr lang="fr-FR"/>
               <a:t>Quatrième niveau</a:t>
             </a:r>
           </a:p>
           <a:p>
             <a:pPr lvl="4"/>
             <a:r>
-              <a:rPr lang="fr-FR" smtClean="0"/>
+              <a:rPr lang="fr-FR"/>
               <a:t>Cinquième niveau</a:t>
             </a:r>
             <a:endParaRPr lang="fr-BE"/>
@@ -1641,7 +1662,7 @@
           <a:p>
             <a:pPr lvl="0"/>
             <a:r>
-              <a:rPr lang="fr-FR" smtClean="0"/>
+              <a:rPr lang="fr-FR"/>
               <a:t>Cliquez pour modifier les styles du texte du masque</a:t>
             </a:r>
           </a:p>
@@ -1697,35 +1718,35 @@
           <a:p>
             <a:pPr lvl="0"/>
             <a:r>
-              <a:rPr lang="fr-FR" smtClean="0"/>
+              <a:rPr lang="fr-FR"/>
               <a:t>Cliquez pour modifier les styles du texte du masque</a:t>
             </a:r>
           </a:p>
           <a:p>
             <a:pPr lvl="1"/>
             <a:r>
-              <a:rPr lang="fr-FR" smtClean="0"/>
+              <a:rPr lang="fr-FR"/>
               <a:t>Deuxième niveau</a:t>
             </a:r>
           </a:p>
           <a:p>
             <a:pPr lvl="2"/>
             <a:r>
-              <a:rPr lang="fr-FR" smtClean="0"/>
+              <a:rPr lang="fr-FR"/>
               <a:t>Troisième niveau</a:t>
             </a:r>
           </a:p>
           <a:p>
             <a:pPr lvl="3"/>
             <a:r>
-              <a:rPr lang="fr-FR" smtClean="0"/>
+              <a:rPr lang="fr-FR"/>
               <a:t>Quatrième niveau</a:t>
             </a:r>
           </a:p>
           <a:p>
             <a:pPr lvl="4"/>
             <a:r>
-              <a:rPr lang="fr-FR" smtClean="0"/>
+              <a:rPr lang="fr-FR"/>
               <a:t>Cinquième niveau</a:t>
             </a:r>
             <a:endParaRPr lang="fr-BE"/>
@@ -1750,7 +1771,7 @@
             <a:fld id="{AA309A6D-C09C-4548-B29A-6CF363A7E532}" type="datetimeFigureOut">
               <a:rPr lang="fr-FR" smtClean="0"/>
               <a:pPr/>
-              <a:t>08/09/2016</a:t>
+              <a:t>29/08/2017</a:t>
             </a:fld>
             <a:endParaRPr lang="fr-BE"/>
           </a:p>
@@ -1840,7 +1861,7 @@
           <a:lstStyle/>
           <a:p>
             <a:r>
-              <a:rPr lang="fr-FR" smtClean="0"/>
+              <a:rPr lang="fr-FR"/>
               <a:t>Cliquez pour modifier le style du titre</a:t>
             </a:r>
             <a:endParaRPr lang="fr-BE"/>
@@ -1865,7 +1886,7 @@
             <a:fld id="{AA309A6D-C09C-4548-B29A-6CF363A7E532}" type="datetimeFigureOut">
               <a:rPr lang="fr-FR" smtClean="0"/>
               <a:pPr/>
-              <a:t>08/09/2016</a:t>
+              <a:t>29/08/2017</a:t>
             </a:fld>
             <a:endParaRPr lang="fr-BE"/>
           </a:p>
@@ -1957,7 +1978,7 @@
             <a:fld id="{AA309A6D-C09C-4548-B29A-6CF363A7E532}" type="datetimeFigureOut">
               <a:rPr lang="fr-FR" smtClean="0"/>
               <a:pPr/>
-              <a:t>08/09/2016</a:t>
+              <a:t>29/08/2017</a:t>
             </a:fld>
             <a:endParaRPr lang="fr-BE"/>
           </a:p>
@@ -2056,7 +2077,7 @@
           </a:lstStyle>
           <a:p>
             <a:r>
-              <a:rPr lang="fr-FR" smtClean="0"/>
+              <a:rPr lang="fr-FR"/>
               <a:t>Cliquez pour modifier le style du titre</a:t>
             </a:r>
             <a:endParaRPr lang="fr-BE"/>
@@ -2113,35 +2134,35 @@
           <a:p>
             <a:pPr lvl="0"/>
             <a:r>
-              <a:rPr lang="fr-FR" smtClean="0"/>
+              <a:rPr lang="fr-FR"/>
               <a:t>Cliquez pour modifier les styles du texte du masque</a:t>
             </a:r>
           </a:p>
           <a:p>
             <a:pPr lvl="1"/>
             <a:r>
-              <a:rPr lang="fr-FR" smtClean="0"/>
+              <a:rPr lang="fr-FR"/>
               <a:t>Deuxième niveau</a:t>
             </a:r>
           </a:p>
           <a:p>
             <a:pPr lvl="2"/>
             <a:r>
-              <a:rPr lang="fr-FR" smtClean="0"/>
+              <a:rPr lang="fr-FR"/>
               <a:t>Troisième niveau</a:t>
             </a:r>
           </a:p>
           <a:p>
             <a:pPr lvl="3"/>
             <a:r>
-              <a:rPr lang="fr-FR" smtClean="0"/>
+              <a:rPr lang="fr-FR"/>
               <a:t>Quatrième niveau</a:t>
             </a:r>
           </a:p>
           <a:p>
             <a:pPr lvl="4"/>
             <a:r>
-              <a:rPr lang="fr-FR" smtClean="0"/>
+              <a:rPr lang="fr-FR"/>
               <a:t>Cinquième niveau</a:t>
             </a:r>
             <a:endParaRPr lang="fr-BE"/>
@@ -2207,7 +2228,7 @@
           <a:p>
             <a:pPr lvl="0"/>
             <a:r>
-              <a:rPr lang="fr-FR" smtClean="0"/>
+              <a:rPr lang="fr-FR"/>
               <a:t>Cliquez pour modifier les styles du texte du masque</a:t>
             </a:r>
           </a:p>
@@ -2231,7 +2252,7 @@
             <a:fld id="{AA309A6D-C09C-4548-B29A-6CF363A7E532}" type="datetimeFigureOut">
               <a:rPr lang="fr-FR" smtClean="0"/>
               <a:pPr/>
-              <a:t>08/09/2016</a:t>
+              <a:t>29/08/2017</a:t>
             </a:fld>
             <a:endParaRPr lang="fr-BE"/>
           </a:p>
@@ -2330,7 +2351,7 @@
           </a:lstStyle>
           <a:p>
             <a:r>
-              <a:rPr lang="fr-FR" smtClean="0"/>
+              <a:rPr lang="fr-FR"/>
               <a:t>Cliquez pour modifier le style du titre</a:t>
             </a:r>
             <a:endParaRPr lang="fr-BE"/>
@@ -2457,7 +2478,7 @@
           <a:p>
             <a:pPr lvl="0"/>
             <a:r>
-              <a:rPr lang="fr-FR" smtClean="0"/>
+              <a:rPr lang="fr-FR"/>
               <a:t>Cliquez pour modifier les styles du texte du masque</a:t>
             </a:r>
           </a:p>
@@ -2481,7 +2502,7 @@
             <a:fld id="{AA309A6D-C09C-4548-B29A-6CF363A7E532}" type="datetimeFigureOut">
               <a:rPr lang="fr-FR" smtClean="0"/>
               <a:pPr/>
-              <a:t>08/09/2016</a:t>
+              <a:t>29/08/2017</a:t>
             </a:fld>
             <a:endParaRPr lang="fr-BE"/>
           </a:p>
@@ -2586,7 +2607,7 @@
           <a:lstStyle/>
           <a:p>
             <a:r>
-              <a:rPr lang="fr-FR" smtClean="0"/>
+              <a:rPr lang="fr-FR"/>
               <a:t>Cliquez pour modifier le style du titre</a:t>
             </a:r>
             <a:endParaRPr lang="fr-BE"/>
@@ -2620,35 +2641,35 @@
           <a:p>
             <a:pPr lvl="0"/>
             <a:r>
-              <a:rPr lang="fr-FR" smtClean="0"/>
+              <a:rPr lang="fr-FR"/>
               <a:t>Cliquez pour modifier les styles du texte du masque</a:t>
             </a:r>
           </a:p>
           <a:p>
             <a:pPr lvl="1"/>
             <a:r>
-              <a:rPr lang="fr-FR" smtClean="0"/>
+              <a:rPr lang="fr-FR"/>
               <a:t>Deuxième niveau</a:t>
             </a:r>
           </a:p>
           <a:p>
             <a:pPr lvl="2"/>
             <a:r>
-              <a:rPr lang="fr-FR" smtClean="0"/>
+              <a:rPr lang="fr-FR"/>
               <a:t>Troisième niveau</a:t>
             </a:r>
           </a:p>
           <a:p>
             <a:pPr lvl="3"/>
             <a:r>
-              <a:rPr lang="fr-FR" smtClean="0"/>
+              <a:rPr lang="fr-FR"/>
               <a:t>Quatrième niveau</a:t>
             </a:r>
           </a:p>
           <a:p>
             <a:pPr lvl="4"/>
             <a:r>
-              <a:rPr lang="fr-FR" smtClean="0"/>
+              <a:rPr lang="fr-FR"/>
               <a:t>Cinquième niveau</a:t>
             </a:r>
             <a:endParaRPr lang="fr-BE"/>
@@ -2691,7 +2712,7 @@
             <a:fld id="{AA309A6D-C09C-4548-B29A-6CF363A7E532}" type="datetimeFigureOut">
               <a:rPr lang="fr-FR" smtClean="0"/>
               <a:pPr/>
-              <a:t>08/09/2016</a:t>
+              <a:t>29/08/2017</a:t>
             </a:fld>
             <a:endParaRPr lang="fr-BE"/>
           </a:p>
@@ -4676,7 +4697,7 @@
                         <m:sSubPr>
                           <m:ctrlPr>
                             <a:rPr lang="fr-FR" b="0" i="1" smtClean="0">
-                              <a:latin typeface="Cambria Math"/>
+                              <a:latin typeface="Cambria Math" panose="02040503050406030204" pitchFamily="18" charset="0"/>
                             </a:rPr>
                           </m:ctrlPr>
                         </m:sSubPr>
@@ -4701,7 +4722,7 @@
                         <m:dPr>
                           <m:ctrlPr>
                             <a:rPr lang="fr-FR" b="0" i="1" smtClean="0">
-                              <a:latin typeface="Cambria Math"/>
+                              <a:latin typeface="Cambria Math" panose="02040503050406030204" pitchFamily="18" charset="0"/>
                             </a:rPr>
                           </m:ctrlPr>
                         </m:dPr>
@@ -4724,7 +4745,7 @@
                         <m:sSubPr>
                           <m:ctrlPr>
                             <a:rPr lang="fr-FR" b="0" i="1" smtClean="0">
-                              <a:latin typeface="Cambria Math"/>
+                              <a:latin typeface="Cambria Math" panose="02040503050406030204" pitchFamily="18" charset="0"/>
                             </a:rPr>
                           </m:ctrlPr>
                         </m:sSubPr>
@@ -6760,7 +6781,7 @@
                           <m:sSubPr>
                             <m:ctrlPr>
                               <a:rPr lang="fr-FR" b="0" i="1" smtClean="0">
-                                <a:latin typeface="Cambria Math"/>
+                                <a:latin typeface="Cambria Math" panose="02040503050406030204" pitchFamily="18" charset="0"/>
                               </a:rPr>
                             </m:ctrlPr>
                           </m:sSubPr>
@@ -6785,7 +6806,7 @@
                           <m:dPr>
                             <m:ctrlPr>
                               <a:rPr lang="fr-FR" b="0" i="1" smtClean="0">
-                                <a:latin typeface="Cambria Math"/>
+                                <a:latin typeface="Cambria Math" panose="02040503050406030204" pitchFamily="18" charset="0"/>
                               </a:rPr>
                             </m:ctrlPr>
                           </m:dPr>
@@ -6808,7 +6829,7 @@
                           <m:sSubPr>
                             <m:ctrlPr>
                               <a:rPr lang="fr-FR" b="0" i="1" smtClean="0">
-                                <a:latin typeface="Cambria Math"/>
+                                <a:latin typeface="Cambria Math" panose="02040503050406030204" pitchFamily="18" charset="0"/>
                               </a:rPr>
                             </m:ctrlPr>
                           </m:sSubPr>
@@ -7090,7 +7111,7 @@
               <a:tabLst/>
               <a:defRPr/>
             </a:pPr>
-            <a:endParaRPr kumimoji="0" lang="fr-FR" sz="1600" b="0" i="0" u="none" strike="noStrike" kern="0" cap="none" spc="0" normalizeH="0" baseline="0" noProof="0" smtClean="0">
+            <a:endParaRPr kumimoji="0" lang="fr-FR" sz="1600" b="0" i="0" u="none" strike="noStrike" kern="0" cap="none" spc="0" normalizeH="0" baseline="0" noProof="0">
               <a:ln>
                 <a:noFill/>
               </a:ln>
@@ -7154,7 +7175,7 @@
               <a:defRPr/>
             </a:pPr>
             <a:r>
-              <a:rPr kumimoji="0" lang="fr-FR" sz="1400" b="0" i="1" u="none" strike="noStrike" kern="0" cap="none" spc="0" normalizeH="0" baseline="0" noProof="0" dirty="0" smtClean="0">
+              <a:rPr kumimoji="0" lang="fr-FR" sz="1400" b="0" i="1" u="none" strike="noStrike" kern="0" cap="none" spc="0" normalizeH="0" baseline="0" noProof="0" dirty="0">
                 <a:ln>
                   <a:noFill/>
                 </a:ln>
@@ -7220,7 +7241,7 @@
               <a:defRPr/>
             </a:pPr>
             <a:r>
-              <a:rPr kumimoji="0" lang="fr-FR" sz="1400" b="0" i="1" u="none" strike="noStrike" kern="0" cap="none" spc="0" normalizeH="0" baseline="0" noProof="0" dirty="0" smtClean="0">
+              <a:rPr kumimoji="0" lang="fr-FR" sz="1400" b="0" i="1" u="none" strike="noStrike" kern="0" cap="none" spc="0" normalizeH="0" baseline="0" noProof="0" dirty="0">
                 <a:ln>
                   <a:noFill/>
                 </a:ln>
@@ -7315,7 +7336,7 @@
               <a:defRPr/>
             </a:pPr>
             <a:r>
-              <a:rPr kumimoji="0" lang="fr-FR" sz="1400" b="0" i="0" u="none" strike="noStrike" kern="0" cap="none" spc="0" normalizeH="0" baseline="0" noProof="0" dirty="0" smtClean="0">
+              <a:rPr kumimoji="0" lang="fr-FR" sz="1400" b="0" i="0" u="none" strike="noStrike" kern="0" cap="none" spc="0" normalizeH="0" baseline="0" noProof="0" dirty="0">
                 <a:ln>
                   <a:noFill/>
                 </a:ln>
@@ -7410,7 +7431,7 @@
               <a:defRPr/>
             </a:pPr>
             <a:r>
-              <a:rPr kumimoji="0" lang="fr-FR" sz="1400" b="0" i="0" u="none" strike="noStrike" kern="0" cap="none" spc="0" normalizeH="0" baseline="0" noProof="0" dirty="0" smtClean="0">
+              <a:rPr kumimoji="0" lang="fr-FR" sz="1400" b="0" i="0" u="none" strike="noStrike" kern="0" cap="none" spc="0" normalizeH="0" baseline="0" noProof="0" dirty="0">
                 <a:ln>
                   <a:noFill/>
                 </a:ln>
@@ -7446,7 +7467,7 @@
               <a:defRPr/>
             </a:pPr>
             <a:r>
-              <a:rPr lang="fr-FR" sz="1400" kern="0" dirty="0" smtClean="0">
+              <a:rPr lang="fr-FR" sz="1400" kern="0" dirty="0">
                 <a:solidFill>
                   <a:prstClr val="black"/>
                 </a:solidFill>
@@ -7454,7 +7475,7 @@
               </a:rPr>
               <a:t>Microcontrôleur</a:t>
             </a:r>
-            <a:endParaRPr kumimoji="0" lang="fr-FR" sz="1400" b="0" i="0" u="none" strike="noStrike" kern="0" cap="none" spc="0" normalizeH="0" baseline="0" noProof="0" dirty="0" smtClean="0">
+            <a:endParaRPr kumimoji="0" lang="fr-FR" sz="1400" b="0" i="0" u="none" strike="noStrike" kern="0" cap="none" spc="0" normalizeH="0" baseline="0" noProof="0" dirty="0">
               <a:ln>
                 <a:noFill/>
               </a:ln>
@@ -7547,7 +7568,7 @@
               <a:defRPr/>
             </a:pPr>
             <a:r>
-              <a:rPr kumimoji="0" lang="fr-FR" sz="1400" b="0" i="0" u="none" strike="noStrike" kern="0" cap="none" spc="0" normalizeH="0" baseline="0" noProof="0" dirty="0" smtClean="0">
+              <a:rPr kumimoji="0" lang="fr-FR" sz="1400" b="0" i="0" u="none" strike="noStrike" kern="0" cap="none" spc="0" normalizeH="0" baseline="0" noProof="0" dirty="0">
                 <a:ln>
                   <a:noFill/>
                 </a:ln>
@@ -7583,7 +7604,7 @@
               <a:defRPr/>
             </a:pPr>
             <a:r>
-              <a:rPr lang="fr-FR" sz="1400" kern="0" dirty="0" smtClean="0">
+              <a:rPr lang="fr-FR" sz="1400" kern="0" dirty="0">
                 <a:solidFill>
                   <a:prstClr val="black"/>
                 </a:solidFill>
@@ -7611,7 +7632,7 @@
               <a:defRPr/>
             </a:pPr>
             <a:r>
-              <a:rPr lang="fr-FR" sz="1400" kern="0" dirty="0" smtClean="0">
+              <a:rPr lang="fr-FR" sz="1400" kern="0" dirty="0">
                 <a:solidFill>
                   <a:prstClr val="black"/>
                 </a:solidFill>
@@ -7619,7 +7640,7 @@
               </a:rPr>
               <a:t>(Interface NMEA)</a:t>
             </a:r>
-            <a:endParaRPr kumimoji="0" lang="fr-FR" sz="1400" b="0" i="0" u="none" strike="noStrike" kern="0" cap="none" spc="0" normalizeH="0" baseline="0" noProof="0" dirty="0" smtClean="0">
+            <a:endParaRPr kumimoji="0" lang="fr-FR" sz="1400" b="0" i="0" u="none" strike="noStrike" kern="0" cap="none" spc="0" normalizeH="0" baseline="0" noProof="0" dirty="0">
               <a:ln>
                 <a:noFill/>
               </a:ln>
@@ -7712,7 +7733,7 @@
               <a:defRPr/>
             </a:pPr>
             <a:r>
-              <a:rPr kumimoji="0" lang="fr-FR" sz="1400" b="0" i="0" u="none" strike="noStrike" kern="0" cap="none" spc="0" normalizeH="0" baseline="0" noProof="0" dirty="0" smtClean="0">
+              <a:rPr kumimoji="0" lang="fr-FR" sz="1400" b="0" i="0" u="none" strike="noStrike" kern="0" cap="none" spc="0" normalizeH="0" baseline="0" noProof="0" dirty="0">
                 <a:ln>
                   <a:noFill/>
                 </a:ln>
@@ -7748,7 +7769,7 @@
               <a:defRPr/>
             </a:pPr>
             <a:r>
-              <a:rPr lang="fr-FR" sz="1400" kern="0" dirty="0" smtClean="0">
+              <a:rPr lang="fr-FR" sz="1400" kern="0" dirty="0">
                 <a:solidFill>
                   <a:prstClr val="black"/>
                 </a:solidFill>
@@ -7756,7 +7777,7 @@
               </a:rPr>
               <a:t>Générateur de tension</a:t>
             </a:r>
-            <a:endParaRPr kumimoji="0" lang="fr-FR" sz="1400" b="0" i="0" u="none" strike="noStrike" kern="0" cap="none" spc="0" normalizeH="0" baseline="0" noProof="0" dirty="0" smtClean="0">
+            <a:endParaRPr kumimoji="0" lang="fr-FR" sz="1400" b="0" i="0" u="none" strike="noStrike" kern="0" cap="none" spc="0" normalizeH="0" baseline="0" noProof="0" dirty="0">
               <a:ln>
                 <a:noFill/>
               </a:ln>
@@ -7849,7 +7870,7 @@
               <a:defRPr/>
             </a:pPr>
             <a:r>
-              <a:rPr kumimoji="0" lang="fr-FR" sz="1400" b="0" i="0" u="none" strike="noStrike" kern="0" cap="none" spc="0" normalizeH="0" baseline="0" noProof="0" dirty="0" smtClean="0">
+              <a:rPr kumimoji="0" lang="fr-FR" sz="1400" b="0" i="0" u="none" strike="noStrike" kern="0" cap="none" spc="0" normalizeH="0" baseline="0" noProof="0" dirty="0">
                 <a:ln>
                   <a:noFill/>
                 </a:ln>
@@ -7885,7 +7906,7 @@
               <a:defRPr/>
             </a:pPr>
             <a:r>
-              <a:rPr lang="fr-FR" sz="1400" kern="0" dirty="0" smtClean="0">
+              <a:rPr lang="fr-FR" sz="1400" kern="0" dirty="0">
                 <a:solidFill>
                   <a:prstClr val="black"/>
                 </a:solidFill>
@@ -7893,7 +7914,7 @@
               </a:rPr>
               <a:t>Pont en H</a:t>
             </a:r>
-            <a:endParaRPr kumimoji="0" lang="fr-FR" sz="1400" b="0" i="0" u="none" strike="noStrike" kern="0" cap="none" spc="0" normalizeH="0" baseline="0" noProof="0" dirty="0" smtClean="0">
+            <a:endParaRPr kumimoji="0" lang="fr-FR" sz="1400" b="0" i="0" u="none" strike="noStrike" kern="0" cap="none" spc="0" normalizeH="0" baseline="0" noProof="0" dirty="0">
               <a:ln>
                 <a:noFill/>
               </a:ln>
@@ -7986,7 +8007,7 @@
               <a:defRPr/>
             </a:pPr>
             <a:r>
-              <a:rPr kumimoji="0" lang="fr-FR" sz="1400" b="0" i="0" u="none" strike="noStrike" kern="0" cap="none" spc="0" normalizeH="0" baseline="0" noProof="0" dirty="0" smtClean="0">
+              <a:rPr kumimoji="0" lang="fr-FR" sz="1400" b="0" i="0" u="none" strike="noStrike" kern="0" cap="none" spc="0" normalizeH="0" baseline="0" noProof="0" dirty="0">
                 <a:ln>
                   <a:noFill/>
                 </a:ln>
@@ -8022,7 +8043,7 @@
               <a:defRPr/>
             </a:pPr>
             <a:r>
-              <a:rPr lang="fr-FR" sz="1400" kern="0" dirty="0" smtClean="0">
+              <a:rPr lang="fr-FR" sz="1400" kern="0" dirty="0">
                 <a:solidFill>
                   <a:prstClr val="black"/>
                 </a:solidFill>
@@ -8030,7 +8051,7 @@
               </a:rPr>
               <a:t>Moteur à courant continu</a:t>
             </a:r>
-            <a:endParaRPr kumimoji="0" lang="fr-FR" sz="1400" b="0" i="0" u="none" strike="noStrike" kern="0" cap="none" spc="0" normalizeH="0" baseline="0" noProof="0" dirty="0" smtClean="0">
+            <a:endParaRPr kumimoji="0" lang="fr-FR" sz="1400" b="0" i="0" u="none" strike="noStrike" kern="0" cap="none" spc="0" normalizeH="0" baseline="0" noProof="0" dirty="0">
               <a:ln>
                 <a:noFill/>
               </a:ln>
@@ -8123,7 +8144,7 @@
               <a:defRPr/>
             </a:pPr>
             <a:r>
-              <a:rPr kumimoji="0" lang="fr-FR" sz="1400" b="0" i="0" u="none" strike="noStrike" kern="0" cap="none" spc="0" normalizeH="0" baseline="0" noProof="0" dirty="0" smtClean="0">
+              <a:rPr kumimoji="0" lang="fr-FR" sz="1400" b="0" i="0" u="none" strike="noStrike" kern="0" cap="none" spc="0" normalizeH="0" baseline="0" noProof="0" dirty="0">
                 <a:ln>
                   <a:noFill/>
                 </a:ln>
@@ -8159,7 +8180,7 @@
               <a:defRPr/>
             </a:pPr>
             <a:r>
-              <a:rPr lang="fr-FR" sz="1400" kern="0" dirty="0" smtClean="0">
+              <a:rPr lang="fr-FR" sz="1400" kern="0" dirty="0">
                 <a:solidFill>
                   <a:prstClr val="black"/>
                 </a:solidFill>
@@ -8187,7 +8208,7 @@
               <a:defRPr/>
             </a:pPr>
             <a:r>
-              <a:rPr lang="fr-FR" sz="1400" kern="0" dirty="0" smtClean="0">
+              <a:rPr lang="fr-FR" sz="1400" kern="0" dirty="0">
                 <a:solidFill>
                   <a:prstClr val="black"/>
                 </a:solidFill>
@@ -8274,7 +8295,7 @@
               <a:defRPr/>
             </a:pPr>
             <a:r>
-              <a:rPr kumimoji="0" lang="fr-FR" sz="1400" b="0" i="0" u="none" strike="noStrike" kern="0" cap="none" spc="0" normalizeH="0" baseline="0" noProof="0" dirty="0" smtClean="0">
+              <a:rPr kumimoji="0" lang="fr-FR" sz="1400" b="0" i="0" u="none" strike="noStrike" kern="0" cap="none" spc="0" normalizeH="0" baseline="0" noProof="0" dirty="0">
                 <a:ln>
                   <a:noFill/>
                 </a:ln>
@@ -8880,7 +8901,7 @@
               <a:tabLst/>
               <a:defRPr/>
             </a:pPr>
-            <a:endParaRPr kumimoji="0" lang="fr-FR" sz="1600" b="0" i="0" u="none" strike="noStrike" kern="0" cap="none" spc="0" normalizeH="0" baseline="0" noProof="0" smtClean="0">
+            <a:endParaRPr kumimoji="0" lang="fr-FR" sz="1600" b="0" i="0" u="none" strike="noStrike" kern="0" cap="none" spc="0" normalizeH="0" baseline="0" noProof="0">
               <a:ln>
                 <a:noFill/>
               </a:ln>
@@ -8940,7 +8961,7 @@
               <a:defRPr/>
             </a:pPr>
             <a:r>
-              <a:rPr kumimoji="0" lang="fr-FR" sz="1600" b="1" i="0" u="none" strike="noStrike" kern="0" cap="none" spc="0" normalizeH="0" baseline="0" noProof="0" dirty="0" smtClean="0">
+              <a:rPr kumimoji="0" lang="fr-FR" sz="1600" b="1" i="0" u="none" strike="noStrike" kern="0" cap="none" spc="0" normalizeH="0" baseline="0" noProof="0" dirty="0">
                 <a:ln>
                   <a:noFill/>
                 </a:ln>
@@ -9002,7 +9023,7 @@
               <a:defRPr/>
             </a:pPr>
             <a:r>
-              <a:rPr kumimoji="0" lang="fr-FR" sz="1400" b="1" i="0" u="none" strike="noStrike" kern="0" cap="none" spc="0" normalizeH="0" baseline="0" noProof="0" dirty="0" smtClean="0">
+              <a:rPr kumimoji="0" lang="fr-FR" sz="1400" b="1" i="0" u="none" strike="noStrike" kern="0" cap="none" spc="0" normalizeH="0" baseline="0" noProof="0" dirty="0">
                 <a:ln>
                   <a:noFill/>
                 </a:ln>
@@ -9064,7 +9085,7 @@
               <a:defRPr/>
             </a:pPr>
             <a:r>
-              <a:rPr kumimoji="0" lang="fr-FR" sz="1200" b="1" i="0" u="none" strike="noStrike" kern="0" cap="none" spc="0" normalizeH="0" baseline="0" noProof="0" dirty="0" smtClean="0">
+              <a:rPr kumimoji="0" lang="fr-FR" sz="1200" b="1" i="0" u="none" strike="noStrike" kern="0" cap="none" spc="0" normalizeH="0" baseline="0" noProof="0" dirty="0">
                 <a:ln>
                   <a:noFill/>
                 </a:ln>
@@ -9126,7 +9147,7 @@
               <a:defRPr/>
             </a:pPr>
             <a:r>
-              <a:rPr kumimoji="0" lang="fr-FR" sz="1200" b="1" i="0" u="none" strike="noStrike" kern="0" cap="none" spc="0" normalizeH="0" baseline="0" noProof="0" dirty="0" smtClean="0">
+              <a:rPr kumimoji="0" lang="fr-FR" sz="1200" b="1" i="0" u="none" strike="noStrike" kern="0" cap="none" spc="0" normalizeH="0" baseline="0" noProof="0" dirty="0">
                 <a:ln>
                   <a:noFill/>
                 </a:ln>
@@ -9188,7 +9209,7 @@
               <a:defRPr/>
             </a:pPr>
             <a:r>
-              <a:rPr kumimoji="0" lang="fr-FR" sz="1200" b="1" i="0" u="none" strike="noStrike" kern="0" cap="none" spc="0" normalizeH="0" baseline="0" noProof="0" dirty="0" smtClean="0">
+              <a:rPr kumimoji="0" lang="fr-FR" sz="1200" b="1" i="0" u="none" strike="noStrike" kern="0" cap="none" spc="0" normalizeH="0" baseline="0" noProof="0" dirty="0">
                 <a:ln>
                   <a:noFill/>
                 </a:ln>
@@ -9250,7 +9271,7 @@
               <a:defRPr/>
             </a:pPr>
             <a:r>
-              <a:rPr kumimoji="0" lang="fr-FR" sz="1600" b="1" i="0" u="none" strike="noStrike" kern="0" cap="none" spc="0" normalizeH="0" baseline="0" noProof="0" dirty="0" smtClean="0">
+              <a:rPr kumimoji="0" lang="fr-FR" sz="1600" b="1" i="0" u="none" strike="noStrike" kern="0" cap="none" spc="0" normalizeH="0" baseline="0" noProof="0" dirty="0">
                 <a:ln>
                   <a:noFill/>
                 </a:ln>
@@ -9312,7 +9333,7 @@
               <a:defRPr/>
             </a:pPr>
             <a:r>
-              <a:rPr kumimoji="0" lang="fr-FR" sz="1600" b="1" i="0" u="none" strike="noStrike" kern="0" cap="none" spc="0" normalizeH="0" baseline="0" noProof="0" dirty="0" smtClean="0">
+              <a:rPr kumimoji="0" lang="fr-FR" sz="1600" b="1" i="0" u="none" strike="noStrike" kern="0" cap="none" spc="0" normalizeH="0" baseline="0" noProof="0" dirty="0">
                 <a:ln>
                   <a:noFill/>
                 </a:ln>
@@ -9402,7 +9423,7 @@
               <a:tabLst/>
               <a:defRPr/>
             </a:pPr>
-            <a:endParaRPr kumimoji="0" lang="fr-FR" sz="1600" b="0" i="0" u="none" strike="noStrike" kern="0" cap="none" spc="0" normalizeH="0" baseline="0" noProof="0" smtClean="0">
+            <a:endParaRPr kumimoji="0" lang="fr-FR" sz="1600" b="0" i="0" u="none" strike="noStrike" kern="0" cap="none" spc="0" normalizeH="0" baseline="0" noProof="0">
               <a:ln>
                 <a:noFill/>
               </a:ln>
@@ -9466,7 +9487,7 @@
               <a:defRPr/>
             </a:pPr>
             <a:r>
-              <a:rPr kumimoji="0" lang="fr-FR" sz="1400" b="0" i="1" u="none" strike="noStrike" kern="0" cap="none" spc="0" normalizeH="0" baseline="0" noProof="0" dirty="0" smtClean="0">
+              <a:rPr kumimoji="0" lang="fr-FR" sz="1400" b="0" i="1" u="none" strike="noStrike" kern="0" cap="none" spc="0" normalizeH="0" baseline="0" noProof="0" dirty="0">
                 <a:ln>
                   <a:noFill/>
                 </a:ln>
@@ -9532,7 +9553,7 @@
               <a:defRPr/>
             </a:pPr>
             <a:r>
-              <a:rPr kumimoji="0" lang="fr-FR" sz="1400" b="0" i="1" u="none" strike="noStrike" kern="0" cap="none" spc="0" normalizeH="0" baseline="0" noProof="0" dirty="0" smtClean="0">
+              <a:rPr kumimoji="0" lang="fr-FR" sz="1400" b="0" i="1" u="none" strike="noStrike" kern="0" cap="none" spc="0" normalizeH="0" baseline="0" noProof="0" dirty="0">
                 <a:ln>
                   <a:noFill/>
                 </a:ln>
@@ -9627,7 +9648,7 @@
               <a:defRPr/>
             </a:pPr>
             <a:r>
-              <a:rPr kumimoji="0" lang="fr-FR" sz="1400" b="0" i="0" u="none" strike="noStrike" kern="0" cap="none" spc="0" normalizeH="0" baseline="0" noProof="0" dirty="0" smtClean="0">
+              <a:rPr kumimoji="0" lang="fr-FR" sz="1400" b="0" i="0" u="none" strike="noStrike" kern="0" cap="none" spc="0" normalizeH="0" baseline="0" noProof="0" dirty="0">
                 <a:ln>
                   <a:noFill/>
                 </a:ln>
@@ -9722,7 +9743,7 @@
               <a:defRPr/>
             </a:pPr>
             <a:r>
-              <a:rPr kumimoji="0" lang="fr-FR" sz="1400" b="0" i="0" u="none" strike="noStrike" kern="0" cap="none" spc="0" normalizeH="0" baseline="0" noProof="0" dirty="0" smtClean="0">
+              <a:rPr kumimoji="0" lang="fr-FR" sz="1400" b="0" i="0" u="none" strike="noStrike" kern="0" cap="none" spc="0" normalizeH="0" baseline="0" noProof="0" dirty="0">
                 <a:ln>
                   <a:noFill/>
                 </a:ln>
@@ -9738,48 +9759,6 @@
               </a:rPr>
               <a:t>TRAITER</a:t>
             </a:r>
-          </a:p>
-          <a:p>
-            <a:pPr marL="0" marR="0" lvl="0" indent="0" algn="ctr" defTabSz="914400" eaLnBrk="1" fontAlgn="auto" latinLnBrk="0" hangingPunct="1">
-              <a:lnSpc>
-                <a:spcPct val="100000"/>
-              </a:lnSpc>
-              <a:spcBef>
-                <a:spcPts val="0"/>
-              </a:spcBef>
-              <a:spcAft>
-                <a:spcPts val="0"/>
-              </a:spcAft>
-              <a:buClrTx/>
-              <a:buSzTx/>
-              <a:buFontTx/>
-              <a:buNone/>
-              <a:tabLst/>
-              <a:defRPr/>
-            </a:pPr>
-            <a:r>
-              <a:rPr lang="fr-FR" sz="1400" kern="0" dirty="0" smtClean="0">
-                <a:solidFill>
-                  <a:prstClr val="black"/>
-                </a:solidFill>
-                <a:latin typeface="Calibri"/>
-              </a:rPr>
-              <a:t>Microcontrôleur</a:t>
-            </a:r>
-            <a:endParaRPr kumimoji="0" lang="fr-FR" sz="1400" b="0" i="0" u="none" strike="noStrike" kern="0" cap="none" spc="0" normalizeH="0" baseline="0" noProof="0" dirty="0" smtClean="0">
-              <a:ln>
-                <a:noFill/>
-              </a:ln>
-              <a:solidFill>
-                <a:prstClr val="black"/>
-              </a:solidFill>
-              <a:effectLst/>
-              <a:uLnTx/>
-              <a:uFillTx/>
-              <a:latin typeface="Calibri"/>
-              <a:ea typeface="+mn-ea"/>
-              <a:cs typeface="+mn-cs"/>
-            </a:endParaRPr>
           </a:p>
         </p:txBody>
       </p:sp>
@@ -9859,7 +9838,7 @@
               <a:defRPr/>
             </a:pPr>
             <a:r>
-              <a:rPr kumimoji="0" lang="fr-FR" sz="1400" b="0" i="0" u="none" strike="noStrike" kern="0" cap="none" spc="0" normalizeH="0" baseline="0" noProof="0" dirty="0" smtClean="0">
+              <a:rPr kumimoji="0" lang="fr-FR" sz="1400" b="0" i="0" u="none" strike="noStrike" kern="0" cap="none" spc="0" normalizeH="0" baseline="0" noProof="0" dirty="0">
                 <a:ln>
                   <a:noFill/>
                 </a:ln>
@@ -9875,76 +9854,6 @@
               </a:rPr>
               <a:t>COMMUNIQUER</a:t>
             </a:r>
-          </a:p>
-          <a:p>
-            <a:pPr marL="0" marR="0" lvl="0" indent="0" algn="ctr" defTabSz="914400" eaLnBrk="1" fontAlgn="auto" latinLnBrk="0" hangingPunct="1">
-              <a:lnSpc>
-                <a:spcPct val="100000"/>
-              </a:lnSpc>
-              <a:spcBef>
-                <a:spcPts val="0"/>
-              </a:spcBef>
-              <a:spcAft>
-                <a:spcPts val="0"/>
-              </a:spcAft>
-              <a:buClrTx/>
-              <a:buSzTx/>
-              <a:buFontTx/>
-              <a:buNone/>
-              <a:tabLst/>
-              <a:defRPr/>
-            </a:pPr>
-            <a:r>
-              <a:rPr lang="fr-FR" sz="1400" kern="0" dirty="0" smtClean="0">
-                <a:solidFill>
-                  <a:prstClr val="black"/>
-                </a:solidFill>
-                <a:latin typeface="Calibri"/>
-              </a:rPr>
-              <a:t>BUS CAN</a:t>
-            </a:r>
-          </a:p>
-          <a:p>
-            <a:pPr marL="0" marR="0" lvl="0" indent="0" algn="ctr" defTabSz="914400" eaLnBrk="1" fontAlgn="auto" latinLnBrk="0" hangingPunct="1">
-              <a:lnSpc>
-                <a:spcPct val="100000"/>
-              </a:lnSpc>
-              <a:spcBef>
-                <a:spcPts val="0"/>
-              </a:spcBef>
-              <a:spcAft>
-                <a:spcPts val="0"/>
-              </a:spcAft>
-              <a:buClrTx/>
-              <a:buSzTx/>
-              <a:buFontTx/>
-              <a:buNone/>
-              <a:tabLst/>
-              <a:defRPr/>
-            </a:pPr>
-            <a:r>
-              <a:rPr lang="fr-FR" sz="1400" kern="0" dirty="0" smtClean="0">
-                <a:solidFill>
-                  <a:prstClr val="black"/>
-                </a:solidFill>
-                <a:latin typeface="Calibri"/>
-              </a:rPr>
-              <a:t>(Interface NMEA)</a:t>
-            </a:r>
-            <a:endParaRPr kumimoji="0" lang="fr-FR" sz="1400" b="0" i="0" u="none" strike="noStrike" kern="0" cap="none" spc="0" normalizeH="0" baseline="0" noProof="0" dirty="0" smtClean="0">
-              <a:ln>
-                <a:noFill/>
-              </a:ln>
-              <a:solidFill>
-                <a:prstClr val="black"/>
-              </a:solidFill>
-              <a:effectLst/>
-              <a:uLnTx/>
-              <a:uFillTx/>
-              <a:latin typeface="Calibri"/>
-              <a:ea typeface="+mn-ea"/>
-              <a:cs typeface="+mn-cs"/>
-            </a:endParaRPr>
           </a:p>
         </p:txBody>
       </p:sp>
@@ -10024,7 +9933,7 @@
               <a:defRPr/>
             </a:pPr>
             <a:r>
-              <a:rPr kumimoji="0" lang="fr-FR" sz="1400" b="0" i="0" u="none" strike="noStrike" kern="0" cap="none" spc="0" normalizeH="0" baseline="0" noProof="0" dirty="0" smtClean="0">
+              <a:rPr kumimoji="0" lang="fr-FR" sz="1400" b="0" i="0" u="none" strike="noStrike" kern="0" cap="none" spc="0" normalizeH="0" baseline="0" noProof="0" dirty="0">
                 <a:ln>
                   <a:noFill/>
                 </a:ln>
@@ -10040,48 +9949,6 @@
               </a:rPr>
               <a:t>ALIMENTER</a:t>
             </a:r>
-          </a:p>
-          <a:p>
-            <a:pPr marL="0" marR="0" lvl="0" indent="0" algn="ctr" defTabSz="914400" eaLnBrk="1" fontAlgn="auto" latinLnBrk="0" hangingPunct="1">
-              <a:lnSpc>
-                <a:spcPct val="100000"/>
-              </a:lnSpc>
-              <a:spcBef>
-                <a:spcPts val="0"/>
-              </a:spcBef>
-              <a:spcAft>
-                <a:spcPts val="0"/>
-              </a:spcAft>
-              <a:buClrTx/>
-              <a:buSzTx/>
-              <a:buFontTx/>
-              <a:buNone/>
-              <a:tabLst/>
-              <a:defRPr/>
-            </a:pPr>
-            <a:r>
-              <a:rPr lang="fr-FR" sz="1400" kern="0" dirty="0" smtClean="0">
-                <a:solidFill>
-                  <a:prstClr val="black"/>
-                </a:solidFill>
-                <a:latin typeface="Calibri"/>
-              </a:rPr>
-              <a:t>Générateur de tension</a:t>
-            </a:r>
-            <a:endParaRPr kumimoji="0" lang="fr-FR" sz="1400" b="0" i="0" u="none" strike="noStrike" kern="0" cap="none" spc="0" normalizeH="0" baseline="0" noProof="0" dirty="0" smtClean="0">
-              <a:ln>
-                <a:noFill/>
-              </a:ln>
-              <a:solidFill>
-                <a:prstClr val="black"/>
-              </a:solidFill>
-              <a:effectLst/>
-              <a:uLnTx/>
-              <a:uFillTx/>
-              <a:latin typeface="Calibri"/>
-              <a:ea typeface="+mn-ea"/>
-              <a:cs typeface="+mn-cs"/>
-            </a:endParaRPr>
           </a:p>
         </p:txBody>
       </p:sp>
@@ -10161,7 +10028,7 @@
               <a:defRPr/>
             </a:pPr>
             <a:r>
-              <a:rPr kumimoji="0" lang="fr-FR" sz="1400" b="0" i="0" u="none" strike="noStrike" kern="0" cap="none" spc="0" normalizeH="0" baseline="0" noProof="0" dirty="0" smtClean="0">
+              <a:rPr kumimoji="0" lang="fr-FR" sz="1400" b="0" i="0" u="none" strike="noStrike" kern="0" cap="none" spc="0" normalizeH="0" baseline="0" noProof="0" dirty="0">
                 <a:ln>
                   <a:noFill/>
                 </a:ln>
@@ -10177,48 +10044,6 @@
               </a:rPr>
               <a:t>DISTRIBUER</a:t>
             </a:r>
-          </a:p>
-          <a:p>
-            <a:pPr marL="0" marR="0" lvl="0" indent="0" algn="ctr" defTabSz="914400" eaLnBrk="1" fontAlgn="auto" latinLnBrk="0" hangingPunct="1">
-              <a:lnSpc>
-                <a:spcPct val="100000"/>
-              </a:lnSpc>
-              <a:spcBef>
-                <a:spcPts val="0"/>
-              </a:spcBef>
-              <a:spcAft>
-                <a:spcPts val="0"/>
-              </a:spcAft>
-              <a:buClrTx/>
-              <a:buSzTx/>
-              <a:buFontTx/>
-              <a:buNone/>
-              <a:tabLst/>
-              <a:defRPr/>
-            </a:pPr>
-            <a:r>
-              <a:rPr lang="fr-FR" sz="1400" kern="0" dirty="0" smtClean="0">
-                <a:solidFill>
-                  <a:prstClr val="black"/>
-                </a:solidFill>
-                <a:latin typeface="Calibri"/>
-              </a:rPr>
-              <a:t>Pont en H</a:t>
-            </a:r>
-            <a:endParaRPr kumimoji="0" lang="fr-FR" sz="1400" b="0" i="0" u="none" strike="noStrike" kern="0" cap="none" spc="0" normalizeH="0" baseline="0" noProof="0" dirty="0" smtClean="0">
-              <a:ln>
-                <a:noFill/>
-              </a:ln>
-              <a:solidFill>
-                <a:prstClr val="black"/>
-              </a:solidFill>
-              <a:effectLst/>
-              <a:uLnTx/>
-              <a:uFillTx/>
-              <a:latin typeface="Calibri"/>
-              <a:ea typeface="+mn-ea"/>
-              <a:cs typeface="+mn-cs"/>
-            </a:endParaRPr>
           </a:p>
         </p:txBody>
       </p:sp>
@@ -10298,7 +10123,7 @@
               <a:defRPr/>
             </a:pPr>
             <a:r>
-              <a:rPr kumimoji="0" lang="fr-FR" sz="1400" b="0" i="0" u="none" strike="noStrike" kern="0" cap="none" spc="0" normalizeH="0" baseline="0" noProof="0" dirty="0" smtClean="0">
+              <a:rPr kumimoji="0" lang="fr-FR" sz="1400" b="0" i="0" u="none" strike="noStrike" kern="0" cap="none" spc="0" normalizeH="0" baseline="0" noProof="0" dirty="0">
                 <a:ln>
                   <a:noFill/>
                 </a:ln>
@@ -10314,48 +10139,6 @@
               </a:rPr>
               <a:t>CONVERTIR</a:t>
             </a:r>
-          </a:p>
-          <a:p>
-            <a:pPr marL="0" marR="0" lvl="0" indent="0" algn="ctr" defTabSz="914400" eaLnBrk="1" fontAlgn="auto" latinLnBrk="0" hangingPunct="1">
-              <a:lnSpc>
-                <a:spcPct val="100000"/>
-              </a:lnSpc>
-              <a:spcBef>
-                <a:spcPts val="0"/>
-              </a:spcBef>
-              <a:spcAft>
-                <a:spcPts val="0"/>
-              </a:spcAft>
-              <a:buClrTx/>
-              <a:buSzTx/>
-              <a:buFontTx/>
-              <a:buNone/>
-              <a:tabLst/>
-              <a:defRPr/>
-            </a:pPr>
-            <a:r>
-              <a:rPr lang="fr-FR" sz="1400" kern="0" dirty="0" smtClean="0">
-                <a:solidFill>
-                  <a:prstClr val="black"/>
-                </a:solidFill>
-                <a:latin typeface="Calibri"/>
-              </a:rPr>
-              <a:t>Moteur à courant continu</a:t>
-            </a:r>
-            <a:endParaRPr kumimoji="0" lang="fr-FR" sz="1400" b="0" i="0" u="none" strike="noStrike" kern="0" cap="none" spc="0" normalizeH="0" baseline="0" noProof="0" dirty="0" smtClean="0">
-              <a:ln>
-                <a:noFill/>
-              </a:ln>
-              <a:solidFill>
-                <a:prstClr val="black"/>
-              </a:solidFill>
-              <a:effectLst/>
-              <a:uLnTx/>
-              <a:uFillTx/>
-              <a:latin typeface="Calibri"/>
-              <a:ea typeface="+mn-ea"/>
-              <a:cs typeface="+mn-cs"/>
-            </a:endParaRPr>
           </a:p>
         </p:txBody>
       </p:sp>
@@ -10435,7 +10218,7 @@
               <a:defRPr/>
             </a:pPr>
             <a:r>
-              <a:rPr kumimoji="0" lang="fr-FR" sz="1400" b="0" i="0" u="none" strike="noStrike" kern="0" cap="none" spc="0" normalizeH="0" baseline="0" noProof="0" dirty="0" smtClean="0">
+              <a:rPr kumimoji="0" lang="fr-FR" sz="1400" b="0" i="0" u="none" strike="noStrike" kern="0" cap="none" spc="0" normalizeH="0" baseline="0" noProof="0" dirty="0">
                 <a:ln>
                   <a:noFill/>
                 </a:ln>
@@ -10450,62 +10233,6 @@
                 <a:cs typeface="+mn-cs"/>
               </a:rPr>
               <a:t>TRANSMETTRE</a:t>
-            </a:r>
-          </a:p>
-          <a:p>
-            <a:pPr marL="0" marR="0" lvl="0" indent="0" algn="ctr" defTabSz="914400" eaLnBrk="1" fontAlgn="auto" latinLnBrk="0" hangingPunct="1">
-              <a:lnSpc>
-                <a:spcPct val="100000"/>
-              </a:lnSpc>
-              <a:spcBef>
-                <a:spcPts val="0"/>
-              </a:spcBef>
-              <a:spcAft>
-                <a:spcPts val="0"/>
-              </a:spcAft>
-              <a:buClrTx/>
-              <a:buSzTx/>
-              <a:buFontTx/>
-              <a:buNone/>
-              <a:tabLst/>
-              <a:defRPr/>
-            </a:pPr>
-            <a:r>
-              <a:rPr lang="fr-FR" sz="1400" kern="0" dirty="0" smtClean="0">
-                <a:solidFill>
-                  <a:prstClr val="black"/>
-                </a:solidFill>
-                <a:latin typeface="Calibri"/>
-              </a:rPr>
-              <a:t>Poulie – Courroie</a:t>
-            </a:r>
-          </a:p>
-          <a:p>
-            <a:pPr marL="0" marR="0" lvl="0" indent="0" algn="ctr" defTabSz="914400" eaLnBrk="1" fontAlgn="auto" latinLnBrk="0" hangingPunct="1">
-              <a:lnSpc>
-                <a:spcPct val="100000"/>
-              </a:lnSpc>
-              <a:spcBef>
-                <a:spcPts val="0"/>
-              </a:spcBef>
-              <a:spcAft>
-                <a:spcPts val="0"/>
-              </a:spcAft>
-              <a:buClrTx/>
-              <a:buSzTx/>
-              <a:buFontTx/>
-              <a:buNone/>
-              <a:tabLst/>
-              <a:defRPr/>
-            </a:pPr>
-            <a:r>
-              <a:rPr lang="fr-FR" sz="1400" kern="0" dirty="0" smtClean="0">
-                <a:solidFill>
-                  <a:prstClr val="black"/>
-                </a:solidFill>
-                <a:latin typeface="Calibri"/>
-              </a:rPr>
-              <a:t>Système vis - écrou</a:t>
             </a:r>
           </a:p>
         </p:txBody>
@@ -10586,7 +10313,7 @@
               <a:defRPr/>
             </a:pPr>
             <a:r>
-              <a:rPr kumimoji="0" lang="fr-FR" sz="1400" b="0" i="0" u="none" strike="noStrike" kern="0" cap="none" spc="0" normalizeH="0" baseline="0" noProof="0" dirty="0" smtClean="0">
+              <a:rPr kumimoji="0" lang="fr-FR" sz="1400" b="0" i="0" u="none" strike="noStrike" kern="0" cap="none" spc="0" normalizeH="0" baseline="0" noProof="0" dirty="0">
                 <a:ln>
                   <a:noFill/>
                 </a:ln>
@@ -11192,7 +10919,7 @@
               <a:tabLst/>
               <a:defRPr/>
             </a:pPr>
-            <a:endParaRPr kumimoji="0" lang="fr-FR" sz="1600" b="0" i="0" u="none" strike="noStrike" kern="0" cap="none" spc="0" normalizeH="0" baseline="0" noProof="0" smtClean="0">
+            <a:endParaRPr kumimoji="0" lang="fr-FR" sz="1600" b="0" i="0" u="none" strike="noStrike" kern="0" cap="none" spc="0" normalizeH="0" baseline="0" noProof="0">
               <a:ln>
                 <a:noFill/>
               </a:ln>
@@ -11211,25 +10938,21 @@
       </p:sp>
       <p:sp>
         <p:nvSpPr>
-          <p:cNvPr id="35" name="Rectangle 34"/>
+          <p:cNvPr id="43" name="Rectangle 42"/>
           <p:cNvSpPr/>
           <p:nvPr/>
         </p:nvSpPr>
         <p:spPr>
           <a:xfrm>
-            <a:off x="107172" y="4941168"/>
-            <a:ext cx="1445293" cy="819344"/>
+            <a:off x="3626597" y="1940569"/>
+            <a:ext cx="1482684" cy="409672"/>
           </a:xfrm>
           <a:prstGeom prst="rect">
             <a:avLst/>
           </a:prstGeom>
-          <a:solidFill>
-            <a:sysClr val="window" lastClr="FFFFFF"/>
-          </a:solidFill>
+          <a:noFill/>
           <a:ln w="9525" cap="flat" cmpd="sng" algn="ctr">
-            <a:solidFill>
-              <a:srgbClr val="C0504D"/>
-            </a:solidFill>
+            <a:noFill/>
             <a:prstDash val="solid"/>
           </a:ln>
           <a:effectLst/>
@@ -11256,375 +10979,7 @@
               <a:defRPr/>
             </a:pPr>
             <a:r>
-              <a:rPr kumimoji="0" lang="fr-FR" sz="1600" b="1" i="0" u="none" strike="noStrike" kern="0" cap="none" spc="0" normalizeH="0" baseline="0" noProof="0" dirty="0" smtClean="0">
-                <a:ln>
-                  <a:noFill/>
-                </a:ln>
-                <a:solidFill>
-                  <a:srgbClr val="C00000"/>
-                </a:solidFill>
-                <a:effectLst/>
-                <a:uLnTx/>
-                <a:uFillTx/>
-                <a:latin typeface="Calibri"/>
-                <a:ea typeface="+mn-ea"/>
-                <a:cs typeface="+mn-cs"/>
-              </a:rPr>
-              <a:t>Energie d’entrée - Unité</a:t>
-            </a:r>
-          </a:p>
-        </p:txBody>
-      </p:sp>
-      <p:cxnSp>
-        <p:nvCxnSpPr>
-          <p:cNvPr id="36" name="Connecteur droit 35"/>
-          <p:cNvCxnSpPr/>
-          <p:nvPr/>
-        </p:nvCxnSpPr>
-        <p:spPr>
-          <a:xfrm flipV="1">
-            <a:off x="259572" y="3412199"/>
-            <a:ext cx="0" cy="1528969"/>
-          </a:xfrm>
-          <a:prstGeom prst="line">
-            <a:avLst/>
-          </a:prstGeom>
-          <a:noFill/>
-          <a:ln w="9525" cap="flat" cmpd="sng" algn="ctr">
-            <a:solidFill>
-              <a:srgbClr val="C0504D">
-                <a:shade val="95000"/>
-                <a:satMod val="105000"/>
-              </a:srgbClr>
-            </a:solidFill>
-            <a:prstDash val="solid"/>
-          </a:ln>
-          <a:effectLst/>
-        </p:spPr>
-      </p:cxnSp>
-      <p:sp>
-        <p:nvSpPr>
-          <p:cNvPr id="37" name="Rectangle 36"/>
-          <p:cNvSpPr/>
-          <p:nvPr/>
-        </p:nvSpPr>
-        <p:spPr>
-          <a:xfrm>
-            <a:off x="2304237" y="4941168"/>
-            <a:ext cx="1445293" cy="409672"/>
-          </a:xfrm>
-          <a:prstGeom prst="rect">
-            <a:avLst/>
-          </a:prstGeom>
-          <a:solidFill>
-            <a:sysClr val="window" lastClr="FFFFFF"/>
-          </a:solidFill>
-          <a:ln w="9525" cap="flat" cmpd="sng" algn="ctr">
-            <a:solidFill>
-              <a:srgbClr val="C0504D"/>
-            </a:solidFill>
-            <a:prstDash val="solid"/>
-          </a:ln>
-          <a:effectLst/>
-        </p:spPr>
-        <p:txBody>
-          <a:bodyPr rtlCol="0" anchor="ctr"/>
-          <a:lstStyle/>
-          <a:p>
-            <a:pPr marL="0" marR="0" lvl="0" indent="0" algn="ctr" defTabSz="914400" eaLnBrk="1" fontAlgn="auto" latinLnBrk="0" hangingPunct="1">
-              <a:lnSpc>
-                <a:spcPct val="100000"/>
-              </a:lnSpc>
-              <a:spcBef>
-                <a:spcPts val="0"/>
-              </a:spcBef>
-              <a:spcAft>
-                <a:spcPts val="0"/>
-              </a:spcAft>
-              <a:buClrTx/>
-              <a:buSzTx/>
-              <a:buFontTx/>
-              <a:buNone/>
-              <a:tabLst/>
-              <a:defRPr/>
-            </a:pPr>
-            <a:r>
-              <a:rPr kumimoji="0" lang="fr-FR" sz="1400" b="0" i="0" u="none" strike="noStrike" kern="0" cap="none" spc="0" normalizeH="0" baseline="0" noProof="0" dirty="0" smtClean="0">
-                <a:ln>
-                  <a:noFill/>
-                </a:ln>
-                <a:solidFill>
-                  <a:prstClr val="black"/>
-                </a:solidFill>
-                <a:effectLst/>
-                <a:uLnTx/>
-                <a:uFillTx/>
-                <a:latin typeface="Calibri"/>
-                <a:ea typeface="+mn-ea"/>
-                <a:cs typeface="+mn-cs"/>
-              </a:rPr>
-              <a:t>Energie - Unité</a:t>
-            </a:r>
-          </a:p>
-        </p:txBody>
-      </p:sp>
-      <p:cxnSp>
-        <p:nvCxnSpPr>
-          <p:cNvPr id="38" name="Connecteur droit 37"/>
-          <p:cNvCxnSpPr/>
-          <p:nvPr/>
-        </p:nvCxnSpPr>
-        <p:spPr>
-          <a:xfrm flipV="1">
-            <a:off x="2456637" y="3412199"/>
-            <a:ext cx="0" cy="1528969"/>
-          </a:xfrm>
-          <a:prstGeom prst="line">
-            <a:avLst/>
-          </a:prstGeom>
-          <a:noFill/>
-          <a:ln w="9525" cap="flat" cmpd="sng" algn="ctr">
-            <a:solidFill>
-              <a:srgbClr val="C0504D">
-                <a:shade val="95000"/>
-                <a:satMod val="105000"/>
-              </a:srgbClr>
-            </a:solidFill>
-            <a:prstDash val="solid"/>
-          </a:ln>
-          <a:effectLst/>
-        </p:spPr>
-      </p:cxnSp>
-      <p:sp>
-        <p:nvSpPr>
-          <p:cNvPr id="39" name="Rectangle 38"/>
-          <p:cNvSpPr/>
-          <p:nvPr/>
-        </p:nvSpPr>
-        <p:spPr>
-          <a:xfrm>
-            <a:off x="4409624" y="4941168"/>
-            <a:ext cx="1445293" cy="409672"/>
-          </a:xfrm>
-          <a:prstGeom prst="rect">
-            <a:avLst/>
-          </a:prstGeom>
-          <a:solidFill>
-            <a:sysClr val="window" lastClr="FFFFFF"/>
-          </a:solidFill>
-          <a:ln w="9525" cap="flat" cmpd="sng" algn="ctr">
-            <a:solidFill>
-              <a:srgbClr val="C0504D"/>
-            </a:solidFill>
-            <a:prstDash val="solid"/>
-          </a:ln>
-          <a:effectLst/>
-        </p:spPr>
-        <p:txBody>
-          <a:bodyPr rtlCol="0" anchor="ctr"/>
-          <a:lstStyle/>
-          <a:p>
-            <a:pPr marL="0" marR="0" lvl="0" indent="0" algn="ctr" defTabSz="914400" eaLnBrk="1" fontAlgn="auto" latinLnBrk="0" hangingPunct="1">
-              <a:lnSpc>
-                <a:spcPct val="100000"/>
-              </a:lnSpc>
-              <a:spcBef>
-                <a:spcPts val="0"/>
-              </a:spcBef>
-              <a:spcAft>
-                <a:spcPts val="0"/>
-              </a:spcAft>
-              <a:buClrTx/>
-              <a:buSzTx/>
-              <a:buFontTx/>
-              <a:buNone/>
-              <a:tabLst/>
-              <a:defRPr/>
-            </a:pPr>
-            <a:r>
-              <a:rPr kumimoji="0" lang="fr-FR" sz="1400" b="0" i="0" u="none" strike="noStrike" kern="0" cap="none" spc="0" normalizeH="0" baseline="0" noProof="0" dirty="0" smtClean="0">
-                <a:ln>
-                  <a:noFill/>
-                </a:ln>
-                <a:solidFill>
-                  <a:prstClr val="black"/>
-                </a:solidFill>
-                <a:effectLst/>
-                <a:uLnTx/>
-                <a:uFillTx/>
-                <a:latin typeface="Calibri"/>
-                <a:ea typeface="+mn-ea"/>
-                <a:cs typeface="+mn-cs"/>
-              </a:rPr>
-              <a:t>Energie - Unité</a:t>
-            </a:r>
-          </a:p>
-        </p:txBody>
-      </p:sp>
-      <p:cxnSp>
-        <p:nvCxnSpPr>
-          <p:cNvPr id="40" name="Connecteur droit 39"/>
-          <p:cNvCxnSpPr/>
-          <p:nvPr/>
-        </p:nvCxnSpPr>
-        <p:spPr>
-          <a:xfrm flipV="1">
-            <a:off x="4562024" y="3412199"/>
-            <a:ext cx="0" cy="1528969"/>
-          </a:xfrm>
-          <a:prstGeom prst="line">
-            <a:avLst/>
-          </a:prstGeom>
-          <a:noFill/>
-          <a:ln w="9525" cap="flat" cmpd="sng" algn="ctr">
-            <a:solidFill>
-              <a:srgbClr val="C0504D">
-                <a:shade val="95000"/>
-                <a:satMod val="105000"/>
-              </a:srgbClr>
-            </a:solidFill>
-            <a:prstDash val="solid"/>
-          </a:ln>
-          <a:effectLst/>
-        </p:spPr>
-      </p:cxnSp>
-      <p:sp>
-        <p:nvSpPr>
-          <p:cNvPr id="41" name="Rectangle 40"/>
-          <p:cNvSpPr/>
-          <p:nvPr/>
-        </p:nvSpPr>
-        <p:spPr>
-          <a:xfrm>
-            <a:off x="6455845" y="4939897"/>
-            <a:ext cx="1445293" cy="410943"/>
-          </a:xfrm>
-          <a:prstGeom prst="rect">
-            <a:avLst/>
-          </a:prstGeom>
-          <a:solidFill>
-            <a:sysClr val="window" lastClr="FFFFFF"/>
-          </a:solidFill>
-          <a:ln w="9525" cap="flat" cmpd="sng" algn="ctr">
-            <a:solidFill>
-              <a:srgbClr val="C0504D"/>
-            </a:solidFill>
-            <a:prstDash val="solid"/>
-          </a:ln>
-          <a:effectLst/>
-        </p:spPr>
-        <p:txBody>
-          <a:bodyPr rtlCol="0" anchor="ctr"/>
-          <a:lstStyle/>
-          <a:p>
-            <a:pPr marL="0" marR="0" lvl="0" indent="0" algn="ctr" defTabSz="914400" eaLnBrk="1" fontAlgn="auto" latinLnBrk="0" hangingPunct="1">
-              <a:lnSpc>
-                <a:spcPct val="100000"/>
-              </a:lnSpc>
-              <a:spcBef>
-                <a:spcPts val="0"/>
-              </a:spcBef>
-              <a:spcAft>
-                <a:spcPts val="0"/>
-              </a:spcAft>
-              <a:buClrTx/>
-              <a:buSzTx/>
-              <a:buFontTx/>
-              <a:buNone/>
-              <a:tabLst/>
-              <a:defRPr/>
-            </a:pPr>
-            <a:r>
-              <a:rPr kumimoji="0" lang="fr-FR" sz="1400" b="0" i="0" u="none" strike="noStrike" kern="0" cap="none" spc="0" normalizeH="0" baseline="0" noProof="0" dirty="0" smtClean="0">
-                <a:ln>
-                  <a:noFill/>
-                </a:ln>
-                <a:solidFill>
-                  <a:prstClr val="black"/>
-                </a:solidFill>
-                <a:effectLst/>
-                <a:uLnTx/>
-                <a:uFillTx/>
-                <a:latin typeface="Calibri"/>
-                <a:ea typeface="+mn-ea"/>
-                <a:cs typeface="+mn-cs"/>
-              </a:rPr>
-              <a:t>Energie - Unité</a:t>
-            </a:r>
-          </a:p>
-        </p:txBody>
-      </p:sp>
-      <p:cxnSp>
-        <p:nvCxnSpPr>
-          <p:cNvPr id="42" name="Connecteur droit 41"/>
-          <p:cNvCxnSpPr/>
-          <p:nvPr/>
-        </p:nvCxnSpPr>
-        <p:spPr>
-          <a:xfrm flipV="1">
-            <a:off x="6608245" y="3410928"/>
-            <a:ext cx="0" cy="1528969"/>
-          </a:xfrm>
-          <a:prstGeom prst="line">
-            <a:avLst/>
-          </a:prstGeom>
-          <a:noFill/>
-          <a:ln w="9525" cap="flat" cmpd="sng" algn="ctr">
-            <a:solidFill>
-              <a:srgbClr val="C0504D">
-                <a:shade val="95000"/>
-                <a:satMod val="105000"/>
-              </a:srgbClr>
-            </a:solidFill>
-            <a:prstDash val="solid"/>
-          </a:ln>
-          <a:effectLst/>
-        </p:spPr>
-      </p:cxnSp>
-      <p:sp>
-        <p:nvSpPr>
-          <p:cNvPr id="43" name="Rectangle 42"/>
-          <p:cNvSpPr/>
-          <p:nvPr/>
-        </p:nvSpPr>
-        <p:spPr>
-          <a:xfrm>
-            <a:off x="3626597" y="1940569"/>
-            <a:ext cx="1482684" cy="409672"/>
-          </a:xfrm>
-          <a:prstGeom prst="rect">
-            <a:avLst/>
-          </a:prstGeom>
-          <a:noFill/>
-          <a:ln w="9525" cap="flat" cmpd="sng" algn="ctr">
-            <a:noFill/>
-            <a:prstDash val="solid"/>
-          </a:ln>
-          <a:effectLst/>
-        </p:spPr>
-        <p:txBody>
-          <a:bodyPr rtlCol="0" anchor="ctr"/>
-          <a:lstStyle/>
-          <a:p>
-            <a:pPr marL="0" marR="0" lvl="0" indent="0" algn="ctr" defTabSz="914400" eaLnBrk="1" fontAlgn="auto" latinLnBrk="0" hangingPunct="1">
-              <a:lnSpc>
-                <a:spcPct val="100000"/>
-              </a:lnSpc>
-              <a:spcBef>
-                <a:spcPts val="0"/>
-              </a:spcBef>
-              <a:spcAft>
-                <a:spcPts val="0"/>
-              </a:spcAft>
-              <a:buClrTx/>
-              <a:buSzTx/>
-              <a:buFontTx/>
-              <a:buNone/>
-              <a:tabLst/>
-              <a:defRPr/>
-            </a:pPr>
-            <a:r>
-              <a:rPr kumimoji="0" lang="fr-FR" sz="1600" b="1" i="0" u="none" strike="noStrike" kern="0" cap="none" spc="0" normalizeH="0" baseline="0" noProof="0" dirty="0" smtClean="0">
+              <a:rPr kumimoji="0" lang="fr-FR" sz="1600" b="1" i="0" u="none" strike="noStrike" kern="0" cap="none" spc="0" normalizeH="0" baseline="0" noProof="0" dirty="0">
                 <a:ln>
                   <a:noFill/>
                 </a:ln>
@@ -11686,7 +11041,7 @@
               <a:defRPr/>
             </a:pPr>
             <a:r>
-              <a:rPr kumimoji="0" lang="fr-FR" sz="1400" b="1" i="0" u="none" strike="noStrike" kern="0" cap="none" spc="0" normalizeH="0" baseline="0" noProof="0" dirty="0" smtClean="0">
+              <a:rPr kumimoji="0" lang="fr-FR" sz="1400" b="1" i="0" u="none" strike="noStrike" kern="0" cap="none" spc="0" normalizeH="0" baseline="0" noProof="0" dirty="0">
                 <a:ln>
                   <a:noFill/>
                 </a:ln>
@@ -11748,7 +11103,7 @@
               <a:defRPr/>
             </a:pPr>
             <a:r>
-              <a:rPr kumimoji="0" lang="fr-FR" sz="1200" b="1" i="0" u="none" strike="noStrike" kern="0" cap="none" spc="0" normalizeH="0" baseline="0" noProof="0" dirty="0" smtClean="0">
+              <a:rPr kumimoji="0" lang="fr-FR" sz="1200" b="1" i="0" u="none" strike="noStrike" kern="0" cap="none" spc="0" normalizeH="0" baseline="0" noProof="0" dirty="0">
                 <a:ln>
                   <a:noFill/>
                 </a:ln>
@@ -11810,7 +11165,7 @@
               <a:defRPr/>
             </a:pPr>
             <a:r>
-              <a:rPr kumimoji="0" lang="fr-FR" sz="1200" b="1" i="0" u="none" strike="noStrike" kern="0" cap="none" spc="0" normalizeH="0" baseline="0" noProof="0" dirty="0" smtClean="0">
+              <a:rPr kumimoji="0" lang="fr-FR" sz="1200" b="1" i="0" u="none" strike="noStrike" kern="0" cap="none" spc="0" normalizeH="0" baseline="0" noProof="0" dirty="0">
                 <a:ln>
                   <a:noFill/>
                 </a:ln>
@@ -11837,7 +11192,7 @@
         </p:nvSpPr>
         <p:spPr>
           <a:xfrm>
-            <a:off x="3120330" y="5770523"/>
+            <a:off x="0" y="4500570"/>
             <a:ext cx="2952530" cy="474897"/>
           </a:xfrm>
           <a:prstGeom prst="rect">
@@ -11872,7 +11227,7 @@
               <a:defRPr/>
             </a:pPr>
             <a:r>
-              <a:rPr kumimoji="0" lang="fr-FR" sz="1200" b="1" i="0" u="none" strike="noStrike" kern="0" cap="none" spc="0" normalizeH="0" baseline="0" noProof="0" dirty="0" smtClean="0">
+              <a:rPr kumimoji="0" lang="fr-FR" sz="1200" b="1" i="0" u="none" strike="noStrike" kern="0" cap="none" spc="0" normalizeH="0" baseline="0" noProof="0" dirty="0">
                 <a:ln>
                   <a:noFill/>
                 </a:ln>
@@ -11933,23 +11288,20 @@
               <a:tabLst/>
               <a:defRPr/>
             </a:pPr>
-            <a:r>
-              <a:rPr kumimoji="0" lang="fr-FR" sz="1600" b="1" i="0" u="none" strike="noStrike" kern="0" cap="none" spc="0" normalizeH="0" baseline="0" noProof="0" dirty="0" smtClean="0">
-                <a:ln>
-                  <a:noFill/>
-                </a:ln>
-                <a:solidFill>
-                  <a:srgbClr val="C00000"/>
-                </a:solidFill>
-                <a:effectLst/>
-                <a:uLnTx/>
-                <a:uFillTx/>
-                <a:latin typeface="Calibri"/>
-                <a:ea typeface="+mn-ea"/>
-                <a:cs typeface="+mn-cs"/>
-              </a:rPr>
-              <a:t>MOE</a:t>
-            </a:r>
+            <a:endParaRPr kumimoji="0" lang="fr-FR" sz="1600" b="1" i="0" u="none" strike="noStrike" kern="0" cap="none" spc="0" normalizeH="0" baseline="0" noProof="0" dirty="0">
+              <a:ln>
+                <a:noFill/>
+              </a:ln>
+              <a:solidFill>
+                <a:srgbClr val="C00000"/>
+              </a:solidFill>
+              <a:effectLst/>
+              <a:uLnTx/>
+              <a:uFillTx/>
+              <a:latin typeface="Calibri"/>
+              <a:ea typeface="+mn-ea"/>
+              <a:cs typeface="+mn-cs"/>
+            </a:endParaRPr>
           </a:p>
         </p:txBody>
       </p:sp>
@@ -11995,27 +11347,29 @@
               <a:tabLst/>
               <a:defRPr/>
             </a:pPr>
-            <a:r>
-              <a:rPr kumimoji="0" lang="fr-FR" sz="1600" b="1" i="0" u="none" strike="noStrike" kern="0" cap="none" spc="0" normalizeH="0" baseline="0" noProof="0" dirty="0" smtClean="0">
-                <a:ln>
-                  <a:noFill/>
-                </a:ln>
-                <a:solidFill>
-                  <a:srgbClr val="C00000"/>
-                </a:solidFill>
-                <a:effectLst/>
-                <a:uLnTx/>
-                <a:uFillTx/>
-                <a:latin typeface="Calibri"/>
-                <a:ea typeface="+mn-ea"/>
-                <a:cs typeface="+mn-cs"/>
-              </a:rPr>
-              <a:t>MOS = MOE + VA</a:t>
-            </a:r>
+            <a:endParaRPr kumimoji="0" lang="fr-FR" sz="1600" b="1" i="0" u="none" strike="noStrike" kern="0" cap="none" spc="0" normalizeH="0" baseline="0" noProof="0" dirty="0">
+              <a:ln>
+                <a:noFill/>
+              </a:ln>
+              <a:solidFill>
+                <a:srgbClr val="C00000"/>
+              </a:solidFill>
+              <a:effectLst/>
+              <a:uLnTx/>
+              <a:uFillTx/>
+              <a:latin typeface="Calibri"/>
+              <a:ea typeface="+mn-ea"/>
+              <a:cs typeface="+mn-cs"/>
+            </a:endParaRPr>
           </a:p>
         </p:txBody>
       </p:sp>
     </p:spTree>
+    <p:extLst>
+      <p:ext uri="{BB962C8B-B14F-4D97-AF65-F5344CB8AC3E}">
+        <p14:creationId xmlns:p14="http://schemas.microsoft.com/office/powerpoint/2010/main" val="701876711"/>
+      </p:ext>
+    </p:extLst>
   </p:cSld>
   <p:clrMapOvr>
     <a:masterClrMapping/>
@@ -12086,7 +11440,7 @@
               <a:tabLst/>
               <a:defRPr/>
             </a:pPr>
-            <a:endParaRPr kumimoji="0" lang="fr-FR" sz="1600" b="0" i="0" u="none" strike="noStrike" kern="0" cap="none" spc="0" normalizeH="0" baseline="0" noProof="0" smtClean="0">
+            <a:endParaRPr kumimoji="0" lang="fr-FR" sz="1600" b="0" i="0" u="none" strike="noStrike" kern="0" cap="none" spc="0" normalizeH="0" baseline="0" noProof="0">
               <a:ln>
                 <a:noFill/>
               </a:ln>
@@ -12150,7 +11504,7 @@
               <a:defRPr/>
             </a:pPr>
             <a:r>
-              <a:rPr kumimoji="0" lang="fr-FR" sz="1400" b="0" i="1" u="none" strike="noStrike" kern="0" cap="none" spc="0" normalizeH="0" baseline="0" noProof="0" dirty="0" smtClean="0">
+              <a:rPr kumimoji="0" lang="fr-FR" sz="1400" b="0" i="1" u="none" strike="noStrike" kern="0" cap="none" spc="0" normalizeH="0" baseline="0" noProof="0" dirty="0">
                 <a:ln>
                   <a:noFill/>
                 </a:ln>
@@ -12216,7 +11570,7 @@
               <a:defRPr/>
             </a:pPr>
             <a:r>
-              <a:rPr kumimoji="0" lang="fr-FR" sz="1400" b="0" i="1" u="none" strike="noStrike" kern="0" cap="none" spc="0" normalizeH="0" baseline="0" noProof="0" dirty="0" smtClean="0">
+              <a:rPr kumimoji="0" lang="fr-FR" sz="1400" b="0" i="1" u="none" strike="noStrike" kern="0" cap="none" spc="0" normalizeH="0" baseline="0" noProof="0" dirty="0">
                 <a:ln>
                   <a:noFill/>
                 </a:ln>
@@ -12311,7 +11665,7 @@
               <a:defRPr/>
             </a:pPr>
             <a:r>
-              <a:rPr kumimoji="0" lang="fr-FR" sz="1400" b="0" i="0" u="none" strike="noStrike" kern="0" cap="none" spc="0" normalizeH="0" baseline="0" noProof="0" dirty="0" smtClean="0">
+              <a:rPr kumimoji="0" lang="fr-FR" sz="1400" b="0" i="0" u="none" strike="noStrike" kern="0" cap="none" spc="0" normalizeH="0" baseline="0" noProof="0" dirty="0">
                 <a:ln>
                   <a:noFill/>
                 </a:ln>
@@ -12327,48 +11681,6 @@
               </a:rPr>
               <a:t>ACQUERIR</a:t>
             </a:r>
-          </a:p>
-          <a:p>
-            <a:pPr marL="0" marR="0" lvl="0" indent="0" algn="ctr" defTabSz="914400" eaLnBrk="1" fontAlgn="auto" latinLnBrk="0" hangingPunct="1">
-              <a:lnSpc>
-                <a:spcPct val="100000"/>
-              </a:lnSpc>
-              <a:spcBef>
-                <a:spcPts val="0"/>
-              </a:spcBef>
-              <a:spcAft>
-                <a:spcPts val="0"/>
-              </a:spcAft>
-              <a:buClrTx/>
-              <a:buSzTx/>
-              <a:buFontTx/>
-              <a:buNone/>
-              <a:tabLst/>
-              <a:defRPr/>
-            </a:pPr>
-            <a:r>
-              <a:rPr lang="fr-FR" sz="1400" kern="0" dirty="0" smtClean="0">
-                <a:solidFill>
-                  <a:prstClr val="black"/>
-                </a:solidFill>
-                <a:latin typeface="Calibri"/>
-              </a:rPr>
-              <a:t>Capteur cardiaque…</a:t>
-            </a:r>
-            <a:endParaRPr kumimoji="0" lang="fr-FR" sz="1400" b="0" i="0" u="none" strike="noStrike" kern="0" cap="none" spc="0" normalizeH="0" baseline="0" noProof="0" dirty="0" smtClean="0">
-              <a:ln>
-                <a:noFill/>
-              </a:ln>
-              <a:solidFill>
-                <a:prstClr val="black"/>
-              </a:solidFill>
-              <a:effectLst/>
-              <a:uLnTx/>
-              <a:uFillTx/>
-              <a:latin typeface="Calibri"/>
-              <a:ea typeface="+mn-ea"/>
-              <a:cs typeface="+mn-cs"/>
-            </a:endParaRPr>
           </a:p>
         </p:txBody>
       </p:sp>
@@ -12448,7 +11760,7 @@
               <a:defRPr/>
             </a:pPr>
             <a:r>
-              <a:rPr kumimoji="0" lang="fr-FR" sz="1400" b="0" i="0" u="none" strike="noStrike" kern="0" cap="none" spc="0" normalizeH="0" baseline="0" noProof="0" dirty="0" smtClean="0">
+              <a:rPr kumimoji="0" lang="fr-FR" sz="1400" b="0" i="0" u="none" strike="noStrike" kern="0" cap="none" spc="0" normalizeH="0" baseline="0" noProof="0" dirty="0">
                 <a:ln>
                   <a:noFill/>
                 </a:ln>
@@ -12484,15 +11796,15 @@
               <a:defRPr/>
             </a:pPr>
             <a:r>
-              <a:rPr lang="fr-FR" sz="1400" kern="0" dirty="0" smtClean="0">
+              <a:rPr lang="fr-FR" sz="1400" kern="0" dirty="0">
                 <a:solidFill>
                   <a:prstClr val="black"/>
                 </a:solidFill>
                 <a:latin typeface="Calibri"/>
               </a:rPr>
-              <a:t>Électronique de commande</a:t>
+              <a:t>Microcontrôleur</a:t>
             </a:r>
-            <a:endParaRPr kumimoji="0" lang="fr-FR" sz="1400" b="0" i="0" u="none" strike="noStrike" kern="0" cap="none" spc="0" normalizeH="0" baseline="0" noProof="0" dirty="0" smtClean="0">
+            <a:endParaRPr kumimoji="0" lang="fr-FR" sz="1400" b="0" i="0" u="none" strike="noStrike" kern="0" cap="none" spc="0" normalizeH="0" baseline="0" noProof="0" dirty="0">
               <a:ln>
                 <a:noFill/>
               </a:ln>
@@ -12585,7 +11897,7 @@
               <a:defRPr/>
             </a:pPr>
             <a:r>
-              <a:rPr kumimoji="0" lang="fr-FR" sz="1400" b="0" i="0" u="none" strike="noStrike" kern="0" cap="none" spc="0" normalizeH="0" baseline="0" noProof="0" dirty="0" smtClean="0">
+              <a:rPr kumimoji="0" lang="fr-FR" sz="1400" b="0" i="0" u="none" strike="noStrike" kern="0" cap="none" spc="0" normalizeH="0" baseline="0" noProof="0" dirty="0">
                 <a:ln>
                   <a:noFill/>
                 </a:ln>
@@ -12621,15 +11933,43 @@
               <a:defRPr/>
             </a:pPr>
             <a:r>
-              <a:rPr lang="fr-FR" sz="1400" kern="0" dirty="0" smtClean="0">
+              <a:rPr lang="fr-FR" sz="1400" kern="0" dirty="0">
                 <a:solidFill>
                   <a:prstClr val="black"/>
                 </a:solidFill>
                 <a:latin typeface="Calibri"/>
               </a:rPr>
-              <a:t>Écran/interface…</a:t>
+              <a:t>BUS CAN</a:t>
             </a:r>
-            <a:endParaRPr kumimoji="0" lang="fr-FR" sz="1400" b="0" i="0" u="none" strike="noStrike" kern="0" cap="none" spc="0" normalizeH="0" baseline="0" noProof="0" dirty="0" smtClean="0">
+          </a:p>
+          <a:p>
+            <a:pPr marL="0" marR="0" lvl="0" indent="0" algn="ctr" defTabSz="914400" eaLnBrk="1" fontAlgn="auto" latinLnBrk="0" hangingPunct="1">
+              <a:lnSpc>
+                <a:spcPct val="100000"/>
+              </a:lnSpc>
+              <a:spcBef>
+                <a:spcPts val="0"/>
+              </a:spcBef>
+              <a:spcAft>
+                <a:spcPts val="0"/>
+              </a:spcAft>
+              <a:buClrTx/>
+              <a:buSzTx/>
+              <a:buFontTx/>
+              <a:buNone/>
+              <a:tabLst/>
+              <a:defRPr/>
+            </a:pPr>
+            <a:r>
+              <a:rPr lang="fr-FR" sz="1400" kern="0" dirty="0">
+                <a:solidFill>
+                  <a:prstClr val="black"/>
+                </a:solidFill>
+                <a:latin typeface="Calibri"/>
+              </a:rPr>
+              <a:t>(Interface NMEA)</a:t>
+            </a:r>
+            <a:endParaRPr kumimoji="0" lang="fr-FR" sz="1400" b="0" i="0" u="none" strike="noStrike" kern="0" cap="none" spc="0" normalizeH="0" baseline="0" noProof="0" dirty="0">
               <a:ln>
                 <a:noFill/>
               </a:ln>
@@ -12722,7 +12062,7 @@
               <a:defRPr/>
             </a:pPr>
             <a:r>
-              <a:rPr kumimoji="0" lang="fr-FR" sz="1400" b="0" i="0" u="none" strike="noStrike" kern="0" cap="none" spc="0" normalizeH="0" baseline="0" noProof="0" dirty="0" smtClean="0">
+              <a:rPr kumimoji="0" lang="fr-FR" sz="1400" b="0" i="0" u="none" strike="noStrike" kern="0" cap="none" spc="0" normalizeH="0" baseline="0" noProof="0" dirty="0">
                 <a:ln>
                   <a:noFill/>
                 </a:ln>
@@ -12758,15 +12098,15 @@
               <a:defRPr/>
             </a:pPr>
             <a:r>
-              <a:rPr lang="fr-FR" sz="1400" kern="0" dirty="0" smtClean="0">
+              <a:rPr lang="fr-FR" sz="1400" kern="0" dirty="0">
                 <a:solidFill>
                   <a:prstClr val="black"/>
                 </a:solidFill>
                 <a:latin typeface="Calibri"/>
               </a:rPr>
-              <a:t>Alimentation</a:t>
+              <a:t>Générateur de tension</a:t>
             </a:r>
-            <a:endParaRPr kumimoji="0" lang="fr-FR" sz="1400" b="0" i="0" u="none" strike="noStrike" kern="0" cap="none" spc="0" normalizeH="0" baseline="0" noProof="0" dirty="0" smtClean="0">
+            <a:endParaRPr kumimoji="0" lang="fr-FR" sz="1400" b="0" i="0" u="none" strike="noStrike" kern="0" cap="none" spc="0" normalizeH="0" baseline="0" noProof="0" dirty="0">
               <a:ln>
                 <a:noFill/>
               </a:ln>
@@ -12859,7 +12199,7 @@
               <a:defRPr/>
             </a:pPr>
             <a:r>
-              <a:rPr kumimoji="0" lang="fr-FR" sz="1400" b="0" i="0" u="none" strike="noStrike" kern="0" cap="none" spc="0" normalizeH="0" baseline="0" noProof="0" dirty="0" smtClean="0">
+              <a:rPr kumimoji="0" lang="fr-FR" sz="1400" b="0" i="0" u="none" strike="noStrike" kern="0" cap="none" spc="0" normalizeH="0" baseline="0" noProof="0" dirty="0">
                 <a:ln>
                   <a:noFill/>
                 </a:ln>
@@ -12895,15 +12235,15 @@
               <a:defRPr/>
             </a:pPr>
             <a:r>
-              <a:rPr lang="fr-FR" sz="1400" kern="0" dirty="0" smtClean="0">
+              <a:rPr lang="fr-FR" sz="1400" kern="0" dirty="0">
                 <a:solidFill>
                   <a:prstClr val="black"/>
                 </a:solidFill>
                 <a:latin typeface="Calibri"/>
               </a:rPr>
-              <a:t>Électronique de commande</a:t>
+              <a:t>Pont en H</a:t>
             </a:r>
-            <a:endParaRPr kumimoji="0" lang="fr-FR" sz="1400" b="0" i="0" u="none" strike="noStrike" kern="0" cap="none" spc="0" normalizeH="0" baseline="0" noProof="0" dirty="0" smtClean="0">
+            <a:endParaRPr kumimoji="0" lang="fr-FR" sz="1400" b="0" i="0" u="none" strike="noStrike" kern="0" cap="none" spc="0" normalizeH="0" baseline="0" noProof="0" dirty="0">
               <a:ln>
                 <a:noFill/>
               </a:ln>
@@ -12996,7 +12336,7 @@
               <a:defRPr/>
             </a:pPr>
             <a:r>
-              <a:rPr kumimoji="0" lang="fr-FR" sz="1400" b="0" i="0" u="none" strike="noStrike" kern="0" cap="none" spc="0" normalizeH="0" baseline="0" noProof="0" dirty="0" smtClean="0">
+              <a:rPr kumimoji="0" lang="fr-FR" sz="1400" b="0" i="0" u="none" strike="noStrike" kern="0" cap="none" spc="0" normalizeH="0" baseline="0" noProof="0" dirty="0">
                 <a:ln>
                   <a:noFill/>
                 </a:ln>
@@ -13032,15 +12372,15 @@
               <a:defRPr/>
             </a:pPr>
             <a:r>
-              <a:rPr lang="fr-FR" sz="1400" kern="0" dirty="0" smtClean="0">
+              <a:rPr lang="fr-FR" sz="1400" kern="0" dirty="0">
                 <a:solidFill>
                   <a:prstClr val="black"/>
                 </a:solidFill>
                 <a:latin typeface="Calibri"/>
               </a:rPr>
-              <a:t>Moteur</a:t>
+              <a:t>Moteur à courant continu</a:t>
             </a:r>
-            <a:endParaRPr kumimoji="0" lang="fr-FR" sz="1400" b="0" i="0" u="none" strike="noStrike" kern="0" cap="none" spc="0" normalizeH="0" baseline="0" noProof="0" dirty="0" smtClean="0">
+            <a:endParaRPr kumimoji="0" lang="fr-FR" sz="1400" b="0" i="0" u="none" strike="noStrike" kern="0" cap="none" spc="0" normalizeH="0" baseline="0" noProof="0" dirty="0">
               <a:ln>
                 <a:noFill/>
               </a:ln>
@@ -13133,7 +12473,7 @@
               <a:defRPr/>
             </a:pPr>
             <a:r>
-              <a:rPr kumimoji="0" lang="fr-FR" sz="1400" b="0" i="0" u="none" strike="noStrike" kern="0" cap="none" spc="0" normalizeH="0" baseline="0" noProof="0" dirty="0" smtClean="0">
+              <a:rPr kumimoji="0" lang="fr-FR" sz="1400" b="0" i="0" u="none" strike="noStrike" kern="0" cap="none" spc="0" normalizeH="0" baseline="0" noProof="0" dirty="0">
                 <a:ln>
                   <a:noFill/>
                 </a:ln>
@@ -13169,29 +12509,42 @@
               <a:defRPr/>
             </a:pPr>
             <a:r>
-              <a:rPr lang="fr-FR" sz="1400" kern="0" dirty="0" smtClean="0">
+              <a:rPr lang="fr-FR" sz="1400" kern="0" dirty="0">
                 <a:solidFill>
                   <a:prstClr val="black"/>
                 </a:solidFill>
                 <a:latin typeface="Calibri"/>
               </a:rPr>
-              <a:t>Poulie – </a:t>
+              <a:t>Poulie – Courroie</a:t>
             </a:r>
+          </a:p>
+          <a:p>
+            <a:pPr marL="0" marR="0" lvl="0" indent="0" algn="ctr" defTabSz="914400" eaLnBrk="1" fontAlgn="auto" latinLnBrk="0" hangingPunct="1">
+              <a:lnSpc>
+                <a:spcPct val="100000"/>
+              </a:lnSpc>
+              <a:spcBef>
+                <a:spcPts val="0"/>
+              </a:spcBef>
+              <a:spcAft>
+                <a:spcPts val="0"/>
+              </a:spcAft>
+              <a:buClrTx/>
+              <a:buSzTx/>
+              <a:buFontTx/>
+              <a:buNone/>
+              <a:tabLst/>
+              <a:defRPr/>
+            </a:pPr>
             <a:r>
-              <a:rPr lang="fr-FR" sz="1400" kern="0" dirty="0" smtClean="0">
+              <a:rPr lang="fr-FR" sz="1400" kern="0" dirty="0">
                 <a:solidFill>
                   <a:prstClr val="black"/>
                 </a:solidFill>
                 <a:latin typeface="Calibri"/>
               </a:rPr>
-              <a:t>Courroie</a:t>
+              <a:t>Système vis - écrou</a:t>
             </a:r>
-            <a:endParaRPr lang="fr-FR" sz="1400" kern="0" dirty="0" smtClean="0">
-              <a:solidFill>
-                <a:prstClr val="black"/>
-              </a:solidFill>
-              <a:latin typeface="Calibri"/>
-            </a:endParaRPr>
           </a:p>
         </p:txBody>
       </p:sp>
@@ -13271,7 +12624,2677 @@
               <a:defRPr/>
             </a:pPr>
             <a:r>
-              <a:rPr kumimoji="0" lang="fr-FR" sz="1400" b="0" i="0" u="none" strike="noStrike" kern="0" cap="none" spc="0" normalizeH="0" baseline="0" noProof="0" dirty="0" smtClean="0">
+              <a:rPr kumimoji="0" lang="fr-FR" sz="1400" b="0" i="0" u="none" strike="noStrike" kern="0" cap="none" spc="0" normalizeH="0" baseline="0" noProof="0" dirty="0">
+                <a:ln>
+                  <a:noFill/>
+                </a:ln>
+                <a:solidFill>
+                  <a:prstClr val="black"/>
+                </a:solidFill>
+                <a:effectLst/>
+                <a:uLnTx/>
+                <a:uFillTx/>
+                <a:latin typeface="Calibri"/>
+                <a:ea typeface="+mn-ea"/>
+                <a:cs typeface="+mn-cs"/>
+              </a:rPr>
+              <a:t>ACTION</a:t>
+            </a:r>
+          </a:p>
+        </p:txBody>
+      </p:sp>
+      <p:cxnSp>
+        <p:nvCxnSpPr>
+          <p:cNvPr id="15" name="Connecteur droit avec flèche 14"/>
+          <p:cNvCxnSpPr/>
+          <p:nvPr/>
+        </p:nvCxnSpPr>
+        <p:spPr>
+          <a:xfrm>
+            <a:off x="107172" y="1476099"/>
+            <a:ext cx="486310" cy="8685"/>
+          </a:xfrm>
+          <a:prstGeom prst="straightConnector1">
+            <a:avLst/>
+          </a:prstGeom>
+          <a:noFill/>
+          <a:ln w="28575" cap="flat" cmpd="sng" algn="ctr">
+            <a:solidFill>
+              <a:srgbClr val="4F81BD">
+                <a:shade val="95000"/>
+                <a:satMod val="105000"/>
+              </a:srgbClr>
+            </a:solidFill>
+            <a:prstDash val="solid"/>
+            <a:tailEnd type="arrow"/>
+          </a:ln>
+          <a:effectLst/>
+        </p:spPr>
+      </p:cxnSp>
+      <p:cxnSp>
+        <p:nvCxnSpPr>
+          <p:cNvPr id="16" name="Connecteur droit avec flèche 15"/>
+          <p:cNvCxnSpPr>
+            <a:stCxn id="7" idx="3"/>
+            <a:endCxn id="8" idx="1"/>
+          </p:cNvCxnSpPr>
+          <p:nvPr/>
+        </p:nvCxnSpPr>
+        <p:spPr>
+          <a:xfrm>
+            <a:off x="2213482" y="1255771"/>
+            <a:ext cx="486310" cy="0"/>
+          </a:xfrm>
+          <a:prstGeom prst="straightConnector1">
+            <a:avLst/>
+          </a:prstGeom>
+          <a:noFill/>
+          <a:ln w="28575" cap="flat" cmpd="sng" algn="ctr">
+            <a:solidFill>
+              <a:srgbClr val="4F81BD">
+                <a:shade val="95000"/>
+                <a:satMod val="105000"/>
+              </a:srgbClr>
+            </a:solidFill>
+            <a:prstDash val="solid"/>
+            <a:tailEnd type="arrow"/>
+          </a:ln>
+          <a:effectLst/>
+        </p:spPr>
+      </p:cxnSp>
+      <p:cxnSp>
+        <p:nvCxnSpPr>
+          <p:cNvPr id="17" name="Connecteur droit avec flèche 16"/>
+          <p:cNvCxnSpPr>
+            <a:stCxn id="8" idx="3"/>
+            <a:endCxn id="9" idx="1"/>
+          </p:cNvCxnSpPr>
+          <p:nvPr/>
+        </p:nvCxnSpPr>
+        <p:spPr>
+          <a:xfrm>
+            <a:off x="4319792" y="1255771"/>
+            <a:ext cx="484465" cy="7818"/>
+          </a:xfrm>
+          <a:prstGeom prst="straightConnector1">
+            <a:avLst/>
+          </a:prstGeom>
+          <a:noFill/>
+          <a:ln w="28575" cap="flat" cmpd="sng" algn="ctr">
+            <a:solidFill>
+              <a:srgbClr val="4F81BD">
+                <a:shade val="95000"/>
+                <a:satMod val="105000"/>
+              </a:srgbClr>
+            </a:solidFill>
+            <a:prstDash val="solid"/>
+            <a:tailEnd type="arrow"/>
+          </a:ln>
+          <a:effectLst/>
+        </p:spPr>
+      </p:cxnSp>
+      <p:cxnSp>
+        <p:nvCxnSpPr>
+          <p:cNvPr id="18" name="Connecteur droit avec flèche 17"/>
+          <p:cNvCxnSpPr>
+            <a:stCxn id="9" idx="3"/>
+          </p:cNvCxnSpPr>
+          <p:nvPr/>
+        </p:nvCxnSpPr>
+        <p:spPr>
+          <a:xfrm>
+            <a:off x="6424257" y="1263589"/>
+            <a:ext cx="1249185" cy="0"/>
+          </a:xfrm>
+          <a:prstGeom prst="straightConnector1">
+            <a:avLst/>
+          </a:prstGeom>
+          <a:noFill/>
+          <a:ln w="28575" cap="flat" cmpd="sng" algn="ctr">
+            <a:solidFill>
+              <a:srgbClr val="4F81BD">
+                <a:shade val="95000"/>
+                <a:satMod val="105000"/>
+              </a:srgbClr>
+            </a:solidFill>
+            <a:prstDash val="solid"/>
+            <a:tailEnd type="arrow"/>
+          </a:ln>
+          <a:effectLst/>
+        </p:spPr>
+      </p:cxnSp>
+      <p:cxnSp>
+        <p:nvCxnSpPr>
+          <p:cNvPr id="19" name="Connecteur droit 18"/>
+          <p:cNvCxnSpPr/>
+          <p:nvPr/>
+        </p:nvCxnSpPr>
+        <p:spPr>
+          <a:xfrm>
+            <a:off x="6424257" y="1628800"/>
+            <a:ext cx="312296" cy="0"/>
+          </a:xfrm>
+          <a:prstGeom prst="line">
+            <a:avLst/>
+          </a:prstGeom>
+          <a:noFill/>
+          <a:ln w="28575" cap="flat" cmpd="sng" algn="ctr">
+            <a:solidFill>
+              <a:srgbClr val="C0504D">
+                <a:shade val="95000"/>
+                <a:satMod val="105000"/>
+              </a:srgbClr>
+            </a:solidFill>
+            <a:prstDash val="solid"/>
+          </a:ln>
+          <a:effectLst/>
+        </p:spPr>
+      </p:cxnSp>
+      <p:cxnSp>
+        <p:nvCxnSpPr>
+          <p:cNvPr id="20" name="Connecteur droit 19"/>
+          <p:cNvCxnSpPr/>
+          <p:nvPr/>
+        </p:nvCxnSpPr>
+        <p:spPr>
+          <a:xfrm>
+            <a:off x="2456637" y="2350241"/>
+            <a:ext cx="4279916" cy="0"/>
+          </a:xfrm>
+          <a:prstGeom prst="line">
+            <a:avLst/>
+          </a:prstGeom>
+          <a:noFill/>
+          <a:ln w="28575" cap="flat" cmpd="sng" algn="ctr">
+            <a:solidFill>
+              <a:srgbClr val="C0504D">
+                <a:shade val="95000"/>
+                <a:satMod val="105000"/>
+              </a:srgbClr>
+            </a:solidFill>
+            <a:prstDash val="solid"/>
+          </a:ln>
+          <a:effectLst/>
+        </p:spPr>
+      </p:cxnSp>
+      <p:cxnSp>
+        <p:nvCxnSpPr>
+          <p:cNvPr id="21" name="Connecteur droit 20"/>
+          <p:cNvCxnSpPr/>
+          <p:nvPr/>
+        </p:nvCxnSpPr>
+        <p:spPr>
+          <a:xfrm flipV="1">
+            <a:off x="6736553" y="1628801"/>
+            <a:ext cx="0" cy="721440"/>
+          </a:xfrm>
+          <a:prstGeom prst="line">
+            <a:avLst/>
+          </a:prstGeom>
+          <a:noFill/>
+          <a:ln w="28575" cap="flat" cmpd="sng" algn="ctr">
+            <a:solidFill>
+              <a:srgbClr val="C0504D">
+                <a:shade val="95000"/>
+                <a:satMod val="105000"/>
+              </a:srgbClr>
+            </a:solidFill>
+            <a:prstDash val="solid"/>
+          </a:ln>
+          <a:effectLst/>
+        </p:spPr>
+      </p:cxnSp>
+      <p:cxnSp>
+        <p:nvCxnSpPr>
+          <p:cNvPr id="22" name="Connecteur droit 21"/>
+          <p:cNvCxnSpPr/>
+          <p:nvPr/>
+        </p:nvCxnSpPr>
+        <p:spPr>
+          <a:xfrm flipV="1">
+            <a:off x="2456637" y="2345711"/>
+            <a:ext cx="0" cy="867265"/>
+          </a:xfrm>
+          <a:prstGeom prst="line">
+            <a:avLst/>
+          </a:prstGeom>
+          <a:noFill/>
+          <a:ln w="28575" cap="flat" cmpd="sng" algn="ctr">
+            <a:solidFill>
+              <a:srgbClr val="C0504D">
+                <a:shade val="95000"/>
+                <a:satMod val="105000"/>
+              </a:srgbClr>
+            </a:solidFill>
+            <a:prstDash val="solid"/>
+          </a:ln>
+          <a:effectLst/>
+        </p:spPr>
+      </p:cxnSp>
+      <p:cxnSp>
+        <p:nvCxnSpPr>
+          <p:cNvPr id="23" name="Connecteur droit 22"/>
+          <p:cNvCxnSpPr/>
+          <p:nvPr/>
+        </p:nvCxnSpPr>
+        <p:spPr>
+          <a:xfrm>
+            <a:off x="2456637" y="3212976"/>
+            <a:ext cx="243155" cy="0"/>
+          </a:xfrm>
+          <a:prstGeom prst="line">
+            <a:avLst/>
+          </a:prstGeom>
+          <a:noFill/>
+          <a:ln w="28575" cap="flat" cmpd="sng" algn="ctr">
+            <a:solidFill>
+              <a:srgbClr val="C0504D">
+                <a:shade val="95000"/>
+                <a:satMod val="105000"/>
+              </a:srgbClr>
+            </a:solidFill>
+            <a:prstDash val="solid"/>
+            <a:headEnd type="none" w="med" len="med"/>
+            <a:tailEnd type="arrow" w="med" len="med"/>
+          </a:ln>
+          <a:effectLst/>
+        </p:spPr>
+      </p:cxnSp>
+      <p:cxnSp>
+        <p:nvCxnSpPr>
+          <p:cNvPr id="24" name="Connecteur droit 23"/>
+          <p:cNvCxnSpPr>
+            <a:stCxn id="10" idx="3"/>
+            <a:endCxn id="11" idx="1"/>
+          </p:cNvCxnSpPr>
+          <p:nvPr/>
+        </p:nvCxnSpPr>
+        <p:spPr>
+          <a:xfrm>
+            <a:off x="2213482" y="3410928"/>
+            <a:ext cx="486310" cy="0"/>
+          </a:xfrm>
+          <a:prstGeom prst="line">
+            <a:avLst/>
+          </a:prstGeom>
+          <a:noFill/>
+          <a:ln w="28575" cap="flat" cmpd="sng" algn="ctr">
+            <a:solidFill>
+              <a:srgbClr val="C0504D">
+                <a:shade val="95000"/>
+                <a:satMod val="105000"/>
+              </a:srgbClr>
+            </a:solidFill>
+            <a:prstDash val="solid"/>
+            <a:headEnd type="none" w="med" len="med"/>
+            <a:tailEnd type="arrow" w="med" len="med"/>
+          </a:ln>
+          <a:effectLst/>
+        </p:spPr>
+      </p:cxnSp>
+      <p:cxnSp>
+        <p:nvCxnSpPr>
+          <p:cNvPr id="25" name="Connecteur droit 24"/>
+          <p:cNvCxnSpPr>
+            <a:stCxn id="11" idx="3"/>
+            <a:endCxn id="12" idx="1"/>
+          </p:cNvCxnSpPr>
+          <p:nvPr/>
+        </p:nvCxnSpPr>
+        <p:spPr>
+          <a:xfrm>
+            <a:off x="4319792" y="3410928"/>
+            <a:ext cx="484465" cy="0"/>
+          </a:xfrm>
+          <a:prstGeom prst="line">
+            <a:avLst/>
+          </a:prstGeom>
+          <a:noFill/>
+          <a:ln w="28575" cap="flat" cmpd="sng" algn="ctr">
+            <a:solidFill>
+              <a:srgbClr val="C0504D">
+                <a:shade val="95000"/>
+                <a:satMod val="105000"/>
+              </a:srgbClr>
+            </a:solidFill>
+            <a:prstDash val="solid"/>
+            <a:headEnd type="none" w="med" len="med"/>
+            <a:tailEnd type="arrow" w="med" len="med"/>
+          </a:ln>
+          <a:effectLst/>
+        </p:spPr>
+      </p:cxnSp>
+      <p:cxnSp>
+        <p:nvCxnSpPr>
+          <p:cNvPr id="26" name="Connecteur droit 25"/>
+          <p:cNvCxnSpPr>
+            <a:stCxn id="12" idx="3"/>
+            <a:endCxn id="13" idx="1"/>
+          </p:cNvCxnSpPr>
+          <p:nvPr/>
+        </p:nvCxnSpPr>
+        <p:spPr>
+          <a:xfrm>
+            <a:off x="6424257" y="3410928"/>
+            <a:ext cx="439185" cy="0"/>
+          </a:xfrm>
+          <a:prstGeom prst="line">
+            <a:avLst/>
+          </a:prstGeom>
+          <a:noFill/>
+          <a:ln w="28575" cap="flat" cmpd="sng" algn="ctr">
+            <a:solidFill>
+              <a:srgbClr val="C0504D">
+                <a:shade val="95000"/>
+                <a:satMod val="105000"/>
+              </a:srgbClr>
+            </a:solidFill>
+            <a:prstDash val="solid"/>
+            <a:headEnd type="none" w="med" len="med"/>
+            <a:tailEnd type="arrow" w="med" len="med"/>
+          </a:ln>
+          <a:effectLst/>
+        </p:spPr>
+      </p:cxnSp>
+      <p:cxnSp>
+        <p:nvCxnSpPr>
+          <p:cNvPr id="27" name="Connecteur droit 26"/>
+          <p:cNvCxnSpPr>
+            <a:stCxn id="13" idx="3"/>
+            <a:endCxn id="14" idx="1"/>
+          </p:cNvCxnSpPr>
+          <p:nvPr/>
+        </p:nvCxnSpPr>
+        <p:spPr>
+          <a:xfrm>
+            <a:off x="8483442" y="3410928"/>
+            <a:ext cx="409038" cy="2542"/>
+          </a:xfrm>
+          <a:prstGeom prst="line">
+            <a:avLst/>
+          </a:prstGeom>
+          <a:noFill/>
+          <a:ln w="28575" cap="flat" cmpd="sng" algn="ctr">
+            <a:solidFill>
+              <a:srgbClr val="C0504D">
+                <a:shade val="95000"/>
+                <a:satMod val="105000"/>
+              </a:srgbClr>
+            </a:solidFill>
+            <a:prstDash val="solid"/>
+            <a:headEnd type="none" w="med" len="med"/>
+            <a:tailEnd type="arrow" w="med" len="med"/>
+          </a:ln>
+          <a:effectLst/>
+        </p:spPr>
+      </p:cxnSp>
+      <p:cxnSp>
+        <p:nvCxnSpPr>
+          <p:cNvPr id="28" name="Connecteur droit 27"/>
+          <p:cNvCxnSpPr/>
+          <p:nvPr/>
+        </p:nvCxnSpPr>
+        <p:spPr>
+          <a:xfrm>
+            <a:off x="107172" y="3410928"/>
+            <a:ext cx="486310" cy="0"/>
+          </a:xfrm>
+          <a:prstGeom prst="line">
+            <a:avLst/>
+          </a:prstGeom>
+          <a:noFill/>
+          <a:ln w="28575" cap="flat" cmpd="sng" algn="ctr">
+            <a:solidFill>
+              <a:srgbClr val="C0504D">
+                <a:shade val="95000"/>
+                <a:satMod val="105000"/>
+              </a:srgbClr>
+            </a:solidFill>
+            <a:prstDash val="solid"/>
+            <a:headEnd type="none" w="med" len="med"/>
+            <a:tailEnd type="arrow" w="med" len="med"/>
+          </a:ln>
+          <a:effectLst/>
+        </p:spPr>
+      </p:cxnSp>
+      <p:cxnSp>
+        <p:nvCxnSpPr>
+          <p:cNvPr id="29" name="Connecteur droit 28"/>
+          <p:cNvCxnSpPr/>
+          <p:nvPr/>
+        </p:nvCxnSpPr>
+        <p:spPr>
+          <a:xfrm flipV="1">
+            <a:off x="8302419" y="-1"/>
+            <a:ext cx="0" cy="2779343"/>
+          </a:xfrm>
+          <a:prstGeom prst="line">
+            <a:avLst/>
+          </a:prstGeom>
+          <a:noFill/>
+          <a:ln w="28575" cap="flat" cmpd="sng" algn="ctr">
+            <a:solidFill>
+              <a:srgbClr val="92D050"/>
+            </a:solidFill>
+            <a:prstDash val="solid"/>
+          </a:ln>
+          <a:effectLst/>
+        </p:spPr>
+      </p:cxnSp>
+      <p:cxnSp>
+        <p:nvCxnSpPr>
+          <p:cNvPr id="30" name="Connecteur droit 29"/>
+          <p:cNvCxnSpPr/>
+          <p:nvPr/>
+        </p:nvCxnSpPr>
+        <p:spPr>
+          <a:xfrm flipH="1">
+            <a:off x="107172" y="0"/>
+            <a:ext cx="8195247" cy="0"/>
+          </a:xfrm>
+          <a:prstGeom prst="line">
+            <a:avLst/>
+          </a:prstGeom>
+          <a:noFill/>
+          <a:ln w="28575" cap="flat" cmpd="sng" algn="ctr">
+            <a:solidFill>
+              <a:srgbClr val="92D050"/>
+            </a:solidFill>
+            <a:prstDash val="solid"/>
+          </a:ln>
+          <a:effectLst/>
+        </p:spPr>
+      </p:cxnSp>
+      <p:cxnSp>
+        <p:nvCxnSpPr>
+          <p:cNvPr id="31" name="Connecteur droit 30"/>
+          <p:cNvCxnSpPr/>
+          <p:nvPr/>
+        </p:nvCxnSpPr>
+        <p:spPr>
+          <a:xfrm>
+            <a:off x="107172" y="1043647"/>
+            <a:ext cx="486310" cy="0"/>
+          </a:xfrm>
+          <a:prstGeom prst="line">
+            <a:avLst/>
+          </a:prstGeom>
+          <a:noFill/>
+          <a:ln w="28575" cap="flat" cmpd="sng" algn="ctr">
+            <a:solidFill>
+              <a:srgbClr val="92D050"/>
+            </a:solidFill>
+            <a:prstDash val="solid"/>
+            <a:headEnd type="none" w="med" len="med"/>
+            <a:tailEnd type="arrow" w="med" len="med"/>
+          </a:ln>
+          <a:effectLst/>
+        </p:spPr>
+      </p:cxnSp>
+      <p:cxnSp>
+        <p:nvCxnSpPr>
+          <p:cNvPr id="32" name="Connecteur droit 31"/>
+          <p:cNvCxnSpPr/>
+          <p:nvPr/>
+        </p:nvCxnSpPr>
+        <p:spPr>
+          <a:xfrm flipV="1">
+            <a:off x="107172" y="0"/>
+            <a:ext cx="0" cy="1043648"/>
+          </a:xfrm>
+          <a:prstGeom prst="line">
+            <a:avLst/>
+          </a:prstGeom>
+          <a:noFill/>
+          <a:ln w="28575" cap="flat" cmpd="sng" algn="ctr">
+            <a:solidFill>
+              <a:srgbClr val="92D050"/>
+            </a:solidFill>
+            <a:prstDash val="solid"/>
+          </a:ln>
+          <a:effectLst/>
+        </p:spPr>
+      </p:cxnSp>
+      <p:cxnSp>
+        <p:nvCxnSpPr>
+          <p:cNvPr id="33" name="Connecteur droit 32"/>
+          <p:cNvCxnSpPr/>
+          <p:nvPr/>
+        </p:nvCxnSpPr>
+        <p:spPr>
+          <a:xfrm>
+            <a:off x="10512480" y="2121710"/>
+            <a:ext cx="409038" cy="2542"/>
+          </a:xfrm>
+          <a:prstGeom prst="line">
+            <a:avLst/>
+          </a:prstGeom>
+          <a:noFill/>
+          <a:ln w="28575" cap="flat" cmpd="sng" algn="ctr">
+            <a:solidFill>
+              <a:srgbClr val="C0504D">
+                <a:shade val="95000"/>
+                <a:satMod val="105000"/>
+              </a:srgbClr>
+            </a:solidFill>
+            <a:prstDash val="solid"/>
+            <a:headEnd type="none" w="med" len="med"/>
+            <a:tailEnd type="arrow" w="med" len="med"/>
+          </a:ln>
+          <a:effectLst/>
+        </p:spPr>
+      </p:cxnSp>
+      <p:sp>
+        <p:nvSpPr>
+          <p:cNvPr id="34" name="Flèche vers le bas 33"/>
+          <p:cNvSpPr/>
+          <p:nvPr/>
+        </p:nvSpPr>
+        <p:spPr>
+          <a:xfrm>
+            <a:off x="9499890" y="1066427"/>
+            <a:ext cx="405180" cy="819344"/>
+          </a:xfrm>
+          <a:prstGeom prst="downArrow">
+            <a:avLst/>
+          </a:prstGeom>
+          <a:solidFill>
+            <a:sysClr val="window" lastClr="FFFFFF"/>
+          </a:solidFill>
+          <a:ln w="25400" cap="flat" cmpd="sng" algn="ctr">
+            <a:solidFill>
+              <a:srgbClr val="C0504D"/>
+            </a:solidFill>
+            <a:prstDash val="solid"/>
+          </a:ln>
+          <a:effectLst/>
+        </p:spPr>
+        <p:txBody>
+          <a:bodyPr rtlCol="0" anchor="ctr"/>
+          <a:lstStyle/>
+          <a:p>
+            <a:pPr marL="0" marR="0" lvl="0" indent="0" algn="ctr" defTabSz="914400" eaLnBrk="1" fontAlgn="auto" latinLnBrk="0" hangingPunct="1">
+              <a:lnSpc>
+                <a:spcPct val="100000"/>
+              </a:lnSpc>
+              <a:spcBef>
+                <a:spcPts val="0"/>
+              </a:spcBef>
+              <a:spcAft>
+                <a:spcPts val="0"/>
+              </a:spcAft>
+              <a:buClrTx/>
+              <a:buSzTx/>
+              <a:buFontTx/>
+              <a:buNone/>
+              <a:tabLst/>
+              <a:defRPr/>
+            </a:pPr>
+            <a:endParaRPr kumimoji="0" lang="fr-FR" sz="1600" b="0" i="0" u="none" strike="noStrike" kern="0" cap="none" spc="0" normalizeH="0" baseline="0" noProof="0">
+              <a:ln>
+                <a:noFill/>
+              </a:ln>
+              <a:solidFill>
+                <a:prstClr val="black"/>
+              </a:solidFill>
+              <a:effectLst/>
+              <a:uLnTx/>
+              <a:uFillTx/>
+              <a:latin typeface="Calibri"/>
+              <a:ea typeface="+mn-ea"/>
+              <a:cs typeface="+mn-cs"/>
+            </a:endParaRPr>
+          </a:p>
+        </p:txBody>
+      </p:sp>
+      <p:sp>
+        <p:nvSpPr>
+          <p:cNvPr id="35" name="Rectangle 34"/>
+          <p:cNvSpPr/>
+          <p:nvPr/>
+        </p:nvSpPr>
+        <p:spPr>
+          <a:xfrm>
+            <a:off x="107172" y="4941168"/>
+            <a:ext cx="1445293" cy="819344"/>
+          </a:xfrm>
+          <a:prstGeom prst="rect">
+            <a:avLst/>
+          </a:prstGeom>
+          <a:solidFill>
+            <a:sysClr val="window" lastClr="FFFFFF"/>
+          </a:solidFill>
+          <a:ln w="9525" cap="flat" cmpd="sng" algn="ctr">
+            <a:solidFill>
+              <a:srgbClr val="C0504D"/>
+            </a:solidFill>
+            <a:prstDash val="solid"/>
+          </a:ln>
+          <a:effectLst/>
+        </p:spPr>
+        <p:txBody>
+          <a:bodyPr rtlCol="0" anchor="ctr"/>
+          <a:lstStyle/>
+          <a:p>
+            <a:pPr marL="0" marR="0" lvl="0" indent="0" algn="ctr" defTabSz="914400" eaLnBrk="1" fontAlgn="auto" latinLnBrk="0" hangingPunct="1">
+              <a:lnSpc>
+                <a:spcPct val="100000"/>
+              </a:lnSpc>
+              <a:spcBef>
+                <a:spcPts val="0"/>
+              </a:spcBef>
+              <a:spcAft>
+                <a:spcPts val="0"/>
+              </a:spcAft>
+              <a:buClrTx/>
+              <a:buSzTx/>
+              <a:buFontTx/>
+              <a:buNone/>
+              <a:tabLst/>
+              <a:defRPr/>
+            </a:pPr>
+            <a:r>
+              <a:rPr kumimoji="0" lang="fr-FR" sz="1600" b="1" i="0" u="none" strike="noStrike" kern="0" cap="none" spc="0" normalizeH="0" baseline="0" noProof="0" dirty="0">
+                <a:ln>
+                  <a:noFill/>
+                </a:ln>
+                <a:solidFill>
+                  <a:srgbClr val="C00000"/>
+                </a:solidFill>
+                <a:effectLst/>
+                <a:uLnTx/>
+                <a:uFillTx/>
+                <a:latin typeface="Calibri"/>
+                <a:ea typeface="+mn-ea"/>
+                <a:cs typeface="+mn-cs"/>
+              </a:rPr>
+              <a:t>Energie d’entrée - Unité</a:t>
+            </a:r>
+          </a:p>
+        </p:txBody>
+      </p:sp>
+      <p:cxnSp>
+        <p:nvCxnSpPr>
+          <p:cNvPr id="36" name="Connecteur droit 35"/>
+          <p:cNvCxnSpPr/>
+          <p:nvPr/>
+        </p:nvCxnSpPr>
+        <p:spPr>
+          <a:xfrm flipV="1">
+            <a:off x="259572" y="3412199"/>
+            <a:ext cx="0" cy="1528969"/>
+          </a:xfrm>
+          <a:prstGeom prst="line">
+            <a:avLst/>
+          </a:prstGeom>
+          <a:noFill/>
+          <a:ln w="9525" cap="flat" cmpd="sng" algn="ctr">
+            <a:solidFill>
+              <a:srgbClr val="C0504D">
+                <a:shade val="95000"/>
+                <a:satMod val="105000"/>
+              </a:srgbClr>
+            </a:solidFill>
+            <a:prstDash val="solid"/>
+          </a:ln>
+          <a:effectLst/>
+        </p:spPr>
+      </p:cxnSp>
+      <p:sp>
+        <p:nvSpPr>
+          <p:cNvPr id="37" name="Rectangle 36"/>
+          <p:cNvSpPr/>
+          <p:nvPr/>
+        </p:nvSpPr>
+        <p:spPr>
+          <a:xfrm>
+            <a:off x="2304237" y="4941168"/>
+            <a:ext cx="1445293" cy="409672"/>
+          </a:xfrm>
+          <a:prstGeom prst="rect">
+            <a:avLst/>
+          </a:prstGeom>
+          <a:solidFill>
+            <a:sysClr val="window" lastClr="FFFFFF"/>
+          </a:solidFill>
+          <a:ln w="9525" cap="flat" cmpd="sng" algn="ctr">
+            <a:solidFill>
+              <a:srgbClr val="C0504D"/>
+            </a:solidFill>
+            <a:prstDash val="solid"/>
+          </a:ln>
+          <a:effectLst/>
+        </p:spPr>
+        <p:txBody>
+          <a:bodyPr rtlCol="0" anchor="ctr"/>
+          <a:lstStyle/>
+          <a:p>
+            <a:pPr marL="0" marR="0" lvl="0" indent="0" algn="ctr" defTabSz="914400" eaLnBrk="1" fontAlgn="auto" latinLnBrk="0" hangingPunct="1">
+              <a:lnSpc>
+                <a:spcPct val="100000"/>
+              </a:lnSpc>
+              <a:spcBef>
+                <a:spcPts val="0"/>
+              </a:spcBef>
+              <a:spcAft>
+                <a:spcPts val="0"/>
+              </a:spcAft>
+              <a:buClrTx/>
+              <a:buSzTx/>
+              <a:buFontTx/>
+              <a:buNone/>
+              <a:tabLst/>
+              <a:defRPr/>
+            </a:pPr>
+            <a:r>
+              <a:rPr kumimoji="0" lang="fr-FR" sz="1400" b="0" i="0" u="none" strike="noStrike" kern="0" cap="none" spc="0" normalizeH="0" baseline="0" noProof="0" dirty="0">
+                <a:ln>
+                  <a:noFill/>
+                </a:ln>
+                <a:solidFill>
+                  <a:prstClr val="black"/>
+                </a:solidFill>
+                <a:effectLst/>
+                <a:uLnTx/>
+                <a:uFillTx/>
+                <a:latin typeface="Calibri"/>
+                <a:ea typeface="+mn-ea"/>
+                <a:cs typeface="+mn-cs"/>
+              </a:rPr>
+              <a:t>Energie - Unité</a:t>
+            </a:r>
+          </a:p>
+        </p:txBody>
+      </p:sp>
+      <p:cxnSp>
+        <p:nvCxnSpPr>
+          <p:cNvPr id="38" name="Connecteur droit 37"/>
+          <p:cNvCxnSpPr/>
+          <p:nvPr/>
+        </p:nvCxnSpPr>
+        <p:spPr>
+          <a:xfrm flipV="1">
+            <a:off x="2456637" y="3412199"/>
+            <a:ext cx="0" cy="1528969"/>
+          </a:xfrm>
+          <a:prstGeom prst="line">
+            <a:avLst/>
+          </a:prstGeom>
+          <a:noFill/>
+          <a:ln w="9525" cap="flat" cmpd="sng" algn="ctr">
+            <a:solidFill>
+              <a:srgbClr val="C0504D">
+                <a:shade val="95000"/>
+                <a:satMod val="105000"/>
+              </a:srgbClr>
+            </a:solidFill>
+            <a:prstDash val="solid"/>
+          </a:ln>
+          <a:effectLst/>
+        </p:spPr>
+      </p:cxnSp>
+      <p:sp>
+        <p:nvSpPr>
+          <p:cNvPr id="39" name="Rectangle 38"/>
+          <p:cNvSpPr/>
+          <p:nvPr/>
+        </p:nvSpPr>
+        <p:spPr>
+          <a:xfrm>
+            <a:off x="4409624" y="4941168"/>
+            <a:ext cx="1445293" cy="409672"/>
+          </a:xfrm>
+          <a:prstGeom prst="rect">
+            <a:avLst/>
+          </a:prstGeom>
+          <a:solidFill>
+            <a:sysClr val="window" lastClr="FFFFFF"/>
+          </a:solidFill>
+          <a:ln w="9525" cap="flat" cmpd="sng" algn="ctr">
+            <a:solidFill>
+              <a:srgbClr val="C0504D"/>
+            </a:solidFill>
+            <a:prstDash val="solid"/>
+          </a:ln>
+          <a:effectLst/>
+        </p:spPr>
+        <p:txBody>
+          <a:bodyPr rtlCol="0" anchor="ctr"/>
+          <a:lstStyle/>
+          <a:p>
+            <a:pPr marL="0" marR="0" lvl="0" indent="0" algn="ctr" defTabSz="914400" eaLnBrk="1" fontAlgn="auto" latinLnBrk="0" hangingPunct="1">
+              <a:lnSpc>
+                <a:spcPct val="100000"/>
+              </a:lnSpc>
+              <a:spcBef>
+                <a:spcPts val="0"/>
+              </a:spcBef>
+              <a:spcAft>
+                <a:spcPts val="0"/>
+              </a:spcAft>
+              <a:buClrTx/>
+              <a:buSzTx/>
+              <a:buFontTx/>
+              <a:buNone/>
+              <a:tabLst/>
+              <a:defRPr/>
+            </a:pPr>
+            <a:r>
+              <a:rPr kumimoji="0" lang="fr-FR" sz="1400" b="0" i="0" u="none" strike="noStrike" kern="0" cap="none" spc="0" normalizeH="0" baseline="0" noProof="0" dirty="0">
+                <a:ln>
+                  <a:noFill/>
+                </a:ln>
+                <a:solidFill>
+                  <a:prstClr val="black"/>
+                </a:solidFill>
+                <a:effectLst/>
+                <a:uLnTx/>
+                <a:uFillTx/>
+                <a:latin typeface="Calibri"/>
+                <a:ea typeface="+mn-ea"/>
+                <a:cs typeface="+mn-cs"/>
+              </a:rPr>
+              <a:t>Energie - Unité</a:t>
+            </a:r>
+          </a:p>
+        </p:txBody>
+      </p:sp>
+      <p:cxnSp>
+        <p:nvCxnSpPr>
+          <p:cNvPr id="40" name="Connecteur droit 39"/>
+          <p:cNvCxnSpPr/>
+          <p:nvPr/>
+        </p:nvCxnSpPr>
+        <p:spPr>
+          <a:xfrm flipV="1">
+            <a:off x="4562024" y="3412199"/>
+            <a:ext cx="0" cy="1528969"/>
+          </a:xfrm>
+          <a:prstGeom prst="line">
+            <a:avLst/>
+          </a:prstGeom>
+          <a:noFill/>
+          <a:ln w="9525" cap="flat" cmpd="sng" algn="ctr">
+            <a:solidFill>
+              <a:srgbClr val="C0504D">
+                <a:shade val="95000"/>
+                <a:satMod val="105000"/>
+              </a:srgbClr>
+            </a:solidFill>
+            <a:prstDash val="solid"/>
+          </a:ln>
+          <a:effectLst/>
+        </p:spPr>
+      </p:cxnSp>
+      <p:sp>
+        <p:nvSpPr>
+          <p:cNvPr id="41" name="Rectangle 40"/>
+          <p:cNvSpPr/>
+          <p:nvPr/>
+        </p:nvSpPr>
+        <p:spPr>
+          <a:xfrm>
+            <a:off x="6455845" y="4939897"/>
+            <a:ext cx="1445293" cy="410943"/>
+          </a:xfrm>
+          <a:prstGeom prst="rect">
+            <a:avLst/>
+          </a:prstGeom>
+          <a:solidFill>
+            <a:sysClr val="window" lastClr="FFFFFF"/>
+          </a:solidFill>
+          <a:ln w="9525" cap="flat" cmpd="sng" algn="ctr">
+            <a:solidFill>
+              <a:srgbClr val="C0504D"/>
+            </a:solidFill>
+            <a:prstDash val="solid"/>
+          </a:ln>
+          <a:effectLst/>
+        </p:spPr>
+        <p:txBody>
+          <a:bodyPr rtlCol="0" anchor="ctr"/>
+          <a:lstStyle/>
+          <a:p>
+            <a:pPr marL="0" marR="0" lvl="0" indent="0" algn="ctr" defTabSz="914400" eaLnBrk="1" fontAlgn="auto" latinLnBrk="0" hangingPunct="1">
+              <a:lnSpc>
+                <a:spcPct val="100000"/>
+              </a:lnSpc>
+              <a:spcBef>
+                <a:spcPts val="0"/>
+              </a:spcBef>
+              <a:spcAft>
+                <a:spcPts val="0"/>
+              </a:spcAft>
+              <a:buClrTx/>
+              <a:buSzTx/>
+              <a:buFontTx/>
+              <a:buNone/>
+              <a:tabLst/>
+              <a:defRPr/>
+            </a:pPr>
+            <a:r>
+              <a:rPr kumimoji="0" lang="fr-FR" sz="1400" b="0" i="0" u="none" strike="noStrike" kern="0" cap="none" spc="0" normalizeH="0" baseline="0" noProof="0" dirty="0">
+                <a:ln>
+                  <a:noFill/>
+                </a:ln>
+                <a:solidFill>
+                  <a:prstClr val="black"/>
+                </a:solidFill>
+                <a:effectLst/>
+                <a:uLnTx/>
+                <a:uFillTx/>
+                <a:latin typeface="Calibri"/>
+                <a:ea typeface="+mn-ea"/>
+                <a:cs typeface="+mn-cs"/>
+              </a:rPr>
+              <a:t>Energie - Unité</a:t>
+            </a:r>
+          </a:p>
+        </p:txBody>
+      </p:sp>
+      <p:cxnSp>
+        <p:nvCxnSpPr>
+          <p:cNvPr id="42" name="Connecteur droit 41"/>
+          <p:cNvCxnSpPr/>
+          <p:nvPr/>
+        </p:nvCxnSpPr>
+        <p:spPr>
+          <a:xfrm flipV="1">
+            <a:off x="6608245" y="3410928"/>
+            <a:ext cx="0" cy="1528969"/>
+          </a:xfrm>
+          <a:prstGeom prst="line">
+            <a:avLst/>
+          </a:prstGeom>
+          <a:noFill/>
+          <a:ln w="9525" cap="flat" cmpd="sng" algn="ctr">
+            <a:solidFill>
+              <a:srgbClr val="C0504D">
+                <a:shade val="95000"/>
+                <a:satMod val="105000"/>
+              </a:srgbClr>
+            </a:solidFill>
+            <a:prstDash val="solid"/>
+          </a:ln>
+          <a:effectLst/>
+        </p:spPr>
+      </p:cxnSp>
+      <p:sp>
+        <p:nvSpPr>
+          <p:cNvPr id="43" name="Rectangle 42"/>
+          <p:cNvSpPr/>
+          <p:nvPr/>
+        </p:nvSpPr>
+        <p:spPr>
+          <a:xfrm>
+            <a:off x="3626597" y="1940569"/>
+            <a:ext cx="1482684" cy="409672"/>
+          </a:xfrm>
+          <a:prstGeom prst="rect">
+            <a:avLst/>
+          </a:prstGeom>
+          <a:noFill/>
+          <a:ln w="9525" cap="flat" cmpd="sng" algn="ctr">
+            <a:noFill/>
+            <a:prstDash val="solid"/>
+          </a:ln>
+          <a:effectLst/>
+        </p:spPr>
+        <p:txBody>
+          <a:bodyPr rtlCol="0" anchor="ctr"/>
+          <a:lstStyle/>
+          <a:p>
+            <a:pPr marL="0" marR="0" lvl="0" indent="0" algn="ctr" defTabSz="914400" eaLnBrk="1" fontAlgn="auto" latinLnBrk="0" hangingPunct="1">
+              <a:lnSpc>
+                <a:spcPct val="100000"/>
+              </a:lnSpc>
+              <a:spcBef>
+                <a:spcPts val="0"/>
+              </a:spcBef>
+              <a:spcAft>
+                <a:spcPts val="0"/>
+              </a:spcAft>
+              <a:buClrTx/>
+              <a:buSzTx/>
+              <a:buFontTx/>
+              <a:buNone/>
+              <a:tabLst/>
+              <a:defRPr/>
+            </a:pPr>
+            <a:r>
+              <a:rPr kumimoji="0" lang="fr-FR" sz="1600" b="1" i="0" u="none" strike="noStrike" kern="0" cap="none" spc="0" normalizeH="0" baseline="0" noProof="0" dirty="0">
+                <a:ln>
+                  <a:noFill/>
+                </a:ln>
+                <a:solidFill>
+                  <a:srgbClr val="C00000"/>
+                </a:solidFill>
+                <a:effectLst/>
+                <a:uLnTx/>
+                <a:uFillTx/>
+                <a:latin typeface="Calibri"/>
+                <a:ea typeface="+mn-ea"/>
+                <a:cs typeface="+mn-cs"/>
+              </a:rPr>
+              <a:t>Ordres</a:t>
+            </a:r>
+          </a:p>
+        </p:txBody>
+      </p:sp>
+      <p:sp>
+        <p:nvSpPr>
+          <p:cNvPr id="44" name="Rectangle 43"/>
+          <p:cNvSpPr/>
+          <p:nvPr/>
+        </p:nvSpPr>
+        <p:spPr>
+          <a:xfrm>
+            <a:off x="8114035" y="116632"/>
+            <a:ext cx="1482684" cy="949795"/>
+          </a:xfrm>
+          <a:prstGeom prst="rect">
+            <a:avLst/>
+          </a:prstGeom>
+          <a:noFill/>
+          <a:ln w="9525" cap="flat" cmpd="sng" algn="ctr">
+            <a:noFill/>
+            <a:prstDash val="solid"/>
+          </a:ln>
+          <a:effectLst/>
+        </p:spPr>
+        <p:txBody>
+          <a:bodyPr rtlCol="0" anchor="ctr"/>
+          <a:lstStyle/>
+          <a:p>
+            <a:pPr marL="0" marR="0" lvl="0" indent="0" algn="ctr" defTabSz="914400" eaLnBrk="1" fontAlgn="auto" latinLnBrk="0" hangingPunct="1">
+              <a:lnSpc>
+                <a:spcPct val="100000"/>
+              </a:lnSpc>
+              <a:spcBef>
+                <a:spcPts val="0"/>
+              </a:spcBef>
+              <a:spcAft>
+                <a:spcPts val="0"/>
+              </a:spcAft>
+              <a:buClrTx/>
+              <a:buSzTx/>
+              <a:buFontTx/>
+              <a:buNone/>
+              <a:tabLst/>
+              <a:defRPr/>
+            </a:pPr>
+            <a:r>
+              <a:rPr kumimoji="0" lang="fr-FR" sz="1400" b="1" i="0" u="none" strike="noStrike" kern="0" cap="none" spc="0" normalizeH="0" baseline="0" noProof="0" dirty="0">
+                <a:ln>
+                  <a:noFill/>
+                </a:ln>
+                <a:solidFill>
+                  <a:srgbClr val="92D050"/>
+                </a:solidFill>
+                <a:effectLst/>
+                <a:uLnTx/>
+                <a:uFillTx/>
+                <a:latin typeface="Calibri"/>
+                <a:ea typeface="+mn-ea"/>
+                <a:cs typeface="+mn-cs"/>
+              </a:rPr>
+              <a:t>Grandeurs physiques à acquérir</a:t>
+            </a:r>
+          </a:p>
+        </p:txBody>
+      </p:sp>
+      <p:sp>
+        <p:nvSpPr>
+          <p:cNvPr id="45" name="Rectangle 44"/>
+          <p:cNvSpPr/>
+          <p:nvPr/>
+        </p:nvSpPr>
+        <p:spPr>
+          <a:xfrm>
+            <a:off x="6823727" y="305976"/>
+            <a:ext cx="1452974" cy="949795"/>
+          </a:xfrm>
+          <a:prstGeom prst="rect">
+            <a:avLst/>
+          </a:prstGeom>
+          <a:noFill/>
+          <a:ln w="9525" cap="flat" cmpd="sng" algn="ctr">
+            <a:noFill/>
+            <a:prstDash val="solid"/>
+          </a:ln>
+          <a:effectLst/>
+        </p:spPr>
+        <p:txBody>
+          <a:bodyPr rtlCol="0" anchor="ctr"/>
+          <a:lstStyle/>
+          <a:p>
+            <a:pPr marL="0" marR="0" lvl="0" indent="0" algn="ctr" defTabSz="914400" eaLnBrk="1" fontAlgn="auto" latinLnBrk="0" hangingPunct="1">
+              <a:lnSpc>
+                <a:spcPct val="100000"/>
+              </a:lnSpc>
+              <a:spcBef>
+                <a:spcPts val="0"/>
+              </a:spcBef>
+              <a:spcAft>
+                <a:spcPts val="0"/>
+              </a:spcAft>
+              <a:buClrTx/>
+              <a:buSzTx/>
+              <a:buFontTx/>
+              <a:buNone/>
+              <a:tabLst/>
+              <a:defRPr/>
+            </a:pPr>
+            <a:r>
+              <a:rPr kumimoji="0" lang="fr-FR" sz="1200" b="1" i="0" u="none" strike="noStrike" kern="0" cap="none" spc="0" normalizeH="0" baseline="0" noProof="0" dirty="0">
+                <a:ln>
+                  <a:noFill/>
+                </a:ln>
+                <a:solidFill>
+                  <a:srgbClr val="00B0F0"/>
+                </a:solidFill>
+                <a:effectLst/>
+                <a:uLnTx/>
+                <a:uFillTx/>
+                <a:latin typeface="Calibri"/>
+                <a:ea typeface="+mn-ea"/>
+                <a:cs typeface="+mn-cs"/>
+              </a:rPr>
+              <a:t>Infos destinées à d’autres interfaces H/M</a:t>
+            </a:r>
+          </a:p>
+        </p:txBody>
+      </p:sp>
+      <p:sp>
+        <p:nvSpPr>
+          <p:cNvPr id="46" name="Rectangle 45"/>
+          <p:cNvSpPr/>
+          <p:nvPr/>
+        </p:nvSpPr>
+        <p:spPr>
+          <a:xfrm>
+            <a:off x="-1188640" y="1052736"/>
+            <a:ext cx="1452974" cy="949795"/>
+          </a:xfrm>
+          <a:prstGeom prst="rect">
+            <a:avLst/>
+          </a:prstGeom>
+          <a:noFill/>
+          <a:ln w="9525" cap="flat" cmpd="sng" algn="ctr">
+            <a:noFill/>
+            <a:prstDash val="solid"/>
+          </a:ln>
+          <a:effectLst/>
+        </p:spPr>
+        <p:txBody>
+          <a:bodyPr rtlCol="0" anchor="ctr"/>
+          <a:lstStyle/>
+          <a:p>
+            <a:pPr marL="0" marR="0" lvl="0" indent="0" algn="ctr" defTabSz="914400" eaLnBrk="1" fontAlgn="auto" latinLnBrk="0" hangingPunct="1">
+              <a:lnSpc>
+                <a:spcPct val="100000"/>
+              </a:lnSpc>
+              <a:spcBef>
+                <a:spcPts val="0"/>
+              </a:spcBef>
+              <a:spcAft>
+                <a:spcPts val="0"/>
+              </a:spcAft>
+              <a:buClrTx/>
+              <a:buSzTx/>
+              <a:buFontTx/>
+              <a:buNone/>
+              <a:tabLst/>
+              <a:defRPr/>
+            </a:pPr>
+            <a:r>
+              <a:rPr kumimoji="0" lang="fr-FR" sz="1200" b="1" i="0" u="none" strike="noStrike" kern="0" cap="none" spc="0" normalizeH="0" baseline="0" noProof="0" dirty="0">
+                <a:ln>
+                  <a:noFill/>
+                </a:ln>
+                <a:solidFill>
+                  <a:srgbClr val="00B0F0"/>
+                </a:solidFill>
+                <a:effectLst/>
+                <a:uLnTx/>
+                <a:uFillTx/>
+                <a:latin typeface="Calibri"/>
+                <a:ea typeface="+mn-ea"/>
+                <a:cs typeface="+mn-cs"/>
+              </a:rPr>
+              <a:t>Infos issues de d’autres interfaces H/M</a:t>
+            </a:r>
+          </a:p>
+        </p:txBody>
+      </p:sp>
+      <p:sp>
+        <p:nvSpPr>
+          <p:cNvPr id="47" name="Rectangle 46"/>
+          <p:cNvSpPr/>
+          <p:nvPr/>
+        </p:nvSpPr>
+        <p:spPr>
+          <a:xfrm>
+            <a:off x="3120330" y="5770523"/>
+            <a:ext cx="2952530" cy="474897"/>
+          </a:xfrm>
+          <a:prstGeom prst="rect">
+            <a:avLst/>
+          </a:prstGeom>
+          <a:noFill/>
+          <a:ln w="9525" cap="flat" cmpd="sng" algn="ctr">
+            <a:noFill/>
+            <a:prstDash val="solid"/>
+          </a:ln>
+          <a:effectLst/>
+        </p:spPr>
+        <p:txBody>
+          <a:bodyPr rtlCol="0" anchor="ctr"/>
+          <a:lstStyle/>
+          <a:p>
+            <a:pPr marL="0" marR="0" lvl="0" indent="0" algn="ctr" defTabSz="914400" eaLnBrk="1" fontAlgn="auto" latinLnBrk="0" hangingPunct="1">
+              <a:lnSpc>
+                <a:spcPct val="100000"/>
+              </a:lnSpc>
+              <a:spcBef>
+                <a:spcPts val="0"/>
+              </a:spcBef>
+              <a:spcAft>
+                <a:spcPts val="0"/>
+              </a:spcAft>
+              <a:buClrTx/>
+              <a:buSzTx/>
+              <a:buFontTx/>
+              <a:buNone/>
+              <a:tabLst/>
+              <a:defRPr/>
+            </a:pPr>
+            <a:r>
+              <a:rPr kumimoji="0" lang="fr-FR" sz="1200" b="1" i="0" u="none" strike="noStrike" kern="0" cap="none" spc="0" normalizeH="0" baseline="0" noProof="0" dirty="0">
+                <a:ln>
+                  <a:noFill/>
+                </a:ln>
+                <a:solidFill>
+                  <a:srgbClr val="00B0F0"/>
+                </a:solidFill>
+                <a:effectLst/>
+                <a:uLnTx/>
+                <a:uFillTx/>
+                <a:latin typeface="Calibri"/>
+                <a:ea typeface="+mn-ea"/>
+                <a:cs typeface="+mn-cs"/>
+              </a:rPr>
+              <a:t>H/M : Homme – Machine </a:t>
+            </a:r>
+          </a:p>
+        </p:txBody>
+      </p:sp>
+      <p:sp>
+        <p:nvSpPr>
+          <p:cNvPr id="48" name="Rectangle 47"/>
+          <p:cNvSpPr/>
+          <p:nvPr/>
+        </p:nvSpPr>
+        <p:spPr>
+          <a:xfrm>
+            <a:off x="8961138" y="591529"/>
+            <a:ext cx="1482684" cy="409672"/>
+          </a:xfrm>
+          <a:prstGeom prst="rect">
+            <a:avLst/>
+          </a:prstGeom>
+          <a:noFill/>
+          <a:ln w="9525" cap="flat" cmpd="sng" algn="ctr">
+            <a:noFill/>
+            <a:prstDash val="solid"/>
+          </a:ln>
+          <a:effectLst/>
+        </p:spPr>
+        <p:txBody>
+          <a:bodyPr rtlCol="0" anchor="ctr"/>
+          <a:lstStyle/>
+          <a:p>
+            <a:pPr marL="0" marR="0" lvl="0" indent="0" algn="ctr" defTabSz="914400" eaLnBrk="1" fontAlgn="auto" latinLnBrk="0" hangingPunct="1">
+              <a:lnSpc>
+                <a:spcPct val="100000"/>
+              </a:lnSpc>
+              <a:spcBef>
+                <a:spcPts val="0"/>
+              </a:spcBef>
+              <a:spcAft>
+                <a:spcPts val="0"/>
+              </a:spcAft>
+              <a:buClrTx/>
+              <a:buSzTx/>
+              <a:buFontTx/>
+              <a:buNone/>
+              <a:tabLst/>
+              <a:defRPr/>
+            </a:pPr>
+            <a:r>
+              <a:rPr kumimoji="0" lang="fr-FR" sz="1600" b="1" i="0" u="none" strike="noStrike" kern="0" cap="none" spc="0" normalizeH="0" baseline="0" noProof="0" dirty="0">
+                <a:ln>
+                  <a:noFill/>
+                </a:ln>
+                <a:solidFill>
+                  <a:srgbClr val="C00000"/>
+                </a:solidFill>
+                <a:effectLst/>
+                <a:uLnTx/>
+                <a:uFillTx/>
+                <a:latin typeface="Calibri"/>
+                <a:ea typeface="+mn-ea"/>
+                <a:cs typeface="+mn-cs"/>
+              </a:rPr>
+              <a:t>MOE</a:t>
+            </a:r>
+          </a:p>
+        </p:txBody>
+      </p:sp>
+      <p:sp>
+        <p:nvSpPr>
+          <p:cNvPr id="49" name="Rectangle 48"/>
+          <p:cNvSpPr/>
+          <p:nvPr/>
+        </p:nvSpPr>
+        <p:spPr>
+          <a:xfrm>
+            <a:off x="8687961" y="5760512"/>
+            <a:ext cx="2029038" cy="409672"/>
+          </a:xfrm>
+          <a:prstGeom prst="rect">
+            <a:avLst/>
+          </a:prstGeom>
+          <a:noFill/>
+          <a:ln w="9525" cap="flat" cmpd="sng" algn="ctr">
+            <a:noFill/>
+            <a:prstDash val="solid"/>
+          </a:ln>
+          <a:effectLst/>
+        </p:spPr>
+        <p:txBody>
+          <a:bodyPr rtlCol="0" anchor="ctr"/>
+          <a:lstStyle/>
+          <a:p>
+            <a:pPr marL="0" marR="0" lvl="0" indent="0" algn="ctr" defTabSz="914400" eaLnBrk="1" fontAlgn="auto" latinLnBrk="0" hangingPunct="1">
+              <a:lnSpc>
+                <a:spcPct val="100000"/>
+              </a:lnSpc>
+              <a:spcBef>
+                <a:spcPts val="0"/>
+              </a:spcBef>
+              <a:spcAft>
+                <a:spcPts val="0"/>
+              </a:spcAft>
+              <a:buClrTx/>
+              <a:buSzTx/>
+              <a:buFontTx/>
+              <a:buNone/>
+              <a:tabLst/>
+              <a:defRPr/>
+            </a:pPr>
+            <a:r>
+              <a:rPr kumimoji="0" lang="fr-FR" sz="1600" b="1" i="0" u="none" strike="noStrike" kern="0" cap="none" spc="0" normalizeH="0" baseline="0" noProof="0" dirty="0">
+                <a:ln>
+                  <a:noFill/>
+                </a:ln>
+                <a:solidFill>
+                  <a:srgbClr val="C00000"/>
+                </a:solidFill>
+                <a:effectLst/>
+                <a:uLnTx/>
+                <a:uFillTx/>
+                <a:latin typeface="Calibri"/>
+                <a:ea typeface="+mn-ea"/>
+                <a:cs typeface="+mn-cs"/>
+              </a:rPr>
+              <a:t>MOS = MOE + VA</a:t>
+            </a:r>
+          </a:p>
+        </p:txBody>
+      </p:sp>
+    </p:spTree>
+  </p:cSld>
+  <p:clrMapOvr>
+    <a:masterClrMapping/>
+  </p:clrMapOvr>
+</p:sld>
+</file>
+
+<file path=ppt/slides/slide5.xml><?xml version="1.0" encoding="utf-8"?>
+<p:sld xmlns:a="http://schemas.openxmlformats.org/drawingml/2006/main" xmlns:r="http://schemas.openxmlformats.org/officeDocument/2006/relationships" xmlns:p="http://schemas.openxmlformats.org/presentationml/2006/main">
+  <p:cSld>
+    <p:spTree>
+      <p:nvGrpSpPr>
+        <p:cNvPr id="1" name=""/>
+        <p:cNvGrpSpPr/>
+        <p:nvPr/>
+      </p:nvGrpSpPr>
+      <p:grpSpPr>
+        <a:xfrm>
+          <a:off x="0" y="0"/>
+          <a:ext cx="0" cy="0"/>
+          <a:chOff x="0" y="0"/>
+          <a:chExt cx="0" cy="0"/>
+        </a:xfrm>
+      </p:grpSpPr>
+      <p:sp>
+        <p:nvSpPr>
+          <p:cNvPr id="4" name="Flèche vers le bas 3"/>
+          <p:cNvSpPr/>
+          <p:nvPr/>
+        </p:nvSpPr>
+        <p:spPr>
+          <a:xfrm>
+            <a:off x="9499890" y="4941168"/>
+            <a:ext cx="405180" cy="819344"/>
+          </a:xfrm>
+          <a:prstGeom prst="downArrow">
+            <a:avLst/>
+          </a:prstGeom>
+          <a:solidFill>
+            <a:sysClr val="window" lastClr="FFFFFF"/>
+          </a:solidFill>
+          <a:ln w="25400" cap="flat" cmpd="sng" algn="ctr">
+            <a:solidFill>
+              <a:srgbClr val="C0504D"/>
+            </a:solidFill>
+            <a:prstDash val="solid"/>
+          </a:ln>
+          <a:effectLst/>
+        </p:spPr>
+        <p:txBody>
+          <a:bodyPr rtlCol="0" anchor="ctr"/>
+          <a:lstStyle/>
+          <a:p>
+            <a:pPr marL="0" marR="0" lvl="0" indent="0" algn="ctr" defTabSz="914400" eaLnBrk="1" fontAlgn="auto" latinLnBrk="0" hangingPunct="1">
+              <a:lnSpc>
+                <a:spcPct val="100000"/>
+              </a:lnSpc>
+              <a:spcBef>
+                <a:spcPts val="0"/>
+              </a:spcBef>
+              <a:spcAft>
+                <a:spcPts val="0"/>
+              </a:spcAft>
+              <a:buClrTx/>
+              <a:buSzTx/>
+              <a:buFontTx/>
+              <a:buNone/>
+              <a:tabLst/>
+              <a:defRPr/>
+            </a:pPr>
+            <a:endParaRPr kumimoji="0" lang="fr-FR" sz="1600" b="0" i="0" u="none" strike="noStrike" kern="0" cap="none" spc="0" normalizeH="0" baseline="0" noProof="0">
+              <a:ln>
+                <a:noFill/>
+              </a:ln>
+              <a:solidFill>
+                <a:prstClr val="black"/>
+              </a:solidFill>
+              <a:effectLst/>
+              <a:uLnTx/>
+              <a:uFillTx/>
+              <a:latin typeface="Calibri"/>
+              <a:ea typeface="+mn-ea"/>
+              <a:cs typeface="+mn-cs"/>
+            </a:endParaRPr>
+          </a:p>
+        </p:txBody>
+      </p:sp>
+      <p:sp>
+        <p:nvSpPr>
+          <p:cNvPr id="5" name="Rectangle à coins arrondis 4"/>
+          <p:cNvSpPr/>
+          <p:nvPr/>
+        </p:nvSpPr>
+        <p:spPr>
+          <a:xfrm>
+            <a:off x="389752" y="2779343"/>
+            <a:ext cx="10446944" cy="1729778"/>
+          </a:xfrm>
+          <a:prstGeom prst="roundRect">
+            <a:avLst/>
+          </a:prstGeom>
+          <a:solidFill>
+            <a:sysClr val="window" lastClr="FFFFFF"/>
+          </a:solidFill>
+          <a:ln w="25400" cap="flat" cmpd="sng" algn="ctr">
+            <a:solidFill>
+              <a:srgbClr val="C0504D"/>
+            </a:solidFill>
+            <a:prstDash val="solid"/>
+          </a:ln>
+          <a:effectLst/>
+        </p:spPr>
+        <p:txBody>
+          <a:bodyPr rtlCol="0" anchor="b"/>
+          <a:lstStyle/>
+          <a:p>
+            <a:pPr marL="0" marR="0" lvl="0" indent="0" algn="ctr" defTabSz="914400" eaLnBrk="1" fontAlgn="auto" latinLnBrk="0" hangingPunct="1">
+              <a:lnSpc>
+                <a:spcPct val="100000"/>
+              </a:lnSpc>
+              <a:spcBef>
+                <a:spcPts val="0"/>
+              </a:spcBef>
+              <a:spcAft>
+                <a:spcPts val="0"/>
+              </a:spcAft>
+              <a:buClrTx/>
+              <a:buSzTx/>
+              <a:buFontTx/>
+              <a:buNone/>
+              <a:tabLst/>
+              <a:defRPr/>
+            </a:pPr>
+            <a:r>
+              <a:rPr kumimoji="0" lang="fr-FR" sz="1400" b="0" i="1" u="none" strike="noStrike" kern="0" cap="none" spc="0" normalizeH="0" baseline="0" noProof="0" dirty="0">
+                <a:ln>
+                  <a:noFill/>
+                </a:ln>
+                <a:solidFill>
+                  <a:prstClr val="black"/>
+                </a:solidFill>
+                <a:effectLst/>
+                <a:uLnTx/>
+                <a:uFillTx/>
+                <a:latin typeface="Calibri"/>
+                <a:ea typeface="+mn-ea"/>
+                <a:cs typeface="+mn-cs"/>
+              </a:rPr>
+              <a:t>Chaîne d’énergie</a:t>
+            </a:r>
+          </a:p>
+        </p:txBody>
+      </p:sp>
+      <p:sp>
+        <p:nvSpPr>
+          <p:cNvPr id="6" name="Rectangle à coins arrondis 5"/>
+          <p:cNvSpPr/>
+          <p:nvPr/>
+        </p:nvSpPr>
+        <p:spPr>
+          <a:xfrm>
+            <a:off x="389752" y="328111"/>
+            <a:ext cx="6473690" cy="1557660"/>
+          </a:xfrm>
+          <a:prstGeom prst="roundRect">
+            <a:avLst/>
+          </a:prstGeom>
+          <a:solidFill>
+            <a:sysClr val="window" lastClr="FFFFFF"/>
+          </a:solidFill>
+          <a:ln w="25400" cap="flat" cmpd="sng" algn="ctr">
+            <a:solidFill>
+              <a:srgbClr val="4F81BD"/>
+            </a:solidFill>
+            <a:prstDash val="solid"/>
+          </a:ln>
+          <a:effectLst/>
+        </p:spPr>
+        <p:txBody>
+          <a:bodyPr rtlCol="0" anchor="t"/>
+          <a:lstStyle/>
+          <a:p>
+            <a:pPr marL="0" marR="0" lvl="0" indent="0" algn="ctr" defTabSz="914400" eaLnBrk="1" fontAlgn="auto" latinLnBrk="0" hangingPunct="1">
+              <a:lnSpc>
+                <a:spcPct val="100000"/>
+              </a:lnSpc>
+              <a:spcBef>
+                <a:spcPts val="0"/>
+              </a:spcBef>
+              <a:spcAft>
+                <a:spcPts val="0"/>
+              </a:spcAft>
+              <a:buClrTx/>
+              <a:buSzTx/>
+              <a:buFontTx/>
+              <a:buNone/>
+              <a:tabLst/>
+              <a:defRPr/>
+            </a:pPr>
+            <a:r>
+              <a:rPr kumimoji="0" lang="fr-FR" sz="1400" b="0" i="1" u="none" strike="noStrike" kern="0" cap="none" spc="0" normalizeH="0" baseline="0" noProof="0" dirty="0">
+                <a:ln>
+                  <a:noFill/>
+                </a:ln>
+                <a:solidFill>
+                  <a:prstClr val="black"/>
+                </a:solidFill>
+                <a:effectLst/>
+                <a:uLnTx/>
+                <a:uFillTx/>
+                <a:latin typeface="Calibri"/>
+                <a:ea typeface="+mn-ea"/>
+                <a:cs typeface="+mn-cs"/>
+              </a:rPr>
+              <a:t>Chaîne d’information</a:t>
+            </a:r>
+          </a:p>
+        </p:txBody>
+      </p:sp>
+      <p:sp>
+        <p:nvSpPr>
+          <p:cNvPr id="7" name="Rectangle 6"/>
+          <p:cNvSpPr/>
+          <p:nvPr/>
+        </p:nvSpPr>
+        <p:spPr>
+          <a:xfrm>
+            <a:off x="593482" y="908720"/>
+            <a:ext cx="1620000" cy="694102"/>
+          </a:xfrm>
+          <a:prstGeom prst="rect">
+            <a:avLst/>
+          </a:prstGeom>
+          <a:gradFill rotWithShape="1">
+            <a:gsLst>
+              <a:gs pos="0">
+                <a:srgbClr val="4F81BD">
+                  <a:tint val="50000"/>
+                  <a:satMod val="300000"/>
+                </a:srgbClr>
+              </a:gs>
+              <a:gs pos="35000">
+                <a:srgbClr val="4F81BD">
+                  <a:tint val="37000"/>
+                  <a:satMod val="300000"/>
+                </a:srgbClr>
+              </a:gs>
+              <a:gs pos="100000">
+                <a:srgbClr val="4F81BD">
+                  <a:tint val="15000"/>
+                  <a:satMod val="350000"/>
+                </a:srgbClr>
+              </a:gs>
+            </a:gsLst>
+            <a:lin ang="16200000" scaled="1"/>
+          </a:gradFill>
+          <a:ln w="9525" cap="flat" cmpd="sng" algn="ctr">
+            <a:solidFill>
+              <a:srgbClr val="4F81BD">
+                <a:shade val="95000"/>
+                <a:satMod val="105000"/>
+              </a:srgbClr>
+            </a:solidFill>
+            <a:prstDash val="solid"/>
+          </a:ln>
+          <a:effectLst>
+            <a:outerShdw blurRad="40000" dist="20000" dir="5400000" rotWithShape="0">
+              <a:srgbClr val="000000">
+                <a:alpha val="38000"/>
+              </a:srgbClr>
+            </a:outerShdw>
+          </a:effectLst>
+        </p:spPr>
+        <p:txBody>
+          <a:bodyPr rtlCol="0" anchor="t"/>
+          <a:lstStyle/>
+          <a:p>
+            <a:pPr marL="0" marR="0" lvl="0" indent="0" algn="ctr" defTabSz="914400" eaLnBrk="1" fontAlgn="auto" latinLnBrk="0" hangingPunct="1">
+              <a:lnSpc>
+                <a:spcPct val="100000"/>
+              </a:lnSpc>
+              <a:spcBef>
+                <a:spcPts val="0"/>
+              </a:spcBef>
+              <a:spcAft>
+                <a:spcPts val="0"/>
+              </a:spcAft>
+              <a:buClrTx/>
+              <a:buSzTx/>
+              <a:buFontTx/>
+              <a:buNone/>
+              <a:tabLst/>
+              <a:defRPr/>
+            </a:pPr>
+            <a:r>
+              <a:rPr kumimoji="0" lang="fr-FR" sz="1400" b="0" i="0" u="none" strike="noStrike" kern="0" cap="none" spc="0" normalizeH="0" baseline="0" noProof="0" dirty="0">
+                <a:ln>
+                  <a:noFill/>
+                </a:ln>
+                <a:solidFill>
+                  <a:prstClr val="black"/>
+                </a:solidFill>
+                <a:effectLst/>
+                <a:uLnTx/>
+                <a:uFillTx/>
+                <a:latin typeface="Calibri"/>
+                <a:ea typeface="+mn-ea"/>
+                <a:cs typeface="+mn-cs"/>
+              </a:rPr>
+              <a:t>ACQUERIR</a:t>
+            </a:r>
+          </a:p>
+          <a:p>
+            <a:pPr marL="0" marR="0" lvl="0" indent="0" algn="ctr" defTabSz="914400" eaLnBrk="1" fontAlgn="auto" latinLnBrk="0" hangingPunct="1">
+              <a:lnSpc>
+                <a:spcPct val="100000"/>
+              </a:lnSpc>
+              <a:spcBef>
+                <a:spcPts val="0"/>
+              </a:spcBef>
+              <a:spcAft>
+                <a:spcPts val="0"/>
+              </a:spcAft>
+              <a:buClrTx/>
+              <a:buSzTx/>
+              <a:buFontTx/>
+              <a:buNone/>
+              <a:tabLst/>
+              <a:defRPr/>
+            </a:pPr>
+            <a:r>
+              <a:rPr lang="fr-FR" sz="1400" kern="0" dirty="0">
+                <a:solidFill>
+                  <a:prstClr val="black"/>
+                </a:solidFill>
+                <a:latin typeface="Calibri"/>
+              </a:rPr>
+              <a:t>Capteur cardiaque…</a:t>
+            </a:r>
+            <a:endParaRPr kumimoji="0" lang="fr-FR" sz="1400" b="0" i="0" u="none" strike="noStrike" kern="0" cap="none" spc="0" normalizeH="0" baseline="0" noProof="0" dirty="0">
+              <a:ln>
+                <a:noFill/>
+              </a:ln>
+              <a:solidFill>
+                <a:prstClr val="black"/>
+              </a:solidFill>
+              <a:effectLst/>
+              <a:uLnTx/>
+              <a:uFillTx/>
+              <a:latin typeface="Calibri"/>
+              <a:ea typeface="+mn-ea"/>
+              <a:cs typeface="+mn-cs"/>
+            </a:endParaRPr>
+          </a:p>
+        </p:txBody>
+      </p:sp>
+      <p:sp>
+        <p:nvSpPr>
+          <p:cNvPr id="8" name="Rectangle 7"/>
+          <p:cNvSpPr/>
+          <p:nvPr/>
+        </p:nvSpPr>
+        <p:spPr>
+          <a:xfrm>
+            <a:off x="2699792" y="908720"/>
+            <a:ext cx="1620000" cy="694102"/>
+          </a:xfrm>
+          <a:prstGeom prst="rect">
+            <a:avLst/>
+          </a:prstGeom>
+          <a:gradFill rotWithShape="1">
+            <a:gsLst>
+              <a:gs pos="0">
+                <a:srgbClr val="4F81BD">
+                  <a:tint val="50000"/>
+                  <a:satMod val="300000"/>
+                </a:srgbClr>
+              </a:gs>
+              <a:gs pos="35000">
+                <a:srgbClr val="4F81BD">
+                  <a:tint val="37000"/>
+                  <a:satMod val="300000"/>
+                </a:srgbClr>
+              </a:gs>
+              <a:gs pos="100000">
+                <a:srgbClr val="4F81BD">
+                  <a:tint val="15000"/>
+                  <a:satMod val="350000"/>
+                </a:srgbClr>
+              </a:gs>
+            </a:gsLst>
+            <a:lin ang="16200000" scaled="1"/>
+          </a:gradFill>
+          <a:ln w="9525" cap="flat" cmpd="sng" algn="ctr">
+            <a:solidFill>
+              <a:srgbClr val="4F81BD">
+                <a:shade val="95000"/>
+                <a:satMod val="105000"/>
+              </a:srgbClr>
+            </a:solidFill>
+            <a:prstDash val="solid"/>
+          </a:ln>
+          <a:effectLst>
+            <a:outerShdw blurRad="40000" dist="20000" dir="5400000" rotWithShape="0">
+              <a:srgbClr val="000000">
+                <a:alpha val="38000"/>
+              </a:srgbClr>
+            </a:outerShdw>
+          </a:effectLst>
+        </p:spPr>
+        <p:txBody>
+          <a:bodyPr rtlCol="0" anchor="t"/>
+          <a:lstStyle/>
+          <a:p>
+            <a:pPr marL="0" marR="0" lvl="0" indent="0" algn="ctr" defTabSz="914400" eaLnBrk="1" fontAlgn="auto" latinLnBrk="0" hangingPunct="1">
+              <a:lnSpc>
+                <a:spcPct val="100000"/>
+              </a:lnSpc>
+              <a:spcBef>
+                <a:spcPts val="0"/>
+              </a:spcBef>
+              <a:spcAft>
+                <a:spcPts val="0"/>
+              </a:spcAft>
+              <a:buClrTx/>
+              <a:buSzTx/>
+              <a:buFontTx/>
+              <a:buNone/>
+              <a:tabLst/>
+              <a:defRPr/>
+            </a:pPr>
+            <a:r>
+              <a:rPr kumimoji="0" lang="fr-FR" sz="1400" b="0" i="0" u="none" strike="noStrike" kern="0" cap="none" spc="0" normalizeH="0" baseline="0" noProof="0" dirty="0">
+                <a:ln>
+                  <a:noFill/>
+                </a:ln>
+                <a:solidFill>
+                  <a:prstClr val="black"/>
+                </a:solidFill>
+                <a:effectLst/>
+                <a:uLnTx/>
+                <a:uFillTx/>
+                <a:latin typeface="Calibri"/>
+                <a:ea typeface="+mn-ea"/>
+                <a:cs typeface="+mn-cs"/>
+              </a:rPr>
+              <a:t>TRAITER</a:t>
+            </a:r>
+          </a:p>
+          <a:p>
+            <a:pPr marL="0" marR="0" lvl="0" indent="0" algn="ctr" defTabSz="914400" eaLnBrk="1" fontAlgn="auto" latinLnBrk="0" hangingPunct="1">
+              <a:lnSpc>
+                <a:spcPct val="100000"/>
+              </a:lnSpc>
+              <a:spcBef>
+                <a:spcPts val="0"/>
+              </a:spcBef>
+              <a:spcAft>
+                <a:spcPts val="0"/>
+              </a:spcAft>
+              <a:buClrTx/>
+              <a:buSzTx/>
+              <a:buFontTx/>
+              <a:buNone/>
+              <a:tabLst/>
+              <a:defRPr/>
+            </a:pPr>
+            <a:r>
+              <a:rPr lang="fr-FR" sz="1400" kern="0" dirty="0">
+                <a:solidFill>
+                  <a:prstClr val="black"/>
+                </a:solidFill>
+                <a:latin typeface="Calibri"/>
+              </a:rPr>
+              <a:t>Électronique de commande</a:t>
+            </a:r>
+            <a:endParaRPr kumimoji="0" lang="fr-FR" sz="1400" b="0" i="0" u="none" strike="noStrike" kern="0" cap="none" spc="0" normalizeH="0" baseline="0" noProof="0" dirty="0">
+              <a:ln>
+                <a:noFill/>
+              </a:ln>
+              <a:solidFill>
+                <a:prstClr val="black"/>
+              </a:solidFill>
+              <a:effectLst/>
+              <a:uLnTx/>
+              <a:uFillTx/>
+              <a:latin typeface="Calibri"/>
+              <a:ea typeface="+mn-ea"/>
+              <a:cs typeface="+mn-cs"/>
+            </a:endParaRPr>
+          </a:p>
+        </p:txBody>
+      </p:sp>
+      <p:sp>
+        <p:nvSpPr>
+          <p:cNvPr id="9" name="Rectangle 8"/>
+          <p:cNvSpPr/>
+          <p:nvPr/>
+        </p:nvSpPr>
+        <p:spPr>
+          <a:xfrm>
+            <a:off x="4804257" y="908720"/>
+            <a:ext cx="1620000" cy="709738"/>
+          </a:xfrm>
+          <a:prstGeom prst="rect">
+            <a:avLst/>
+          </a:prstGeom>
+          <a:gradFill rotWithShape="1">
+            <a:gsLst>
+              <a:gs pos="0">
+                <a:srgbClr val="4F81BD">
+                  <a:tint val="50000"/>
+                  <a:satMod val="300000"/>
+                </a:srgbClr>
+              </a:gs>
+              <a:gs pos="35000">
+                <a:srgbClr val="4F81BD">
+                  <a:tint val="37000"/>
+                  <a:satMod val="300000"/>
+                </a:srgbClr>
+              </a:gs>
+              <a:gs pos="100000">
+                <a:srgbClr val="4F81BD">
+                  <a:tint val="15000"/>
+                  <a:satMod val="350000"/>
+                </a:srgbClr>
+              </a:gs>
+            </a:gsLst>
+            <a:lin ang="16200000" scaled="1"/>
+          </a:gradFill>
+          <a:ln w="9525" cap="flat" cmpd="sng" algn="ctr">
+            <a:solidFill>
+              <a:srgbClr val="4F81BD">
+                <a:shade val="95000"/>
+                <a:satMod val="105000"/>
+              </a:srgbClr>
+            </a:solidFill>
+            <a:prstDash val="solid"/>
+          </a:ln>
+          <a:effectLst>
+            <a:outerShdw blurRad="40000" dist="20000" dir="5400000" rotWithShape="0">
+              <a:srgbClr val="000000">
+                <a:alpha val="38000"/>
+              </a:srgbClr>
+            </a:outerShdw>
+          </a:effectLst>
+        </p:spPr>
+        <p:txBody>
+          <a:bodyPr rtlCol="0" anchor="t"/>
+          <a:lstStyle/>
+          <a:p>
+            <a:pPr marL="0" marR="0" lvl="0" indent="0" algn="ctr" defTabSz="914400" eaLnBrk="1" fontAlgn="auto" latinLnBrk="0" hangingPunct="1">
+              <a:lnSpc>
+                <a:spcPct val="100000"/>
+              </a:lnSpc>
+              <a:spcBef>
+                <a:spcPts val="0"/>
+              </a:spcBef>
+              <a:spcAft>
+                <a:spcPts val="0"/>
+              </a:spcAft>
+              <a:buClrTx/>
+              <a:buSzTx/>
+              <a:buFontTx/>
+              <a:buNone/>
+              <a:tabLst/>
+              <a:defRPr/>
+            </a:pPr>
+            <a:r>
+              <a:rPr kumimoji="0" lang="fr-FR" sz="1400" b="0" i="0" u="none" strike="noStrike" kern="0" cap="none" spc="0" normalizeH="0" baseline="0" noProof="0" dirty="0">
+                <a:ln>
+                  <a:noFill/>
+                </a:ln>
+                <a:solidFill>
+                  <a:prstClr val="black"/>
+                </a:solidFill>
+                <a:effectLst/>
+                <a:uLnTx/>
+                <a:uFillTx/>
+                <a:latin typeface="Calibri"/>
+                <a:ea typeface="+mn-ea"/>
+                <a:cs typeface="+mn-cs"/>
+              </a:rPr>
+              <a:t>COMMUNIQUER</a:t>
+            </a:r>
+          </a:p>
+          <a:p>
+            <a:pPr marL="0" marR="0" lvl="0" indent="0" algn="ctr" defTabSz="914400" eaLnBrk="1" fontAlgn="auto" latinLnBrk="0" hangingPunct="1">
+              <a:lnSpc>
+                <a:spcPct val="100000"/>
+              </a:lnSpc>
+              <a:spcBef>
+                <a:spcPts val="0"/>
+              </a:spcBef>
+              <a:spcAft>
+                <a:spcPts val="0"/>
+              </a:spcAft>
+              <a:buClrTx/>
+              <a:buSzTx/>
+              <a:buFontTx/>
+              <a:buNone/>
+              <a:tabLst/>
+              <a:defRPr/>
+            </a:pPr>
+            <a:r>
+              <a:rPr lang="fr-FR" sz="1400" kern="0" dirty="0">
+                <a:solidFill>
+                  <a:prstClr val="black"/>
+                </a:solidFill>
+                <a:latin typeface="Calibri"/>
+              </a:rPr>
+              <a:t>Écran/interface…</a:t>
+            </a:r>
+            <a:endParaRPr kumimoji="0" lang="fr-FR" sz="1400" b="0" i="0" u="none" strike="noStrike" kern="0" cap="none" spc="0" normalizeH="0" baseline="0" noProof="0" dirty="0">
+              <a:ln>
+                <a:noFill/>
+              </a:ln>
+              <a:solidFill>
+                <a:prstClr val="black"/>
+              </a:solidFill>
+              <a:effectLst/>
+              <a:uLnTx/>
+              <a:uFillTx/>
+              <a:latin typeface="Calibri"/>
+              <a:ea typeface="+mn-ea"/>
+              <a:cs typeface="+mn-cs"/>
+            </a:endParaRPr>
+          </a:p>
+        </p:txBody>
+      </p:sp>
+      <p:sp>
+        <p:nvSpPr>
+          <p:cNvPr id="10" name="Rectangle 9"/>
+          <p:cNvSpPr/>
+          <p:nvPr/>
+        </p:nvSpPr>
+        <p:spPr>
+          <a:xfrm>
+            <a:off x="593482" y="3067151"/>
+            <a:ext cx="1620000" cy="687554"/>
+          </a:xfrm>
+          <a:prstGeom prst="rect">
+            <a:avLst/>
+          </a:prstGeom>
+          <a:gradFill rotWithShape="1">
+            <a:gsLst>
+              <a:gs pos="0">
+                <a:srgbClr val="C0504D">
+                  <a:tint val="50000"/>
+                  <a:satMod val="300000"/>
+                </a:srgbClr>
+              </a:gs>
+              <a:gs pos="35000">
+                <a:srgbClr val="C0504D">
+                  <a:tint val="37000"/>
+                  <a:satMod val="300000"/>
+                </a:srgbClr>
+              </a:gs>
+              <a:gs pos="100000">
+                <a:srgbClr val="C0504D">
+                  <a:tint val="15000"/>
+                  <a:satMod val="350000"/>
+                </a:srgbClr>
+              </a:gs>
+            </a:gsLst>
+            <a:lin ang="16200000" scaled="1"/>
+          </a:gradFill>
+          <a:ln w="9525" cap="flat" cmpd="sng" algn="ctr">
+            <a:solidFill>
+              <a:srgbClr val="C0504D">
+                <a:shade val="95000"/>
+                <a:satMod val="105000"/>
+              </a:srgbClr>
+            </a:solidFill>
+            <a:prstDash val="solid"/>
+          </a:ln>
+          <a:effectLst>
+            <a:outerShdw blurRad="40000" dist="20000" dir="5400000" rotWithShape="0">
+              <a:srgbClr val="000000">
+                <a:alpha val="38000"/>
+              </a:srgbClr>
+            </a:outerShdw>
+          </a:effectLst>
+        </p:spPr>
+        <p:txBody>
+          <a:bodyPr rtlCol="0" anchor="t"/>
+          <a:lstStyle/>
+          <a:p>
+            <a:pPr marL="0" marR="0" lvl="0" indent="0" algn="ctr" defTabSz="914400" eaLnBrk="1" fontAlgn="auto" latinLnBrk="0" hangingPunct="1">
+              <a:lnSpc>
+                <a:spcPct val="100000"/>
+              </a:lnSpc>
+              <a:spcBef>
+                <a:spcPts val="0"/>
+              </a:spcBef>
+              <a:spcAft>
+                <a:spcPts val="0"/>
+              </a:spcAft>
+              <a:buClrTx/>
+              <a:buSzTx/>
+              <a:buFontTx/>
+              <a:buNone/>
+              <a:tabLst/>
+              <a:defRPr/>
+            </a:pPr>
+            <a:r>
+              <a:rPr kumimoji="0" lang="fr-FR" sz="1400" b="0" i="0" u="none" strike="noStrike" kern="0" cap="none" spc="0" normalizeH="0" baseline="0" noProof="0" dirty="0">
+                <a:ln>
+                  <a:noFill/>
+                </a:ln>
+                <a:solidFill>
+                  <a:prstClr val="black"/>
+                </a:solidFill>
+                <a:effectLst/>
+                <a:uLnTx/>
+                <a:uFillTx/>
+                <a:latin typeface="Calibri"/>
+                <a:ea typeface="+mn-ea"/>
+                <a:cs typeface="+mn-cs"/>
+              </a:rPr>
+              <a:t>ALIMENTER</a:t>
+            </a:r>
+          </a:p>
+          <a:p>
+            <a:pPr marL="0" marR="0" lvl="0" indent="0" algn="ctr" defTabSz="914400" eaLnBrk="1" fontAlgn="auto" latinLnBrk="0" hangingPunct="1">
+              <a:lnSpc>
+                <a:spcPct val="100000"/>
+              </a:lnSpc>
+              <a:spcBef>
+                <a:spcPts val="0"/>
+              </a:spcBef>
+              <a:spcAft>
+                <a:spcPts val="0"/>
+              </a:spcAft>
+              <a:buClrTx/>
+              <a:buSzTx/>
+              <a:buFontTx/>
+              <a:buNone/>
+              <a:tabLst/>
+              <a:defRPr/>
+            </a:pPr>
+            <a:r>
+              <a:rPr lang="fr-FR" sz="1400" kern="0" dirty="0">
+                <a:solidFill>
+                  <a:prstClr val="black"/>
+                </a:solidFill>
+                <a:latin typeface="Calibri"/>
+              </a:rPr>
+              <a:t>Alimentation</a:t>
+            </a:r>
+            <a:endParaRPr kumimoji="0" lang="fr-FR" sz="1400" b="0" i="0" u="none" strike="noStrike" kern="0" cap="none" spc="0" normalizeH="0" baseline="0" noProof="0" dirty="0">
+              <a:ln>
+                <a:noFill/>
+              </a:ln>
+              <a:solidFill>
+                <a:prstClr val="black"/>
+              </a:solidFill>
+              <a:effectLst/>
+              <a:uLnTx/>
+              <a:uFillTx/>
+              <a:latin typeface="Calibri"/>
+              <a:ea typeface="+mn-ea"/>
+              <a:cs typeface="+mn-cs"/>
+            </a:endParaRPr>
+          </a:p>
+        </p:txBody>
+      </p:sp>
+      <p:sp>
+        <p:nvSpPr>
+          <p:cNvPr id="11" name="Rectangle 10"/>
+          <p:cNvSpPr/>
+          <p:nvPr/>
+        </p:nvSpPr>
+        <p:spPr>
+          <a:xfrm>
+            <a:off x="2699792" y="3067151"/>
+            <a:ext cx="1620000" cy="687554"/>
+          </a:xfrm>
+          <a:prstGeom prst="rect">
+            <a:avLst/>
+          </a:prstGeom>
+          <a:gradFill rotWithShape="1">
+            <a:gsLst>
+              <a:gs pos="0">
+                <a:srgbClr val="C0504D">
+                  <a:tint val="50000"/>
+                  <a:satMod val="300000"/>
+                </a:srgbClr>
+              </a:gs>
+              <a:gs pos="35000">
+                <a:srgbClr val="C0504D">
+                  <a:tint val="37000"/>
+                  <a:satMod val="300000"/>
+                </a:srgbClr>
+              </a:gs>
+              <a:gs pos="100000">
+                <a:srgbClr val="C0504D">
+                  <a:tint val="15000"/>
+                  <a:satMod val="350000"/>
+                </a:srgbClr>
+              </a:gs>
+            </a:gsLst>
+            <a:lin ang="16200000" scaled="1"/>
+          </a:gradFill>
+          <a:ln w="9525" cap="flat" cmpd="sng" algn="ctr">
+            <a:solidFill>
+              <a:srgbClr val="C0504D">
+                <a:shade val="95000"/>
+                <a:satMod val="105000"/>
+              </a:srgbClr>
+            </a:solidFill>
+            <a:prstDash val="solid"/>
+          </a:ln>
+          <a:effectLst>
+            <a:outerShdw blurRad="40000" dist="20000" dir="5400000" rotWithShape="0">
+              <a:srgbClr val="000000">
+                <a:alpha val="38000"/>
+              </a:srgbClr>
+            </a:outerShdw>
+          </a:effectLst>
+        </p:spPr>
+        <p:txBody>
+          <a:bodyPr rtlCol="0" anchor="t"/>
+          <a:lstStyle/>
+          <a:p>
+            <a:pPr marL="0" marR="0" lvl="0" indent="0" algn="ctr" defTabSz="914400" eaLnBrk="1" fontAlgn="auto" latinLnBrk="0" hangingPunct="1">
+              <a:lnSpc>
+                <a:spcPct val="100000"/>
+              </a:lnSpc>
+              <a:spcBef>
+                <a:spcPts val="0"/>
+              </a:spcBef>
+              <a:spcAft>
+                <a:spcPts val="0"/>
+              </a:spcAft>
+              <a:buClrTx/>
+              <a:buSzTx/>
+              <a:buFontTx/>
+              <a:buNone/>
+              <a:tabLst/>
+              <a:defRPr/>
+            </a:pPr>
+            <a:r>
+              <a:rPr kumimoji="0" lang="fr-FR" sz="1400" b="0" i="0" u="none" strike="noStrike" kern="0" cap="none" spc="0" normalizeH="0" baseline="0" noProof="0" dirty="0">
+                <a:ln>
+                  <a:noFill/>
+                </a:ln>
+                <a:solidFill>
+                  <a:prstClr val="black"/>
+                </a:solidFill>
+                <a:effectLst/>
+                <a:uLnTx/>
+                <a:uFillTx/>
+                <a:latin typeface="Calibri"/>
+                <a:ea typeface="+mn-ea"/>
+                <a:cs typeface="+mn-cs"/>
+              </a:rPr>
+              <a:t>DISTRIBUER</a:t>
+            </a:r>
+          </a:p>
+          <a:p>
+            <a:pPr marL="0" marR="0" lvl="0" indent="0" algn="ctr" defTabSz="914400" eaLnBrk="1" fontAlgn="auto" latinLnBrk="0" hangingPunct="1">
+              <a:lnSpc>
+                <a:spcPct val="100000"/>
+              </a:lnSpc>
+              <a:spcBef>
+                <a:spcPts val="0"/>
+              </a:spcBef>
+              <a:spcAft>
+                <a:spcPts val="0"/>
+              </a:spcAft>
+              <a:buClrTx/>
+              <a:buSzTx/>
+              <a:buFontTx/>
+              <a:buNone/>
+              <a:tabLst/>
+              <a:defRPr/>
+            </a:pPr>
+            <a:r>
+              <a:rPr lang="fr-FR" sz="1400" kern="0" dirty="0">
+                <a:solidFill>
+                  <a:prstClr val="black"/>
+                </a:solidFill>
+                <a:latin typeface="Calibri"/>
+              </a:rPr>
+              <a:t>Électronique de commande</a:t>
+            </a:r>
+            <a:endParaRPr kumimoji="0" lang="fr-FR" sz="1400" b="0" i="0" u="none" strike="noStrike" kern="0" cap="none" spc="0" normalizeH="0" baseline="0" noProof="0" dirty="0">
+              <a:ln>
+                <a:noFill/>
+              </a:ln>
+              <a:solidFill>
+                <a:prstClr val="black"/>
+              </a:solidFill>
+              <a:effectLst/>
+              <a:uLnTx/>
+              <a:uFillTx/>
+              <a:latin typeface="Calibri"/>
+              <a:ea typeface="+mn-ea"/>
+              <a:cs typeface="+mn-cs"/>
+            </a:endParaRPr>
+          </a:p>
+        </p:txBody>
+      </p:sp>
+      <p:sp>
+        <p:nvSpPr>
+          <p:cNvPr id="12" name="Rectangle 11"/>
+          <p:cNvSpPr/>
+          <p:nvPr/>
+        </p:nvSpPr>
+        <p:spPr>
+          <a:xfrm>
+            <a:off x="4804257" y="3067151"/>
+            <a:ext cx="1620000" cy="687554"/>
+          </a:xfrm>
+          <a:prstGeom prst="rect">
+            <a:avLst/>
+          </a:prstGeom>
+          <a:gradFill rotWithShape="1">
+            <a:gsLst>
+              <a:gs pos="0">
+                <a:srgbClr val="C0504D">
+                  <a:tint val="50000"/>
+                  <a:satMod val="300000"/>
+                </a:srgbClr>
+              </a:gs>
+              <a:gs pos="35000">
+                <a:srgbClr val="C0504D">
+                  <a:tint val="37000"/>
+                  <a:satMod val="300000"/>
+                </a:srgbClr>
+              </a:gs>
+              <a:gs pos="100000">
+                <a:srgbClr val="C0504D">
+                  <a:tint val="15000"/>
+                  <a:satMod val="350000"/>
+                </a:srgbClr>
+              </a:gs>
+            </a:gsLst>
+            <a:lin ang="16200000" scaled="1"/>
+          </a:gradFill>
+          <a:ln w="9525" cap="flat" cmpd="sng" algn="ctr">
+            <a:solidFill>
+              <a:srgbClr val="C0504D">
+                <a:shade val="95000"/>
+                <a:satMod val="105000"/>
+              </a:srgbClr>
+            </a:solidFill>
+            <a:prstDash val="solid"/>
+          </a:ln>
+          <a:effectLst>
+            <a:outerShdw blurRad="40000" dist="20000" dir="5400000" rotWithShape="0">
+              <a:srgbClr val="000000">
+                <a:alpha val="38000"/>
+              </a:srgbClr>
+            </a:outerShdw>
+          </a:effectLst>
+        </p:spPr>
+        <p:txBody>
+          <a:bodyPr rtlCol="0" anchor="t"/>
+          <a:lstStyle/>
+          <a:p>
+            <a:pPr marL="0" marR="0" lvl="0" indent="0" algn="ctr" defTabSz="914400" eaLnBrk="1" fontAlgn="auto" latinLnBrk="0" hangingPunct="1">
+              <a:lnSpc>
+                <a:spcPct val="100000"/>
+              </a:lnSpc>
+              <a:spcBef>
+                <a:spcPts val="0"/>
+              </a:spcBef>
+              <a:spcAft>
+                <a:spcPts val="0"/>
+              </a:spcAft>
+              <a:buClrTx/>
+              <a:buSzTx/>
+              <a:buFontTx/>
+              <a:buNone/>
+              <a:tabLst/>
+              <a:defRPr/>
+            </a:pPr>
+            <a:r>
+              <a:rPr kumimoji="0" lang="fr-FR" sz="1400" b="0" i="0" u="none" strike="noStrike" kern="0" cap="none" spc="0" normalizeH="0" baseline="0" noProof="0" dirty="0">
+                <a:ln>
+                  <a:noFill/>
+                </a:ln>
+                <a:solidFill>
+                  <a:prstClr val="black"/>
+                </a:solidFill>
+                <a:effectLst/>
+                <a:uLnTx/>
+                <a:uFillTx/>
+                <a:latin typeface="Calibri"/>
+                <a:ea typeface="+mn-ea"/>
+                <a:cs typeface="+mn-cs"/>
+              </a:rPr>
+              <a:t>CONVERTIR</a:t>
+            </a:r>
+          </a:p>
+          <a:p>
+            <a:pPr marL="0" marR="0" lvl="0" indent="0" algn="ctr" defTabSz="914400" eaLnBrk="1" fontAlgn="auto" latinLnBrk="0" hangingPunct="1">
+              <a:lnSpc>
+                <a:spcPct val="100000"/>
+              </a:lnSpc>
+              <a:spcBef>
+                <a:spcPts val="0"/>
+              </a:spcBef>
+              <a:spcAft>
+                <a:spcPts val="0"/>
+              </a:spcAft>
+              <a:buClrTx/>
+              <a:buSzTx/>
+              <a:buFontTx/>
+              <a:buNone/>
+              <a:tabLst/>
+              <a:defRPr/>
+            </a:pPr>
+            <a:r>
+              <a:rPr lang="fr-FR" sz="1400" kern="0" dirty="0">
+                <a:solidFill>
+                  <a:prstClr val="black"/>
+                </a:solidFill>
+                <a:latin typeface="Calibri"/>
+              </a:rPr>
+              <a:t>Moteur</a:t>
+            </a:r>
+            <a:endParaRPr kumimoji="0" lang="fr-FR" sz="1400" b="0" i="0" u="none" strike="noStrike" kern="0" cap="none" spc="0" normalizeH="0" baseline="0" noProof="0" dirty="0">
+              <a:ln>
+                <a:noFill/>
+              </a:ln>
+              <a:solidFill>
+                <a:prstClr val="black"/>
+              </a:solidFill>
+              <a:effectLst/>
+              <a:uLnTx/>
+              <a:uFillTx/>
+              <a:latin typeface="Calibri"/>
+              <a:ea typeface="+mn-ea"/>
+              <a:cs typeface="+mn-cs"/>
+            </a:endParaRPr>
+          </a:p>
+        </p:txBody>
+      </p:sp>
+      <p:sp>
+        <p:nvSpPr>
+          <p:cNvPr id="13" name="Rectangle 12"/>
+          <p:cNvSpPr/>
+          <p:nvPr/>
+        </p:nvSpPr>
+        <p:spPr>
+          <a:xfrm>
+            <a:off x="6863442" y="3067151"/>
+            <a:ext cx="1620000" cy="687554"/>
+          </a:xfrm>
+          <a:prstGeom prst="rect">
+            <a:avLst/>
+          </a:prstGeom>
+          <a:gradFill rotWithShape="1">
+            <a:gsLst>
+              <a:gs pos="0">
+                <a:srgbClr val="C0504D">
+                  <a:tint val="50000"/>
+                  <a:satMod val="300000"/>
+                </a:srgbClr>
+              </a:gs>
+              <a:gs pos="35000">
+                <a:srgbClr val="C0504D">
+                  <a:tint val="37000"/>
+                  <a:satMod val="300000"/>
+                </a:srgbClr>
+              </a:gs>
+              <a:gs pos="100000">
+                <a:srgbClr val="C0504D">
+                  <a:tint val="15000"/>
+                  <a:satMod val="350000"/>
+                </a:srgbClr>
+              </a:gs>
+            </a:gsLst>
+            <a:lin ang="16200000" scaled="1"/>
+          </a:gradFill>
+          <a:ln w="9525" cap="flat" cmpd="sng" algn="ctr">
+            <a:solidFill>
+              <a:srgbClr val="C0504D">
+                <a:shade val="95000"/>
+                <a:satMod val="105000"/>
+              </a:srgbClr>
+            </a:solidFill>
+            <a:prstDash val="solid"/>
+          </a:ln>
+          <a:effectLst>
+            <a:outerShdw blurRad="40000" dist="20000" dir="5400000" rotWithShape="0">
+              <a:srgbClr val="000000">
+                <a:alpha val="38000"/>
+              </a:srgbClr>
+            </a:outerShdw>
+          </a:effectLst>
+        </p:spPr>
+        <p:txBody>
+          <a:bodyPr rtlCol="0" anchor="t"/>
+          <a:lstStyle/>
+          <a:p>
+            <a:pPr marL="0" marR="0" lvl="0" indent="0" algn="ctr" defTabSz="914400" eaLnBrk="1" fontAlgn="auto" latinLnBrk="0" hangingPunct="1">
+              <a:lnSpc>
+                <a:spcPct val="100000"/>
+              </a:lnSpc>
+              <a:spcBef>
+                <a:spcPts val="0"/>
+              </a:spcBef>
+              <a:spcAft>
+                <a:spcPts val="0"/>
+              </a:spcAft>
+              <a:buClrTx/>
+              <a:buSzTx/>
+              <a:buFontTx/>
+              <a:buNone/>
+              <a:tabLst/>
+              <a:defRPr/>
+            </a:pPr>
+            <a:r>
+              <a:rPr kumimoji="0" lang="fr-FR" sz="1400" b="0" i="0" u="none" strike="noStrike" kern="0" cap="none" spc="0" normalizeH="0" baseline="0" noProof="0" dirty="0">
+                <a:ln>
+                  <a:noFill/>
+                </a:ln>
+                <a:solidFill>
+                  <a:prstClr val="black"/>
+                </a:solidFill>
+                <a:effectLst/>
+                <a:uLnTx/>
+                <a:uFillTx/>
+                <a:latin typeface="Calibri"/>
+                <a:ea typeface="+mn-ea"/>
+                <a:cs typeface="+mn-cs"/>
+              </a:rPr>
+              <a:t>TRANSMETTRE</a:t>
+            </a:r>
+          </a:p>
+          <a:p>
+            <a:pPr marL="0" marR="0" lvl="0" indent="0" algn="ctr" defTabSz="914400" eaLnBrk="1" fontAlgn="auto" latinLnBrk="0" hangingPunct="1">
+              <a:lnSpc>
+                <a:spcPct val="100000"/>
+              </a:lnSpc>
+              <a:spcBef>
+                <a:spcPts val="0"/>
+              </a:spcBef>
+              <a:spcAft>
+                <a:spcPts val="0"/>
+              </a:spcAft>
+              <a:buClrTx/>
+              <a:buSzTx/>
+              <a:buFontTx/>
+              <a:buNone/>
+              <a:tabLst/>
+              <a:defRPr/>
+            </a:pPr>
+            <a:r>
+              <a:rPr lang="fr-FR" sz="1400" kern="0" dirty="0">
+                <a:solidFill>
+                  <a:prstClr val="black"/>
+                </a:solidFill>
+                <a:latin typeface="Calibri"/>
+              </a:rPr>
+              <a:t>Poulie – Courroie</a:t>
+            </a:r>
+          </a:p>
+        </p:txBody>
+      </p:sp>
+      <p:sp>
+        <p:nvSpPr>
+          <p:cNvPr id="14" name="Rectangle 13"/>
+          <p:cNvSpPr/>
+          <p:nvPr/>
+        </p:nvSpPr>
+        <p:spPr>
+          <a:xfrm>
+            <a:off x="8892480" y="1885771"/>
+            <a:ext cx="1620000" cy="3055397"/>
+          </a:xfrm>
+          <a:prstGeom prst="rect">
+            <a:avLst/>
+          </a:prstGeom>
+          <a:gradFill rotWithShape="1">
+            <a:gsLst>
+              <a:gs pos="0">
+                <a:srgbClr val="F79646">
+                  <a:tint val="50000"/>
+                  <a:satMod val="300000"/>
+                </a:srgbClr>
+              </a:gs>
+              <a:gs pos="35000">
+                <a:srgbClr val="F79646">
+                  <a:tint val="37000"/>
+                  <a:satMod val="300000"/>
+                </a:srgbClr>
+              </a:gs>
+              <a:gs pos="100000">
+                <a:srgbClr val="F79646">
+                  <a:tint val="15000"/>
+                  <a:satMod val="350000"/>
+                </a:srgbClr>
+              </a:gs>
+            </a:gsLst>
+            <a:lin ang="16200000" scaled="1"/>
+          </a:gradFill>
+          <a:ln w="9525" cap="flat" cmpd="sng" algn="ctr">
+            <a:solidFill>
+              <a:srgbClr val="F79646">
+                <a:shade val="95000"/>
+                <a:satMod val="105000"/>
+              </a:srgbClr>
+            </a:solidFill>
+            <a:prstDash val="solid"/>
+          </a:ln>
+          <a:effectLst>
+            <a:outerShdw blurRad="40000" dist="20000" dir="5400000" rotWithShape="0">
+              <a:srgbClr val="000000">
+                <a:alpha val="38000"/>
+              </a:srgbClr>
+            </a:outerShdw>
+          </a:effectLst>
+        </p:spPr>
+        <p:txBody>
+          <a:bodyPr rtlCol="0" anchor="ctr"/>
+          <a:lstStyle/>
+          <a:p>
+            <a:pPr marL="0" marR="0" lvl="0" indent="0" algn="ctr" defTabSz="914400" eaLnBrk="1" fontAlgn="auto" latinLnBrk="0" hangingPunct="1">
+              <a:lnSpc>
+                <a:spcPct val="100000"/>
+              </a:lnSpc>
+              <a:spcBef>
+                <a:spcPts val="0"/>
+              </a:spcBef>
+              <a:spcAft>
+                <a:spcPts val="0"/>
+              </a:spcAft>
+              <a:buClrTx/>
+              <a:buSzTx/>
+              <a:buFontTx/>
+              <a:buNone/>
+              <a:tabLst/>
+              <a:defRPr/>
+            </a:pPr>
+            <a:r>
+              <a:rPr kumimoji="0" lang="fr-FR" sz="1400" b="0" i="0" u="none" strike="noStrike" kern="0" cap="none" spc="0" normalizeH="0" baseline="0" noProof="0" dirty="0">
                 <a:ln>
                   <a:noFill/>
                 </a:ln>
@@ -13287,7 +15310,570 @@
               </a:rPr>
               <a:t>Tapis</a:t>
             </a:r>
-            <a:endParaRPr kumimoji="0" lang="fr-FR" sz="1400" b="0" i="0" u="none" strike="noStrike" kern="0" cap="none" spc="0" normalizeH="0" baseline="0" noProof="0" dirty="0" smtClean="0">
+          </a:p>
+        </p:txBody>
+      </p:sp>
+      <p:cxnSp>
+        <p:nvCxnSpPr>
+          <p:cNvPr id="15" name="Connecteur droit avec flèche 14"/>
+          <p:cNvCxnSpPr/>
+          <p:nvPr/>
+        </p:nvCxnSpPr>
+        <p:spPr>
+          <a:xfrm>
+            <a:off x="107172" y="1476099"/>
+            <a:ext cx="486310" cy="8685"/>
+          </a:xfrm>
+          <a:prstGeom prst="straightConnector1">
+            <a:avLst/>
+          </a:prstGeom>
+          <a:noFill/>
+          <a:ln w="28575" cap="flat" cmpd="sng" algn="ctr">
+            <a:solidFill>
+              <a:srgbClr val="4F81BD">
+                <a:shade val="95000"/>
+                <a:satMod val="105000"/>
+              </a:srgbClr>
+            </a:solidFill>
+            <a:prstDash val="solid"/>
+            <a:tailEnd type="arrow"/>
+          </a:ln>
+          <a:effectLst/>
+        </p:spPr>
+      </p:cxnSp>
+      <p:cxnSp>
+        <p:nvCxnSpPr>
+          <p:cNvPr id="16" name="Connecteur droit avec flèche 15"/>
+          <p:cNvCxnSpPr>
+            <a:stCxn id="7" idx="3"/>
+            <a:endCxn id="8" idx="1"/>
+          </p:cNvCxnSpPr>
+          <p:nvPr/>
+        </p:nvCxnSpPr>
+        <p:spPr>
+          <a:xfrm>
+            <a:off x="2213482" y="1255771"/>
+            <a:ext cx="486310" cy="0"/>
+          </a:xfrm>
+          <a:prstGeom prst="straightConnector1">
+            <a:avLst/>
+          </a:prstGeom>
+          <a:noFill/>
+          <a:ln w="28575" cap="flat" cmpd="sng" algn="ctr">
+            <a:solidFill>
+              <a:srgbClr val="4F81BD">
+                <a:shade val="95000"/>
+                <a:satMod val="105000"/>
+              </a:srgbClr>
+            </a:solidFill>
+            <a:prstDash val="solid"/>
+            <a:tailEnd type="arrow"/>
+          </a:ln>
+          <a:effectLst/>
+        </p:spPr>
+      </p:cxnSp>
+      <p:cxnSp>
+        <p:nvCxnSpPr>
+          <p:cNvPr id="17" name="Connecteur droit avec flèche 16"/>
+          <p:cNvCxnSpPr>
+            <a:stCxn id="8" idx="3"/>
+            <a:endCxn id="9" idx="1"/>
+          </p:cNvCxnSpPr>
+          <p:nvPr/>
+        </p:nvCxnSpPr>
+        <p:spPr>
+          <a:xfrm>
+            <a:off x="4319792" y="1255771"/>
+            <a:ext cx="484465" cy="7818"/>
+          </a:xfrm>
+          <a:prstGeom prst="straightConnector1">
+            <a:avLst/>
+          </a:prstGeom>
+          <a:noFill/>
+          <a:ln w="28575" cap="flat" cmpd="sng" algn="ctr">
+            <a:solidFill>
+              <a:srgbClr val="4F81BD">
+                <a:shade val="95000"/>
+                <a:satMod val="105000"/>
+              </a:srgbClr>
+            </a:solidFill>
+            <a:prstDash val="solid"/>
+            <a:tailEnd type="arrow"/>
+          </a:ln>
+          <a:effectLst/>
+        </p:spPr>
+      </p:cxnSp>
+      <p:cxnSp>
+        <p:nvCxnSpPr>
+          <p:cNvPr id="18" name="Connecteur droit avec flèche 17"/>
+          <p:cNvCxnSpPr>
+            <a:stCxn id="9" idx="3"/>
+          </p:cNvCxnSpPr>
+          <p:nvPr/>
+        </p:nvCxnSpPr>
+        <p:spPr>
+          <a:xfrm>
+            <a:off x="6424257" y="1263589"/>
+            <a:ext cx="1249185" cy="0"/>
+          </a:xfrm>
+          <a:prstGeom prst="straightConnector1">
+            <a:avLst/>
+          </a:prstGeom>
+          <a:noFill/>
+          <a:ln w="28575" cap="flat" cmpd="sng" algn="ctr">
+            <a:solidFill>
+              <a:srgbClr val="4F81BD">
+                <a:shade val="95000"/>
+                <a:satMod val="105000"/>
+              </a:srgbClr>
+            </a:solidFill>
+            <a:prstDash val="solid"/>
+            <a:tailEnd type="arrow"/>
+          </a:ln>
+          <a:effectLst/>
+        </p:spPr>
+      </p:cxnSp>
+      <p:cxnSp>
+        <p:nvCxnSpPr>
+          <p:cNvPr id="20" name="Connecteur droit 19"/>
+          <p:cNvCxnSpPr/>
+          <p:nvPr/>
+        </p:nvCxnSpPr>
+        <p:spPr>
+          <a:xfrm>
+            <a:off x="2456637" y="2350241"/>
+            <a:ext cx="1067361" cy="0"/>
+          </a:xfrm>
+          <a:prstGeom prst="line">
+            <a:avLst/>
+          </a:prstGeom>
+          <a:noFill/>
+          <a:ln w="28575" cap="flat" cmpd="sng" algn="ctr">
+            <a:solidFill>
+              <a:srgbClr val="C0504D">
+                <a:shade val="95000"/>
+                <a:satMod val="105000"/>
+              </a:srgbClr>
+            </a:solidFill>
+            <a:prstDash val="solid"/>
+          </a:ln>
+          <a:effectLst/>
+        </p:spPr>
+      </p:cxnSp>
+      <p:cxnSp>
+        <p:nvCxnSpPr>
+          <p:cNvPr id="21" name="Connecteur droit 20"/>
+          <p:cNvCxnSpPr/>
+          <p:nvPr/>
+        </p:nvCxnSpPr>
+        <p:spPr>
+          <a:xfrm flipV="1">
+            <a:off x="3523998" y="1618458"/>
+            <a:ext cx="0" cy="721440"/>
+          </a:xfrm>
+          <a:prstGeom prst="line">
+            <a:avLst/>
+          </a:prstGeom>
+          <a:noFill/>
+          <a:ln w="28575" cap="flat" cmpd="sng" algn="ctr">
+            <a:solidFill>
+              <a:srgbClr val="C0504D">
+                <a:shade val="95000"/>
+                <a:satMod val="105000"/>
+              </a:srgbClr>
+            </a:solidFill>
+            <a:prstDash val="solid"/>
+          </a:ln>
+          <a:effectLst/>
+        </p:spPr>
+      </p:cxnSp>
+      <p:cxnSp>
+        <p:nvCxnSpPr>
+          <p:cNvPr id="22" name="Connecteur droit 21"/>
+          <p:cNvCxnSpPr/>
+          <p:nvPr/>
+        </p:nvCxnSpPr>
+        <p:spPr>
+          <a:xfrm flipV="1">
+            <a:off x="2456637" y="2345711"/>
+            <a:ext cx="0" cy="867265"/>
+          </a:xfrm>
+          <a:prstGeom prst="line">
+            <a:avLst/>
+          </a:prstGeom>
+          <a:noFill/>
+          <a:ln w="28575" cap="flat" cmpd="sng" algn="ctr">
+            <a:solidFill>
+              <a:srgbClr val="C0504D">
+                <a:shade val="95000"/>
+                <a:satMod val="105000"/>
+              </a:srgbClr>
+            </a:solidFill>
+            <a:prstDash val="solid"/>
+          </a:ln>
+          <a:effectLst/>
+        </p:spPr>
+      </p:cxnSp>
+      <p:cxnSp>
+        <p:nvCxnSpPr>
+          <p:cNvPr id="23" name="Connecteur droit 22"/>
+          <p:cNvCxnSpPr/>
+          <p:nvPr/>
+        </p:nvCxnSpPr>
+        <p:spPr>
+          <a:xfrm>
+            <a:off x="2456637" y="3212976"/>
+            <a:ext cx="243155" cy="0"/>
+          </a:xfrm>
+          <a:prstGeom prst="line">
+            <a:avLst/>
+          </a:prstGeom>
+          <a:noFill/>
+          <a:ln w="28575" cap="flat" cmpd="sng" algn="ctr">
+            <a:solidFill>
+              <a:srgbClr val="C0504D">
+                <a:shade val="95000"/>
+                <a:satMod val="105000"/>
+              </a:srgbClr>
+            </a:solidFill>
+            <a:prstDash val="solid"/>
+            <a:headEnd type="none" w="med" len="med"/>
+            <a:tailEnd type="arrow" w="med" len="med"/>
+          </a:ln>
+          <a:effectLst/>
+        </p:spPr>
+      </p:cxnSp>
+      <p:cxnSp>
+        <p:nvCxnSpPr>
+          <p:cNvPr id="24" name="Connecteur droit 23"/>
+          <p:cNvCxnSpPr>
+            <a:stCxn id="10" idx="3"/>
+            <a:endCxn id="11" idx="1"/>
+          </p:cNvCxnSpPr>
+          <p:nvPr/>
+        </p:nvCxnSpPr>
+        <p:spPr>
+          <a:xfrm>
+            <a:off x="2213482" y="3410928"/>
+            <a:ext cx="486310" cy="0"/>
+          </a:xfrm>
+          <a:prstGeom prst="line">
+            <a:avLst/>
+          </a:prstGeom>
+          <a:noFill/>
+          <a:ln w="28575" cap="flat" cmpd="sng" algn="ctr">
+            <a:solidFill>
+              <a:srgbClr val="C0504D">
+                <a:shade val="95000"/>
+                <a:satMod val="105000"/>
+              </a:srgbClr>
+            </a:solidFill>
+            <a:prstDash val="solid"/>
+            <a:headEnd type="none" w="med" len="med"/>
+            <a:tailEnd type="arrow" w="med" len="med"/>
+          </a:ln>
+          <a:effectLst/>
+        </p:spPr>
+      </p:cxnSp>
+      <p:cxnSp>
+        <p:nvCxnSpPr>
+          <p:cNvPr id="25" name="Connecteur droit 24"/>
+          <p:cNvCxnSpPr>
+            <a:stCxn id="11" idx="3"/>
+            <a:endCxn id="12" idx="1"/>
+          </p:cNvCxnSpPr>
+          <p:nvPr/>
+        </p:nvCxnSpPr>
+        <p:spPr>
+          <a:xfrm>
+            <a:off x="4319792" y="3410928"/>
+            <a:ext cx="484465" cy="0"/>
+          </a:xfrm>
+          <a:prstGeom prst="line">
+            <a:avLst/>
+          </a:prstGeom>
+          <a:noFill/>
+          <a:ln w="28575" cap="flat" cmpd="sng" algn="ctr">
+            <a:solidFill>
+              <a:srgbClr val="C0504D">
+                <a:shade val="95000"/>
+                <a:satMod val="105000"/>
+              </a:srgbClr>
+            </a:solidFill>
+            <a:prstDash val="solid"/>
+            <a:headEnd type="none" w="med" len="med"/>
+            <a:tailEnd type="arrow" w="med" len="med"/>
+          </a:ln>
+          <a:effectLst/>
+        </p:spPr>
+      </p:cxnSp>
+      <p:cxnSp>
+        <p:nvCxnSpPr>
+          <p:cNvPr id="26" name="Connecteur droit 25"/>
+          <p:cNvCxnSpPr>
+            <a:stCxn id="12" idx="3"/>
+            <a:endCxn id="13" idx="1"/>
+          </p:cNvCxnSpPr>
+          <p:nvPr/>
+        </p:nvCxnSpPr>
+        <p:spPr>
+          <a:xfrm>
+            <a:off x="6424257" y="3410928"/>
+            <a:ext cx="439185" cy="0"/>
+          </a:xfrm>
+          <a:prstGeom prst="line">
+            <a:avLst/>
+          </a:prstGeom>
+          <a:noFill/>
+          <a:ln w="28575" cap="flat" cmpd="sng" algn="ctr">
+            <a:solidFill>
+              <a:srgbClr val="C0504D">
+                <a:shade val="95000"/>
+                <a:satMod val="105000"/>
+              </a:srgbClr>
+            </a:solidFill>
+            <a:prstDash val="solid"/>
+            <a:headEnd type="none" w="med" len="med"/>
+            <a:tailEnd type="arrow" w="med" len="med"/>
+          </a:ln>
+          <a:effectLst/>
+        </p:spPr>
+      </p:cxnSp>
+      <p:cxnSp>
+        <p:nvCxnSpPr>
+          <p:cNvPr id="27" name="Connecteur droit 26"/>
+          <p:cNvCxnSpPr>
+            <a:stCxn id="13" idx="3"/>
+            <a:endCxn id="14" idx="1"/>
+          </p:cNvCxnSpPr>
+          <p:nvPr/>
+        </p:nvCxnSpPr>
+        <p:spPr>
+          <a:xfrm>
+            <a:off x="8483442" y="3410928"/>
+            <a:ext cx="409038" cy="2542"/>
+          </a:xfrm>
+          <a:prstGeom prst="line">
+            <a:avLst/>
+          </a:prstGeom>
+          <a:noFill/>
+          <a:ln w="28575" cap="flat" cmpd="sng" algn="ctr">
+            <a:solidFill>
+              <a:srgbClr val="C0504D">
+                <a:shade val="95000"/>
+                <a:satMod val="105000"/>
+              </a:srgbClr>
+            </a:solidFill>
+            <a:prstDash val="solid"/>
+            <a:headEnd type="none" w="med" len="med"/>
+            <a:tailEnd type="arrow" w="med" len="med"/>
+          </a:ln>
+          <a:effectLst/>
+        </p:spPr>
+      </p:cxnSp>
+      <p:cxnSp>
+        <p:nvCxnSpPr>
+          <p:cNvPr id="28" name="Connecteur droit 27"/>
+          <p:cNvCxnSpPr/>
+          <p:nvPr/>
+        </p:nvCxnSpPr>
+        <p:spPr>
+          <a:xfrm>
+            <a:off x="107172" y="3410928"/>
+            <a:ext cx="486310" cy="0"/>
+          </a:xfrm>
+          <a:prstGeom prst="line">
+            <a:avLst/>
+          </a:prstGeom>
+          <a:noFill/>
+          <a:ln w="28575" cap="flat" cmpd="sng" algn="ctr">
+            <a:solidFill>
+              <a:srgbClr val="C0504D">
+                <a:shade val="95000"/>
+                <a:satMod val="105000"/>
+              </a:srgbClr>
+            </a:solidFill>
+            <a:prstDash val="solid"/>
+            <a:headEnd type="none" w="med" len="med"/>
+            <a:tailEnd type="arrow" w="med" len="med"/>
+          </a:ln>
+          <a:effectLst/>
+        </p:spPr>
+      </p:cxnSp>
+      <p:cxnSp>
+        <p:nvCxnSpPr>
+          <p:cNvPr id="29" name="Connecteur droit 28"/>
+          <p:cNvCxnSpPr/>
+          <p:nvPr/>
+        </p:nvCxnSpPr>
+        <p:spPr>
+          <a:xfrm flipV="1">
+            <a:off x="8302419" y="-1"/>
+            <a:ext cx="0" cy="2779343"/>
+          </a:xfrm>
+          <a:prstGeom prst="line">
+            <a:avLst/>
+          </a:prstGeom>
+          <a:noFill/>
+          <a:ln w="28575" cap="flat" cmpd="sng" algn="ctr">
+            <a:solidFill>
+              <a:srgbClr val="92D050"/>
+            </a:solidFill>
+            <a:prstDash val="solid"/>
+          </a:ln>
+          <a:effectLst/>
+        </p:spPr>
+      </p:cxnSp>
+      <p:cxnSp>
+        <p:nvCxnSpPr>
+          <p:cNvPr id="30" name="Connecteur droit 29"/>
+          <p:cNvCxnSpPr/>
+          <p:nvPr/>
+        </p:nvCxnSpPr>
+        <p:spPr>
+          <a:xfrm flipH="1">
+            <a:off x="107172" y="0"/>
+            <a:ext cx="8195247" cy="0"/>
+          </a:xfrm>
+          <a:prstGeom prst="line">
+            <a:avLst/>
+          </a:prstGeom>
+          <a:noFill/>
+          <a:ln w="28575" cap="flat" cmpd="sng" algn="ctr">
+            <a:solidFill>
+              <a:srgbClr val="92D050"/>
+            </a:solidFill>
+            <a:prstDash val="solid"/>
+          </a:ln>
+          <a:effectLst/>
+        </p:spPr>
+      </p:cxnSp>
+      <p:cxnSp>
+        <p:nvCxnSpPr>
+          <p:cNvPr id="31" name="Connecteur droit 30"/>
+          <p:cNvCxnSpPr/>
+          <p:nvPr/>
+        </p:nvCxnSpPr>
+        <p:spPr>
+          <a:xfrm>
+            <a:off x="107172" y="1043647"/>
+            <a:ext cx="486310" cy="0"/>
+          </a:xfrm>
+          <a:prstGeom prst="line">
+            <a:avLst/>
+          </a:prstGeom>
+          <a:noFill/>
+          <a:ln w="28575" cap="flat" cmpd="sng" algn="ctr">
+            <a:solidFill>
+              <a:srgbClr val="92D050"/>
+            </a:solidFill>
+            <a:prstDash val="solid"/>
+            <a:headEnd type="none" w="med" len="med"/>
+            <a:tailEnd type="arrow" w="med" len="med"/>
+          </a:ln>
+          <a:effectLst/>
+        </p:spPr>
+      </p:cxnSp>
+      <p:cxnSp>
+        <p:nvCxnSpPr>
+          <p:cNvPr id="32" name="Connecteur droit 31"/>
+          <p:cNvCxnSpPr/>
+          <p:nvPr/>
+        </p:nvCxnSpPr>
+        <p:spPr>
+          <a:xfrm flipV="1">
+            <a:off x="107172" y="0"/>
+            <a:ext cx="0" cy="1043648"/>
+          </a:xfrm>
+          <a:prstGeom prst="line">
+            <a:avLst/>
+          </a:prstGeom>
+          <a:noFill/>
+          <a:ln w="28575" cap="flat" cmpd="sng" algn="ctr">
+            <a:solidFill>
+              <a:srgbClr val="92D050"/>
+            </a:solidFill>
+            <a:prstDash val="solid"/>
+          </a:ln>
+          <a:effectLst/>
+        </p:spPr>
+      </p:cxnSp>
+      <p:cxnSp>
+        <p:nvCxnSpPr>
+          <p:cNvPr id="33" name="Connecteur droit 32"/>
+          <p:cNvCxnSpPr/>
+          <p:nvPr/>
+        </p:nvCxnSpPr>
+        <p:spPr>
+          <a:xfrm>
+            <a:off x="10512480" y="2121710"/>
+            <a:ext cx="409038" cy="2542"/>
+          </a:xfrm>
+          <a:prstGeom prst="line">
+            <a:avLst/>
+          </a:prstGeom>
+          <a:noFill/>
+          <a:ln w="28575" cap="flat" cmpd="sng" algn="ctr">
+            <a:solidFill>
+              <a:srgbClr val="C0504D">
+                <a:shade val="95000"/>
+                <a:satMod val="105000"/>
+              </a:srgbClr>
+            </a:solidFill>
+            <a:prstDash val="solid"/>
+            <a:headEnd type="none" w="med" len="med"/>
+            <a:tailEnd type="arrow" w="med" len="med"/>
+          </a:ln>
+          <a:effectLst/>
+        </p:spPr>
+      </p:cxnSp>
+      <p:sp>
+        <p:nvSpPr>
+          <p:cNvPr id="34" name="Flèche vers le bas 33"/>
+          <p:cNvSpPr/>
+          <p:nvPr/>
+        </p:nvSpPr>
+        <p:spPr>
+          <a:xfrm>
+            <a:off x="9499890" y="1066427"/>
+            <a:ext cx="405180" cy="819344"/>
+          </a:xfrm>
+          <a:prstGeom prst="downArrow">
+            <a:avLst/>
+          </a:prstGeom>
+          <a:solidFill>
+            <a:sysClr val="window" lastClr="FFFFFF"/>
+          </a:solidFill>
+          <a:ln w="25400" cap="flat" cmpd="sng" algn="ctr">
+            <a:solidFill>
+              <a:srgbClr val="C0504D"/>
+            </a:solidFill>
+            <a:prstDash val="solid"/>
+          </a:ln>
+          <a:effectLst/>
+        </p:spPr>
+        <p:txBody>
+          <a:bodyPr rtlCol="0" anchor="ctr"/>
+          <a:lstStyle/>
+          <a:p>
+            <a:pPr marL="0" marR="0" lvl="0" indent="0" algn="ctr" defTabSz="914400" eaLnBrk="1" fontAlgn="auto" latinLnBrk="0" hangingPunct="1">
+              <a:lnSpc>
+                <a:spcPct val="100000"/>
+              </a:lnSpc>
+              <a:spcBef>
+                <a:spcPts val="0"/>
+              </a:spcBef>
+              <a:spcAft>
+                <a:spcPts val="0"/>
+              </a:spcAft>
+              <a:buClrTx/>
+              <a:buSzTx/>
+              <a:buFontTx/>
+              <a:buNone/>
+              <a:tabLst/>
+              <a:defRPr/>
+            </a:pPr>
+            <a:endParaRPr kumimoji="0" lang="fr-FR" sz="1600" b="0" i="0" u="none" strike="noStrike" kern="0" cap="none" spc="0" normalizeH="0" baseline="0" noProof="0">
               <a:ln>
                 <a:noFill/>
               </a:ln>
@@ -13304,583 +15890,6 @@
           </a:p>
         </p:txBody>
       </p:sp>
-      <p:cxnSp>
-        <p:nvCxnSpPr>
-          <p:cNvPr id="15" name="Connecteur droit avec flèche 14"/>
-          <p:cNvCxnSpPr/>
-          <p:nvPr/>
-        </p:nvCxnSpPr>
-        <p:spPr>
-          <a:xfrm>
-            <a:off x="107172" y="1476099"/>
-            <a:ext cx="486310" cy="8685"/>
-          </a:xfrm>
-          <a:prstGeom prst="straightConnector1">
-            <a:avLst/>
-          </a:prstGeom>
-          <a:noFill/>
-          <a:ln w="28575" cap="flat" cmpd="sng" algn="ctr">
-            <a:solidFill>
-              <a:srgbClr val="4F81BD">
-                <a:shade val="95000"/>
-                <a:satMod val="105000"/>
-              </a:srgbClr>
-            </a:solidFill>
-            <a:prstDash val="solid"/>
-            <a:tailEnd type="arrow"/>
-          </a:ln>
-          <a:effectLst/>
-        </p:spPr>
-      </p:cxnSp>
-      <p:cxnSp>
-        <p:nvCxnSpPr>
-          <p:cNvPr id="16" name="Connecteur droit avec flèche 15"/>
-          <p:cNvCxnSpPr>
-            <a:stCxn id="7" idx="3"/>
-            <a:endCxn id="8" idx="1"/>
-          </p:cNvCxnSpPr>
-          <p:nvPr/>
-        </p:nvCxnSpPr>
-        <p:spPr>
-          <a:xfrm>
-            <a:off x="2213482" y="1255771"/>
-            <a:ext cx="486310" cy="0"/>
-          </a:xfrm>
-          <a:prstGeom prst="straightConnector1">
-            <a:avLst/>
-          </a:prstGeom>
-          <a:noFill/>
-          <a:ln w="28575" cap="flat" cmpd="sng" algn="ctr">
-            <a:solidFill>
-              <a:srgbClr val="4F81BD">
-                <a:shade val="95000"/>
-                <a:satMod val="105000"/>
-              </a:srgbClr>
-            </a:solidFill>
-            <a:prstDash val="solid"/>
-            <a:tailEnd type="arrow"/>
-          </a:ln>
-          <a:effectLst/>
-        </p:spPr>
-      </p:cxnSp>
-      <p:cxnSp>
-        <p:nvCxnSpPr>
-          <p:cNvPr id="17" name="Connecteur droit avec flèche 16"/>
-          <p:cNvCxnSpPr>
-            <a:stCxn id="8" idx="3"/>
-            <a:endCxn id="9" idx="1"/>
-          </p:cNvCxnSpPr>
-          <p:nvPr/>
-        </p:nvCxnSpPr>
-        <p:spPr>
-          <a:xfrm>
-            <a:off x="4319792" y="1255771"/>
-            <a:ext cx="484465" cy="7818"/>
-          </a:xfrm>
-          <a:prstGeom prst="straightConnector1">
-            <a:avLst/>
-          </a:prstGeom>
-          <a:noFill/>
-          <a:ln w="28575" cap="flat" cmpd="sng" algn="ctr">
-            <a:solidFill>
-              <a:srgbClr val="4F81BD">
-                <a:shade val="95000"/>
-                <a:satMod val="105000"/>
-              </a:srgbClr>
-            </a:solidFill>
-            <a:prstDash val="solid"/>
-            <a:tailEnd type="arrow"/>
-          </a:ln>
-          <a:effectLst/>
-        </p:spPr>
-      </p:cxnSp>
-      <p:cxnSp>
-        <p:nvCxnSpPr>
-          <p:cNvPr id="18" name="Connecteur droit avec flèche 17"/>
-          <p:cNvCxnSpPr>
-            <a:stCxn id="9" idx="3"/>
-          </p:cNvCxnSpPr>
-          <p:nvPr/>
-        </p:nvCxnSpPr>
-        <p:spPr>
-          <a:xfrm>
-            <a:off x="6424257" y="1263589"/>
-            <a:ext cx="1249185" cy="0"/>
-          </a:xfrm>
-          <a:prstGeom prst="straightConnector1">
-            <a:avLst/>
-          </a:prstGeom>
-          <a:noFill/>
-          <a:ln w="28575" cap="flat" cmpd="sng" algn="ctr">
-            <a:solidFill>
-              <a:srgbClr val="4F81BD">
-                <a:shade val="95000"/>
-                <a:satMod val="105000"/>
-              </a:srgbClr>
-            </a:solidFill>
-            <a:prstDash val="solid"/>
-            <a:tailEnd type="arrow"/>
-          </a:ln>
-          <a:effectLst/>
-        </p:spPr>
-      </p:cxnSp>
-      <p:cxnSp>
-        <p:nvCxnSpPr>
-          <p:cNvPr id="20" name="Connecteur droit 19"/>
-          <p:cNvCxnSpPr/>
-          <p:nvPr/>
-        </p:nvCxnSpPr>
-        <p:spPr>
-          <a:xfrm>
-            <a:off x="2456637" y="2350241"/>
-            <a:ext cx="1067361" cy="0"/>
-          </a:xfrm>
-          <a:prstGeom prst="line">
-            <a:avLst/>
-          </a:prstGeom>
-          <a:noFill/>
-          <a:ln w="28575" cap="flat" cmpd="sng" algn="ctr">
-            <a:solidFill>
-              <a:srgbClr val="C0504D">
-                <a:shade val="95000"/>
-                <a:satMod val="105000"/>
-              </a:srgbClr>
-            </a:solidFill>
-            <a:prstDash val="solid"/>
-          </a:ln>
-          <a:effectLst/>
-        </p:spPr>
-      </p:cxnSp>
-      <p:cxnSp>
-        <p:nvCxnSpPr>
-          <p:cNvPr id="21" name="Connecteur droit 20"/>
-          <p:cNvCxnSpPr/>
-          <p:nvPr/>
-        </p:nvCxnSpPr>
-        <p:spPr>
-          <a:xfrm flipV="1">
-            <a:off x="3523998" y="1618458"/>
-            <a:ext cx="0" cy="721440"/>
-          </a:xfrm>
-          <a:prstGeom prst="line">
-            <a:avLst/>
-          </a:prstGeom>
-          <a:noFill/>
-          <a:ln w="28575" cap="flat" cmpd="sng" algn="ctr">
-            <a:solidFill>
-              <a:srgbClr val="C0504D">
-                <a:shade val="95000"/>
-                <a:satMod val="105000"/>
-              </a:srgbClr>
-            </a:solidFill>
-            <a:prstDash val="solid"/>
-          </a:ln>
-          <a:effectLst/>
-        </p:spPr>
-      </p:cxnSp>
-      <p:cxnSp>
-        <p:nvCxnSpPr>
-          <p:cNvPr id="22" name="Connecteur droit 21"/>
-          <p:cNvCxnSpPr/>
-          <p:nvPr/>
-        </p:nvCxnSpPr>
-        <p:spPr>
-          <a:xfrm flipV="1">
-            <a:off x="2456637" y="2345711"/>
-            <a:ext cx="0" cy="867265"/>
-          </a:xfrm>
-          <a:prstGeom prst="line">
-            <a:avLst/>
-          </a:prstGeom>
-          <a:noFill/>
-          <a:ln w="28575" cap="flat" cmpd="sng" algn="ctr">
-            <a:solidFill>
-              <a:srgbClr val="C0504D">
-                <a:shade val="95000"/>
-                <a:satMod val="105000"/>
-              </a:srgbClr>
-            </a:solidFill>
-            <a:prstDash val="solid"/>
-          </a:ln>
-          <a:effectLst/>
-        </p:spPr>
-      </p:cxnSp>
-      <p:cxnSp>
-        <p:nvCxnSpPr>
-          <p:cNvPr id="23" name="Connecteur droit 22"/>
-          <p:cNvCxnSpPr/>
-          <p:nvPr/>
-        </p:nvCxnSpPr>
-        <p:spPr>
-          <a:xfrm>
-            <a:off x="2456637" y="3212976"/>
-            <a:ext cx="243155" cy="0"/>
-          </a:xfrm>
-          <a:prstGeom prst="line">
-            <a:avLst/>
-          </a:prstGeom>
-          <a:noFill/>
-          <a:ln w="28575" cap="flat" cmpd="sng" algn="ctr">
-            <a:solidFill>
-              <a:srgbClr val="C0504D">
-                <a:shade val="95000"/>
-                <a:satMod val="105000"/>
-              </a:srgbClr>
-            </a:solidFill>
-            <a:prstDash val="solid"/>
-            <a:headEnd type="none" w="med" len="med"/>
-            <a:tailEnd type="arrow" w="med" len="med"/>
-          </a:ln>
-          <a:effectLst/>
-        </p:spPr>
-      </p:cxnSp>
-      <p:cxnSp>
-        <p:nvCxnSpPr>
-          <p:cNvPr id="24" name="Connecteur droit 23"/>
-          <p:cNvCxnSpPr>
-            <a:stCxn id="10" idx="3"/>
-            <a:endCxn id="11" idx="1"/>
-          </p:cNvCxnSpPr>
-          <p:nvPr/>
-        </p:nvCxnSpPr>
-        <p:spPr>
-          <a:xfrm>
-            <a:off x="2213482" y="3410928"/>
-            <a:ext cx="486310" cy="0"/>
-          </a:xfrm>
-          <a:prstGeom prst="line">
-            <a:avLst/>
-          </a:prstGeom>
-          <a:noFill/>
-          <a:ln w="28575" cap="flat" cmpd="sng" algn="ctr">
-            <a:solidFill>
-              <a:srgbClr val="C0504D">
-                <a:shade val="95000"/>
-                <a:satMod val="105000"/>
-              </a:srgbClr>
-            </a:solidFill>
-            <a:prstDash val="solid"/>
-            <a:headEnd type="none" w="med" len="med"/>
-            <a:tailEnd type="arrow" w="med" len="med"/>
-          </a:ln>
-          <a:effectLst/>
-        </p:spPr>
-      </p:cxnSp>
-      <p:cxnSp>
-        <p:nvCxnSpPr>
-          <p:cNvPr id="25" name="Connecteur droit 24"/>
-          <p:cNvCxnSpPr>
-            <a:stCxn id="11" idx="3"/>
-            <a:endCxn id="12" idx="1"/>
-          </p:cNvCxnSpPr>
-          <p:nvPr/>
-        </p:nvCxnSpPr>
-        <p:spPr>
-          <a:xfrm>
-            <a:off x="4319792" y="3410928"/>
-            <a:ext cx="484465" cy="0"/>
-          </a:xfrm>
-          <a:prstGeom prst="line">
-            <a:avLst/>
-          </a:prstGeom>
-          <a:noFill/>
-          <a:ln w="28575" cap="flat" cmpd="sng" algn="ctr">
-            <a:solidFill>
-              <a:srgbClr val="C0504D">
-                <a:shade val="95000"/>
-                <a:satMod val="105000"/>
-              </a:srgbClr>
-            </a:solidFill>
-            <a:prstDash val="solid"/>
-            <a:headEnd type="none" w="med" len="med"/>
-            <a:tailEnd type="arrow" w="med" len="med"/>
-          </a:ln>
-          <a:effectLst/>
-        </p:spPr>
-      </p:cxnSp>
-      <p:cxnSp>
-        <p:nvCxnSpPr>
-          <p:cNvPr id="26" name="Connecteur droit 25"/>
-          <p:cNvCxnSpPr>
-            <a:stCxn id="12" idx="3"/>
-            <a:endCxn id="13" idx="1"/>
-          </p:cNvCxnSpPr>
-          <p:nvPr/>
-        </p:nvCxnSpPr>
-        <p:spPr>
-          <a:xfrm>
-            <a:off x="6424257" y="3410928"/>
-            <a:ext cx="439185" cy="0"/>
-          </a:xfrm>
-          <a:prstGeom prst="line">
-            <a:avLst/>
-          </a:prstGeom>
-          <a:noFill/>
-          <a:ln w="28575" cap="flat" cmpd="sng" algn="ctr">
-            <a:solidFill>
-              <a:srgbClr val="C0504D">
-                <a:shade val="95000"/>
-                <a:satMod val="105000"/>
-              </a:srgbClr>
-            </a:solidFill>
-            <a:prstDash val="solid"/>
-            <a:headEnd type="none" w="med" len="med"/>
-            <a:tailEnd type="arrow" w="med" len="med"/>
-          </a:ln>
-          <a:effectLst/>
-        </p:spPr>
-      </p:cxnSp>
-      <p:cxnSp>
-        <p:nvCxnSpPr>
-          <p:cNvPr id="27" name="Connecteur droit 26"/>
-          <p:cNvCxnSpPr>
-            <a:stCxn id="13" idx="3"/>
-            <a:endCxn id="14" idx="1"/>
-          </p:cNvCxnSpPr>
-          <p:nvPr/>
-        </p:nvCxnSpPr>
-        <p:spPr>
-          <a:xfrm>
-            <a:off x="8483442" y="3410928"/>
-            <a:ext cx="409038" cy="2542"/>
-          </a:xfrm>
-          <a:prstGeom prst="line">
-            <a:avLst/>
-          </a:prstGeom>
-          <a:noFill/>
-          <a:ln w="28575" cap="flat" cmpd="sng" algn="ctr">
-            <a:solidFill>
-              <a:srgbClr val="C0504D">
-                <a:shade val="95000"/>
-                <a:satMod val="105000"/>
-              </a:srgbClr>
-            </a:solidFill>
-            <a:prstDash val="solid"/>
-            <a:headEnd type="none" w="med" len="med"/>
-            <a:tailEnd type="arrow" w="med" len="med"/>
-          </a:ln>
-          <a:effectLst/>
-        </p:spPr>
-      </p:cxnSp>
-      <p:cxnSp>
-        <p:nvCxnSpPr>
-          <p:cNvPr id="28" name="Connecteur droit 27"/>
-          <p:cNvCxnSpPr/>
-          <p:nvPr/>
-        </p:nvCxnSpPr>
-        <p:spPr>
-          <a:xfrm>
-            <a:off x="107172" y="3410928"/>
-            <a:ext cx="486310" cy="0"/>
-          </a:xfrm>
-          <a:prstGeom prst="line">
-            <a:avLst/>
-          </a:prstGeom>
-          <a:noFill/>
-          <a:ln w="28575" cap="flat" cmpd="sng" algn="ctr">
-            <a:solidFill>
-              <a:srgbClr val="C0504D">
-                <a:shade val="95000"/>
-                <a:satMod val="105000"/>
-              </a:srgbClr>
-            </a:solidFill>
-            <a:prstDash val="solid"/>
-            <a:headEnd type="none" w="med" len="med"/>
-            <a:tailEnd type="arrow" w="med" len="med"/>
-          </a:ln>
-          <a:effectLst/>
-        </p:spPr>
-      </p:cxnSp>
-      <p:cxnSp>
-        <p:nvCxnSpPr>
-          <p:cNvPr id="29" name="Connecteur droit 28"/>
-          <p:cNvCxnSpPr/>
-          <p:nvPr/>
-        </p:nvCxnSpPr>
-        <p:spPr>
-          <a:xfrm flipV="1">
-            <a:off x="8302419" y="-1"/>
-            <a:ext cx="0" cy="2779343"/>
-          </a:xfrm>
-          <a:prstGeom prst="line">
-            <a:avLst/>
-          </a:prstGeom>
-          <a:noFill/>
-          <a:ln w="28575" cap="flat" cmpd="sng" algn="ctr">
-            <a:solidFill>
-              <a:srgbClr val="92D050"/>
-            </a:solidFill>
-            <a:prstDash val="solid"/>
-          </a:ln>
-          <a:effectLst/>
-        </p:spPr>
-      </p:cxnSp>
-      <p:cxnSp>
-        <p:nvCxnSpPr>
-          <p:cNvPr id="30" name="Connecteur droit 29"/>
-          <p:cNvCxnSpPr/>
-          <p:nvPr/>
-        </p:nvCxnSpPr>
-        <p:spPr>
-          <a:xfrm flipH="1">
-            <a:off x="107172" y="0"/>
-            <a:ext cx="8195247" cy="0"/>
-          </a:xfrm>
-          <a:prstGeom prst="line">
-            <a:avLst/>
-          </a:prstGeom>
-          <a:noFill/>
-          <a:ln w="28575" cap="flat" cmpd="sng" algn="ctr">
-            <a:solidFill>
-              <a:srgbClr val="92D050"/>
-            </a:solidFill>
-            <a:prstDash val="solid"/>
-          </a:ln>
-          <a:effectLst/>
-        </p:spPr>
-      </p:cxnSp>
-      <p:cxnSp>
-        <p:nvCxnSpPr>
-          <p:cNvPr id="31" name="Connecteur droit 30"/>
-          <p:cNvCxnSpPr/>
-          <p:nvPr/>
-        </p:nvCxnSpPr>
-        <p:spPr>
-          <a:xfrm>
-            <a:off x="107172" y="1043647"/>
-            <a:ext cx="486310" cy="0"/>
-          </a:xfrm>
-          <a:prstGeom prst="line">
-            <a:avLst/>
-          </a:prstGeom>
-          <a:noFill/>
-          <a:ln w="28575" cap="flat" cmpd="sng" algn="ctr">
-            <a:solidFill>
-              <a:srgbClr val="92D050"/>
-            </a:solidFill>
-            <a:prstDash val="solid"/>
-            <a:headEnd type="none" w="med" len="med"/>
-            <a:tailEnd type="arrow" w="med" len="med"/>
-          </a:ln>
-          <a:effectLst/>
-        </p:spPr>
-      </p:cxnSp>
-      <p:cxnSp>
-        <p:nvCxnSpPr>
-          <p:cNvPr id="32" name="Connecteur droit 31"/>
-          <p:cNvCxnSpPr/>
-          <p:nvPr/>
-        </p:nvCxnSpPr>
-        <p:spPr>
-          <a:xfrm flipV="1">
-            <a:off x="107172" y="0"/>
-            <a:ext cx="0" cy="1043648"/>
-          </a:xfrm>
-          <a:prstGeom prst="line">
-            <a:avLst/>
-          </a:prstGeom>
-          <a:noFill/>
-          <a:ln w="28575" cap="flat" cmpd="sng" algn="ctr">
-            <a:solidFill>
-              <a:srgbClr val="92D050"/>
-            </a:solidFill>
-            <a:prstDash val="solid"/>
-          </a:ln>
-          <a:effectLst/>
-        </p:spPr>
-      </p:cxnSp>
-      <p:cxnSp>
-        <p:nvCxnSpPr>
-          <p:cNvPr id="33" name="Connecteur droit 32"/>
-          <p:cNvCxnSpPr/>
-          <p:nvPr/>
-        </p:nvCxnSpPr>
-        <p:spPr>
-          <a:xfrm>
-            <a:off x="10512480" y="2121710"/>
-            <a:ext cx="409038" cy="2542"/>
-          </a:xfrm>
-          <a:prstGeom prst="line">
-            <a:avLst/>
-          </a:prstGeom>
-          <a:noFill/>
-          <a:ln w="28575" cap="flat" cmpd="sng" algn="ctr">
-            <a:solidFill>
-              <a:srgbClr val="C0504D">
-                <a:shade val="95000"/>
-                <a:satMod val="105000"/>
-              </a:srgbClr>
-            </a:solidFill>
-            <a:prstDash val="solid"/>
-            <a:headEnd type="none" w="med" len="med"/>
-            <a:tailEnd type="arrow" w="med" len="med"/>
-          </a:ln>
-          <a:effectLst/>
-        </p:spPr>
-      </p:cxnSp>
-      <p:sp>
-        <p:nvSpPr>
-          <p:cNvPr id="34" name="Flèche vers le bas 33"/>
-          <p:cNvSpPr/>
-          <p:nvPr/>
-        </p:nvSpPr>
-        <p:spPr>
-          <a:xfrm>
-            <a:off x="9499890" y="1066427"/>
-            <a:ext cx="405180" cy="819344"/>
-          </a:xfrm>
-          <a:prstGeom prst="downArrow">
-            <a:avLst/>
-          </a:prstGeom>
-          <a:solidFill>
-            <a:sysClr val="window" lastClr="FFFFFF"/>
-          </a:solidFill>
-          <a:ln w="25400" cap="flat" cmpd="sng" algn="ctr">
-            <a:solidFill>
-              <a:srgbClr val="C0504D"/>
-            </a:solidFill>
-            <a:prstDash val="solid"/>
-          </a:ln>
-          <a:effectLst/>
-        </p:spPr>
-        <p:txBody>
-          <a:bodyPr rtlCol="0" anchor="ctr"/>
-          <a:lstStyle/>
-          <a:p>
-            <a:pPr marL="0" marR="0" lvl="0" indent="0" algn="ctr" defTabSz="914400" eaLnBrk="1" fontAlgn="auto" latinLnBrk="0" hangingPunct="1">
-              <a:lnSpc>
-                <a:spcPct val="100000"/>
-              </a:lnSpc>
-              <a:spcBef>
-                <a:spcPts val="0"/>
-              </a:spcBef>
-              <a:spcAft>
-                <a:spcPts val="0"/>
-              </a:spcAft>
-              <a:buClrTx/>
-              <a:buSzTx/>
-              <a:buFontTx/>
-              <a:buNone/>
-              <a:tabLst/>
-              <a:defRPr/>
-            </a:pPr>
-            <a:endParaRPr kumimoji="0" lang="fr-FR" sz="1600" b="0" i="0" u="none" strike="noStrike" kern="0" cap="none" spc="0" normalizeH="0" baseline="0" noProof="0" smtClean="0">
-              <a:ln>
-                <a:noFill/>
-              </a:ln>
-              <a:solidFill>
-                <a:prstClr val="black"/>
-              </a:solidFill>
-              <a:effectLst/>
-              <a:uLnTx/>
-              <a:uFillTx/>
-              <a:latin typeface="Calibri"/>
-              <a:ea typeface="+mn-ea"/>
-              <a:cs typeface="+mn-cs"/>
-            </a:endParaRPr>
-          </a:p>
-        </p:txBody>
-      </p:sp>
       <p:sp>
         <p:nvSpPr>
           <p:cNvPr id="35" name="Rectangle 34"/>
@@ -13928,7 +15937,7 @@
               <a:defRPr/>
             </a:pPr>
             <a:r>
-              <a:rPr kumimoji="0" lang="fr-FR" sz="1600" b="1" i="0" u="none" strike="noStrike" kern="0" cap="none" spc="0" normalizeH="0" baseline="0" noProof="0" dirty="0" smtClean="0">
+              <a:rPr kumimoji="0" lang="fr-FR" sz="1600" b="1" i="0" u="none" strike="noStrike" kern="0" cap="none" spc="0" normalizeH="0" baseline="0" noProof="0" dirty="0">
                 <a:ln>
                   <a:noFill/>
                 </a:ln>
@@ -13944,20 +15953,6 @@
               </a:rPr>
               <a:t>Énergie électrique</a:t>
             </a:r>
-            <a:endParaRPr kumimoji="0" lang="fr-FR" sz="1600" b="1" i="0" u="none" strike="noStrike" kern="0" cap="none" spc="0" normalizeH="0" baseline="0" noProof="0" dirty="0" smtClean="0">
-              <a:ln>
-                <a:noFill/>
-              </a:ln>
-              <a:solidFill>
-                <a:srgbClr val="C00000"/>
-              </a:solidFill>
-              <a:effectLst/>
-              <a:uLnTx/>
-              <a:uFillTx/>
-              <a:latin typeface="Calibri"/>
-              <a:ea typeface="+mn-ea"/>
-              <a:cs typeface="+mn-cs"/>
-            </a:endParaRPr>
           </a:p>
         </p:txBody>
       </p:sp>
@@ -14035,7 +16030,7 @@
               <a:defRPr/>
             </a:pPr>
             <a:r>
-              <a:rPr kumimoji="0" lang="fr-FR" sz="1400" b="0" i="0" u="none" strike="noStrike" kern="0" cap="none" spc="0" normalizeH="0" baseline="0" noProof="0" dirty="0" smtClean="0">
+              <a:rPr kumimoji="0" lang="fr-FR" sz="1400" b="0" i="0" u="none" strike="noStrike" kern="0" cap="none" spc="0" normalizeH="0" baseline="0" noProof="0" dirty="0">
                 <a:ln>
                   <a:noFill/>
                 </a:ln>
@@ -14051,20 +16046,6 @@
               </a:rPr>
               <a:t>Énergie électrique</a:t>
             </a:r>
-            <a:endParaRPr kumimoji="0" lang="fr-FR" sz="1400" b="0" i="0" u="none" strike="noStrike" kern="0" cap="none" spc="0" normalizeH="0" baseline="0" noProof="0" dirty="0" smtClean="0">
-              <a:ln>
-                <a:noFill/>
-              </a:ln>
-              <a:solidFill>
-                <a:prstClr val="black"/>
-              </a:solidFill>
-              <a:effectLst/>
-              <a:uLnTx/>
-              <a:uFillTx/>
-              <a:latin typeface="Calibri"/>
-              <a:ea typeface="+mn-ea"/>
-              <a:cs typeface="+mn-cs"/>
-            </a:endParaRPr>
           </a:p>
         </p:txBody>
       </p:sp>
@@ -14203,21 +16184,8 @@
                   <a:prstClr val="black"/>
                 </a:solidFill>
               </a:rPr>
-              <a:t>Énergie </a:t>
+              <a:t>Énergie mécanique</a:t>
             </a:r>
-            <a:r>
-              <a:rPr lang="fr-FR" sz="1400" kern="0" dirty="0" smtClean="0">
-                <a:solidFill>
-                  <a:prstClr val="black"/>
-                </a:solidFill>
-              </a:rPr>
-              <a:t>mécanique</a:t>
-            </a:r>
-            <a:endParaRPr lang="fr-FR" sz="1400" kern="0" dirty="0">
-              <a:solidFill>
-                <a:prstClr val="black"/>
-              </a:solidFill>
-            </a:endParaRPr>
           </a:p>
         </p:txBody>
       </p:sp>
@@ -14291,7 +16259,7 @@
               <a:defRPr/>
             </a:pPr>
             <a:r>
-              <a:rPr kumimoji="0" lang="fr-FR" sz="1600" b="1" i="0" u="none" strike="noStrike" kern="0" cap="none" spc="0" normalizeH="0" baseline="0" noProof="0" dirty="0" smtClean="0">
+              <a:rPr kumimoji="0" lang="fr-FR" sz="1600" b="1" i="0" u="none" strike="noStrike" kern="0" cap="none" spc="0" normalizeH="0" baseline="0" noProof="0" dirty="0">
                 <a:ln>
                   <a:noFill/>
                 </a:ln>
@@ -14353,7 +16321,7 @@
               <a:defRPr/>
             </a:pPr>
             <a:r>
-              <a:rPr kumimoji="0" lang="fr-FR" sz="1400" b="1" i="0" u="none" strike="noStrike" kern="0" cap="none" spc="0" normalizeH="0" baseline="0" noProof="0" dirty="0" smtClean="0">
+              <a:rPr kumimoji="0" lang="fr-FR" sz="1400" b="1" i="0" u="none" strike="noStrike" kern="0" cap="none" spc="0" normalizeH="0" baseline="0" noProof="0" dirty="0">
                 <a:ln>
                   <a:noFill/>
                 </a:ln>
@@ -14415,7 +16383,7 @@
               <a:defRPr/>
             </a:pPr>
             <a:r>
-              <a:rPr kumimoji="0" lang="fr-FR" sz="1200" b="1" i="0" u="none" strike="noStrike" kern="0" cap="none" spc="0" normalizeH="0" baseline="0" noProof="0" dirty="0" smtClean="0">
+              <a:rPr kumimoji="0" lang="fr-FR" sz="1200" b="1" i="0" u="none" strike="noStrike" kern="0" cap="none" spc="0" normalizeH="0" baseline="0" noProof="0" dirty="0">
                 <a:ln>
                   <a:noFill/>
                 </a:ln>
@@ -14477,7 +16445,7 @@
               <a:defRPr/>
             </a:pPr>
             <a:r>
-              <a:rPr kumimoji="0" lang="fr-FR" sz="1200" b="1" i="0" u="none" strike="noStrike" kern="0" cap="none" spc="0" normalizeH="0" baseline="0" noProof="0" dirty="0" smtClean="0">
+              <a:rPr kumimoji="0" lang="fr-FR" sz="1200" b="1" i="0" u="none" strike="noStrike" kern="0" cap="none" spc="0" normalizeH="0" baseline="0" noProof="0" dirty="0">
                 <a:ln>
                   <a:noFill/>
                 </a:ln>
@@ -14539,7 +16507,7 @@
               <a:defRPr/>
             </a:pPr>
             <a:r>
-              <a:rPr kumimoji="0" lang="fr-FR" sz="1200" b="1" i="0" u="none" strike="noStrike" kern="0" cap="none" spc="0" normalizeH="0" baseline="0" noProof="0" dirty="0" smtClean="0">
+              <a:rPr kumimoji="0" lang="fr-FR" sz="1200" b="1" i="0" u="none" strike="noStrike" kern="0" cap="none" spc="0" normalizeH="0" baseline="0" noProof="0" dirty="0">
                 <a:ln>
                   <a:noFill/>
                 </a:ln>
@@ -14601,7 +16569,7 @@
               <a:defRPr/>
             </a:pPr>
             <a:r>
-              <a:rPr kumimoji="0" lang="fr-FR" sz="1600" b="1" i="0" u="none" strike="noStrike" kern="0" cap="none" spc="0" normalizeH="0" baseline="0" noProof="0" dirty="0" smtClean="0">
+              <a:rPr kumimoji="0" lang="fr-FR" sz="1600" b="1" i="0" u="none" strike="noStrike" kern="0" cap="none" spc="0" normalizeH="0" baseline="0" noProof="0" dirty="0">
                 <a:ln>
                   <a:noFill/>
                 </a:ln>
@@ -14618,7 +16586,7 @@
               <a:t>Tapis</a:t>
             </a:r>
             <a:r>
-              <a:rPr kumimoji="0" lang="fr-FR" sz="1600" b="1" i="0" u="none" strike="noStrike" kern="0" cap="none" spc="0" normalizeH="0" noProof="0" dirty="0" smtClean="0">
+              <a:rPr kumimoji="0" lang="fr-FR" sz="1600" b="1" i="0" u="none" strike="noStrike" kern="0" cap="none" spc="0" normalizeH="0" noProof="0" dirty="0">
                 <a:ln>
                   <a:noFill/>
                 </a:ln>
@@ -14634,7 +16602,7 @@
               </a:rPr>
               <a:t> à l’arrêt</a:t>
             </a:r>
-            <a:endParaRPr kumimoji="0" lang="fr-FR" sz="1600" b="1" i="0" u="none" strike="noStrike" kern="0" cap="none" spc="0" normalizeH="0" baseline="0" noProof="0" dirty="0" smtClean="0">
+            <a:endParaRPr kumimoji="0" lang="fr-FR" sz="1600" b="1" i="0" u="none" strike="noStrike" kern="0" cap="none" spc="0" normalizeH="0" baseline="0" noProof="0" dirty="0">
               <a:ln>
                 <a:noFill/>
               </a:ln>
@@ -14694,7 +16662,7 @@
               <a:defRPr/>
             </a:pPr>
             <a:r>
-              <a:rPr kumimoji="0" lang="fr-FR" sz="1600" b="1" i="0" u="none" strike="noStrike" kern="0" cap="none" spc="0" normalizeH="0" baseline="0" noProof="0" dirty="0" smtClean="0">
+              <a:rPr kumimoji="0" lang="fr-FR" sz="1600" b="1" i="0" u="none" strike="noStrike" kern="0" cap="none" spc="0" normalizeH="0" baseline="0" noProof="0" dirty="0">
                 <a:ln>
                   <a:noFill/>
                 </a:ln>
@@ -14710,20 +16678,6 @@
               </a:rPr>
               <a:t>Tapis en marche</a:t>
             </a:r>
-            <a:endParaRPr kumimoji="0" lang="fr-FR" sz="1600" b="1" i="0" u="none" strike="noStrike" kern="0" cap="none" spc="0" normalizeH="0" baseline="0" noProof="0" dirty="0" smtClean="0">
-              <a:ln>
-                <a:noFill/>
-              </a:ln>
-              <a:solidFill>
-                <a:srgbClr val="C00000"/>
-              </a:solidFill>
-              <a:effectLst/>
-              <a:uLnTx/>
-              <a:uFillTx/>
-              <a:latin typeface="Calibri"/>
-              <a:ea typeface="+mn-ea"/>
-              <a:cs typeface="+mn-cs"/>
-            </a:endParaRPr>
           </a:p>
         </p:txBody>
       </p:sp>
